--- a/ppt/electron.pptx
+++ b/ppt/electron.pptx
@@ -3,22 +3,23 @@
 <p:presentation xmlns:a="http://schemas.openxmlformats.org/drawingml/2006/main" xmlns:r="http://schemas.openxmlformats.org/officeDocument/2006/relationships" xmlns:p="http://schemas.openxmlformats.org/presentationml/2006/main">
   <p:sldMasterIdLst>
     <p:sldMasterId id="2147483648" r:id="rId1"/>
+    <p:sldMasterId id="2147483657" r:id="rId3"/>
   </p:sldMasterIdLst>
   <p:sldIdLst>
-    <p:sldId id="256" r:id="rId3"/>
-    <p:sldId id="284" r:id="rId4"/>
-    <p:sldId id="285" r:id="rId5"/>
-    <p:sldId id="286" r:id="rId6"/>
-    <p:sldId id="299" r:id="rId7"/>
-    <p:sldId id="288" r:id="rId8"/>
-    <p:sldId id="297" r:id="rId9"/>
-    <p:sldId id="298" r:id="rId10"/>
-    <p:sldId id="293" r:id="rId11"/>
-    <p:sldId id="296" r:id="rId12"/>
-    <p:sldId id="294" r:id="rId13"/>
-    <p:sldId id="291" r:id="rId14"/>
-    <p:sldId id="308" r:id="rId15"/>
-    <p:sldId id="307" r:id="rId16"/>
+    <p:sldId id="256" r:id="rId4"/>
+    <p:sldId id="284" r:id="rId5"/>
+    <p:sldId id="285" r:id="rId6"/>
+    <p:sldId id="286" r:id="rId7"/>
+    <p:sldId id="299" r:id="rId8"/>
+    <p:sldId id="288" r:id="rId9"/>
+    <p:sldId id="297" r:id="rId10"/>
+    <p:sldId id="298" r:id="rId11"/>
+    <p:sldId id="293" r:id="rId12"/>
+    <p:sldId id="296" r:id="rId13"/>
+    <p:sldId id="294" r:id="rId14"/>
+    <p:sldId id="291" r:id="rId15"/>
+    <p:sldId id="308" r:id="rId16"/>
+    <p:sldId id="307" r:id="rId17"/>
   </p:sldIdLst>
   <p:sldSz cx="12192000" cy="6858000"/>
   <p:notesSz cx="6858000" cy="9144000"/>
@@ -122,6 +123,3952 @@
 
 <file path=ppt/slideLayouts/slideLayout1.xml><?xml version="1.0" encoding="utf-8"?>
 <p:sldLayout xmlns:a="http://schemas.openxmlformats.org/drawingml/2006/main" xmlns:r="http://schemas.openxmlformats.org/officeDocument/2006/relationships" xmlns:p="http://schemas.openxmlformats.org/presentationml/2006/main" type="title" preserve="1">
+  <p:cSld name="标题和副标题">
+    <p:spTree>
+      <p:nvGrpSpPr>
+        <p:cNvPr id="1" name=""/>
+        <p:cNvGrpSpPr/>
+        <p:nvPr/>
+      </p:nvGrpSpPr>
+      <p:grpSpPr>
+        <a:xfrm>
+          <a:off x="0" y="0"/>
+          <a:ext cx="0" cy="0"/>
+          <a:chOff x="0" y="0"/>
+          <a:chExt cx="0" cy="0"/>
+        </a:xfrm>
+      </p:grpSpPr>
+      <p:sp>
+        <p:nvSpPr>
+          <p:cNvPr id="2" name="标题 1"/>
+          <p:cNvSpPr>
+            <a:spLocks noGrp="1"/>
+          </p:cNvSpPr>
+          <p:nvPr>
+            <p:ph type="ctrTitle" hasCustomPrompt="1"/>
+          </p:nvPr>
+        </p:nvSpPr>
+        <p:spPr>
+          <a:xfrm>
+            <a:off x="669882" y="2308881"/>
+            <a:ext cx="10852237" cy="899167"/>
+          </a:xfrm>
+        </p:spPr>
+        <p:txBody>
+          <a:bodyPr lIns="101600" tIns="38100" rIns="25400" bIns="38100" anchor="t" anchorCtr="0">
+            <a:noAutofit/>
+          </a:bodyPr>
+          <a:lstStyle>
+            <a:lvl1pPr algn="ctr">
+              <a:defRPr sz="5400" b="0" spc="600">
+                <a:effectLst/>
+                <a:latin typeface="+mn-ea"/>
+                <a:ea typeface="+mn-ea"/>
+              </a:defRPr>
+            </a:lvl1pPr>
+          </a:lstStyle>
+          <a:p>
+            <a:r>
+              <a:rPr lang="zh-CN" altLang="en-US" dirty="0"/>
+              <a:t>单击此处编辑标题</a:t>
+            </a:r>
+            <a:endParaRPr lang="zh-CN" altLang="en-US" dirty="0"/>
+          </a:p>
+        </p:txBody>
+      </p:sp>
+      <p:sp>
+        <p:nvSpPr>
+          <p:cNvPr id="3" name="副标题 2"/>
+          <p:cNvSpPr>
+            <a:spLocks noGrp="1"/>
+          </p:cNvSpPr>
+          <p:nvPr>
+            <p:ph type="subTitle" idx="1" hasCustomPrompt="1"/>
+          </p:nvPr>
+        </p:nvSpPr>
+        <p:spPr>
+          <a:xfrm>
+            <a:off x="669925" y="3565525"/>
+            <a:ext cx="10852150" cy="801370"/>
+          </a:xfrm>
+        </p:spPr>
+        <p:txBody>
+          <a:bodyPr lIns="101600" tIns="38100" rIns="76200" bIns="38100" anchor="ctr" anchorCtr="0">
+            <a:noAutofit/>
+          </a:bodyPr>
+          <a:lstStyle>
+            <a:lvl1pPr marL="0" indent="0" algn="ctr" eaLnBrk="1" fontAlgn="auto" latinLnBrk="0" hangingPunct="1">
+              <a:lnSpc>
+                <a:spcPct val="100000"/>
+              </a:lnSpc>
+              <a:buNone/>
+              <a:defRPr sz="2400" u="none" strike="noStrike" kern="1200" cap="none" spc="200" normalizeH="0" baseline="0">
+                <a:solidFill>
+                  <a:schemeClr val="tx1"/>
+                </a:solidFill>
+                <a:uFillTx/>
+                <a:latin typeface="+mn-ea"/>
+                <a:ea typeface="+mn-ea"/>
+              </a:defRPr>
+            </a:lvl1pPr>
+            <a:lvl2pPr marL="457200" indent="0" algn="ctr">
+              <a:buNone/>
+              <a:defRPr sz="2000"/>
+            </a:lvl2pPr>
+            <a:lvl3pPr marL="914400" indent="0" algn="ctr">
+              <a:buNone/>
+              <a:defRPr sz="1800"/>
+            </a:lvl3pPr>
+            <a:lvl4pPr marL="1371600" indent="0" algn="ctr">
+              <a:buNone/>
+              <a:defRPr sz="1600"/>
+            </a:lvl4pPr>
+            <a:lvl5pPr marL="1828800" indent="0" algn="ctr">
+              <a:buNone/>
+              <a:defRPr sz="1600"/>
+            </a:lvl5pPr>
+            <a:lvl6pPr marL="2286000" indent="0" algn="ctr">
+              <a:buNone/>
+              <a:defRPr sz="1600"/>
+            </a:lvl6pPr>
+            <a:lvl7pPr marL="2743200" indent="0" algn="ctr">
+              <a:buNone/>
+              <a:defRPr sz="1600"/>
+            </a:lvl7pPr>
+            <a:lvl8pPr marL="3200400" indent="0" algn="ctr">
+              <a:buNone/>
+              <a:defRPr sz="1600"/>
+            </a:lvl8pPr>
+            <a:lvl9pPr marL="3657600" indent="0" algn="ctr">
+              <a:buNone/>
+              <a:defRPr sz="1600"/>
+            </a:lvl9pPr>
+          </a:lstStyle>
+          <a:p>
+            <a:r>
+              <a:rPr lang="zh-CN" altLang="en-US" dirty="0"/>
+              <a:t>单击此处编辑副标题</a:t>
+            </a:r>
+            <a:endParaRPr lang="zh-CN" altLang="en-US" dirty="0"/>
+          </a:p>
+        </p:txBody>
+      </p:sp>
+      <p:sp>
+        <p:nvSpPr>
+          <p:cNvPr id="17" name="页脚占位符 16"/>
+          <p:cNvSpPr>
+            <a:spLocks noGrp="1"/>
+          </p:cNvSpPr>
+          <p:nvPr>
+            <p:ph type="ftr" sz="quarter" idx="11"/>
+          </p:nvPr>
+        </p:nvSpPr>
+        <p:spPr/>
+        <p:txBody>
+          <a:bodyPr/>
+          <a:lstStyle>
+            <a:lvl1pPr>
+              <a:defRPr>
+                <a:latin typeface="+mn-ea"/>
+              </a:defRPr>
+            </a:lvl1pPr>
+          </a:lstStyle>
+          <a:p>
+            <a:endParaRPr lang="zh-CN" altLang="en-US" dirty="0"/>
+          </a:p>
+        </p:txBody>
+      </p:sp>
+      <p:sp>
+        <p:nvSpPr>
+          <p:cNvPr id="18" name="灯片编号占位符 17"/>
+          <p:cNvSpPr>
+            <a:spLocks noGrp="1"/>
+          </p:cNvSpPr>
+          <p:nvPr>
+            <p:ph type="sldNum" sz="quarter" idx="12"/>
+          </p:nvPr>
+        </p:nvSpPr>
+        <p:spPr/>
+        <p:txBody>
+          <a:bodyPr/>
+          <a:lstStyle>
+            <a:lvl1pPr>
+              <a:defRPr>
+                <a:latin typeface="+mn-ea"/>
+              </a:defRPr>
+            </a:lvl1pPr>
+          </a:lstStyle>
+          <a:p>
+            <a:fld id="{49AE70B2-8BF9-45C0-BB95-33D1B9D3A854}" type="slidenum">
+              <a:rPr lang="zh-CN" altLang="en-US" smtClean="0"/>
+            </a:fld>
+            <a:endParaRPr lang="zh-CN" altLang="en-US" dirty="0"/>
+          </a:p>
+        </p:txBody>
+      </p:sp>
+    </p:spTree>
+  </p:cSld>
+  <p:clrMapOvr>
+    <a:masterClrMapping/>
+  </p:clrMapOvr>
+</p:sldLayout>
+</file>
+
+<file path=ppt/slideLayouts/slideLayout10.xml><?xml version="1.0" encoding="utf-8"?>
+<p:sldLayout xmlns:a="http://schemas.openxmlformats.org/drawingml/2006/main" xmlns:r="http://schemas.openxmlformats.org/officeDocument/2006/relationships" xmlns:p="http://schemas.openxmlformats.org/presentationml/2006/main" type="obj" preserve="1">
+  <p:cSld name="标题和内容">
+    <p:spTree>
+      <p:nvGrpSpPr>
+        <p:cNvPr id="1" name=""/>
+        <p:cNvGrpSpPr/>
+        <p:nvPr/>
+      </p:nvGrpSpPr>
+      <p:grpSpPr>
+        <a:xfrm>
+          <a:off x="0" y="0"/>
+          <a:ext cx="0" cy="0"/>
+          <a:chOff x="0" y="0"/>
+          <a:chExt cx="0" cy="0"/>
+        </a:xfrm>
+      </p:grpSpPr>
+      <p:sp>
+        <p:nvSpPr>
+          <p:cNvPr id="2" name="标题 1"/>
+          <p:cNvSpPr>
+            <a:spLocks noGrp="1"/>
+          </p:cNvSpPr>
+          <p:nvPr>
+            <p:ph type="title"/>
+          </p:nvPr>
+        </p:nvSpPr>
+        <p:spPr/>
+        <p:txBody>
+          <a:bodyPr/>
+          <a:lstStyle/>
+          <a:p>
+            <a:r>
+              <a:rPr lang="zh-CN" altLang="en-US" smtClean="0"/>
+              <a:t>单击此处编辑母版标题样式</a:t>
+            </a:r>
+            <a:endParaRPr lang="zh-CN" altLang="en-US"/>
+          </a:p>
+        </p:txBody>
+      </p:sp>
+      <p:sp>
+        <p:nvSpPr>
+          <p:cNvPr id="3" name="内容占位符 2"/>
+          <p:cNvSpPr>
+            <a:spLocks noGrp="1"/>
+          </p:cNvSpPr>
+          <p:nvPr>
+            <p:ph idx="1"/>
+          </p:nvPr>
+        </p:nvSpPr>
+        <p:spPr/>
+        <p:txBody>
+          <a:bodyPr/>
+          <a:lstStyle/>
+          <a:p>
+            <a:pPr lvl="0"/>
+            <a:r>
+              <a:rPr lang="zh-CN" altLang="en-US" smtClean="0"/>
+              <a:t>单击此处编辑母版文本样式</a:t>
+            </a:r>
+            <a:endParaRPr lang="zh-CN" altLang="en-US" smtClean="0"/>
+          </a:p>
+          <a:p>
+            <a:pPr lvl="1"/>
+            <a:r>
+              <a:rPr lang="zh-CN" altLang="en-US" smtClean="0"/>
+              <a:t>第二级</a:t>
+            </a:r>
+            <a:endParaRPr lang="zh-CN" altLang="en-US" smtClean="0"/>
+          </a:p>
+          <a:p>
+            <a:pPr lvl="2"/>
+            <a:r>
+              <a:rPr lang="zh-CN" altLang="en-US" smtClean="0"/>
+              <a:t>第三级</a:t>
+            </a:r>
+            <a:endParaRPr lang="zh-CN" altLang="en-US" smtClean="0"/>
+          </a:p>
+          <a:p>
+            <a:pPr lvl="3"/>
+            <a:r>
+              <a:rPr lang="zh-CN" altLang="en-US" smtClean="0"/>
+              <a:t>第四级</a:t>
+            </a:r>
+            <a:endParaRPr lang="zh-CN" altLang="en-US" smtClean="0"/>
+          </a:p>
+          <a:p>
+            <a:pPr lvl="4"/>
+            <a:r>
+              <a:rPr lang="zh-CN" altLang="en-US" smtClean="0"/>
+              <a:t>第五级</a:t>
+            </a:r>
+            <a:endParaRPr lang="zh-CN" altLang="en-US"/>
+          </a:p>
+        </p:txBody>
+      </p:sp>
+      <p:sp>
+        <p:nvSpPr>
+          <p:cNvPr id="4" name="日期占位符 3"/>
+          <p:cNvSpPr>
+            <a:spLocks noGrp="1"/>
+          </p:cNvSpPr>
+          <p:nvPr>
+            <p:ph type="dt" sz="half" idx="10"/>
+          </p:nvPr>
+        </p:nvSpPr>
+        <p:spPr/>
+        <p:txBody>
+          <a:bodyPr/>
+          <a:lstStyle/>
+          <a:p>
+            <a:fld id="{D997B5FA-0921-464F-AAE1-844C04324D75}" type="datetimeFigureOut">
+              <a:rPr lang="zh-CN" altLang="en-US" smtClean="0"/>
+            </a:fld>
+            <a:endParaRPr lang="zh-CN" altLang="en-US"/>
+          </a:p>
+        </p:txBody>
+      </p:sp>
+      <p:sp>
+        <p:nvSpPr>
+          <p:cNvPr id="5" name="页脚占位符 4"/>
+          <p:cNvSpPr>
+            <a:spLocks noGrp="1"/>
+          </p:cNvSpPr>
+          <p:nvPr>
+            <p:ph type="ftr" sz="quarter" idx="11"/>
+          </p:nvPr>
+        </p:nvSpPr>
+        <p:spPr/>
+        <p:txBody>
+          <a:bodyPr/>
+          <a:lstStyle/>
+          <a:p>
+            <a:endParaRPr lang="zh-CN" altLang="en-US"/>
+          </a:p>
+        </p:txBody>
+      </p:sp>
+      <p:sp>
+        <p:nvSpPr>
+          <p:cNvPr id="6" name="灯片编号占位符 5"/>
+          <p:cNvSpPr>
+            <a:spLocks noGrp="1"/>
+          </p:cNvSpPr>
+          <p:nvPr>
+            <p:ph type="sldNum" sz="quarter" idx="12"/>
+          </p:nvPr>
+        </p:nvSpPr>
+        <p:spPr/>
+        <p:txBody>
+          <a:bodyPr/>
+          <a:lstStyle/>
+          <a:p>
+            <a:fld id="{565CE74E-AB26-4998-AD42-012C4C1AD076}" type="slidenum">
+              <a:rPr lang="zh-CN" altLang="en-US" smtClean="0"/>
+            </a:fld>
+            <a:endParaRPr lang="zh-CN" altLang="en-US"/>
+          </a:p>
+        </p:txBody>
+      </p:sp>
+    </p:spTree>
+  </p:cSld>
+  <p:clrMapOvr>
+    <a:masterClrMapping/>
+  </p:clrMapOvr>
+</p:sldLayout>
+</file>
+
+<file path=ppt/slideLayouts/slideLayout11.xml><?xml version="1.0" encoding="utf-8"?>
+<p:sldLayout xmlns:a="http://schemas.openxmlformats.org/drawingml/2006/main" xmlns:r="http://schemas.openxmlformats.org/officeDocument/2006/relationships" xmlns:p="http://schemas.openxmlformats.org/presentationml/2006/main" type="secHead" preserve="1">
+  <p:cSld name="节标题">
+    <p:spTree>
+      <p:nvGrpSpPr>
+        <p:cNvPr id="1" name=""/>
+        <p:cNvGrpSpPr/>
+        <p:nvPr/>
+      </p:nvGrpSpPr>
+      <p:grpSpPr>
+        <a:xfrm>
+          <a:off x="0" y="0"/>
+          <a:ext cx="0" cy="0"/>
+          <a:chOff x="0" y="0"/>
+          <a:chExt cx="0" cy="0"/>
+        </a:xfrm>
+      </p:grpSpPr>
+      <p:sp>
+        <p:nvSpPr>
+          <p:cNvPr id="2" name="标题 1"/>
+          <p:cNvSpPr>
+            <a:spLocks noGrp="1"/>
+          </p:cNvSpPr>
+          <p:nvPr>
+            <p:ph type="title"/>
+          </p:nvPr>
+        </p:nvSpPr>
+        <p:spPr>
+          <a:xfrm>
+            <a:off x="831850" y="1709738"/>
+            <a:ext cx="10515600" cy="2852737"/>
+          </a:xfrm>
+        </p:spPr>
+        <p:txBody>
+          <a:bodyPr anchor="b"/>
+          <a:lstStyle>
+            <a:lvl1pPr>
+              <a:defRPr sz="6000"/>
+            </a:lvl1pPr>
+          </a:lstStyle>
+          <a:p>
+            <a:r>
+              <a:rPr lang="zh-CN" altLang="en-US" smtClean="0"/>
+              <a:t>单击此处编辑母版标题样式</a:t>
+            </a:r>
+            <a:endParaRPr lang="zh-CN" altLang="en-US"/>
+          </a:p>
+        </p:txBody>
+      </p:sp>
+      <p:sp>
+        <p:nvSpPr>
+          <p:cNvPr id="3" name="文本占位符 2"/>
+          <p:cNvSpPr>
+            <a:spLocks noGrp="1"/>
+          </p:cNvSpPr>
+          <p:nvPr>
+            <p:ph type="body" idx="1"/>
+          </p:nvPr>
+        </p:nvSpPr>
+        <p:spPr>
+          <a:xfrm>
+            <a:off x="831850" y="4589463"/>
+            <a:ext cx="10515600" cy="1500187"/>
+          </a:xfrm>
+        </p:spPr>
+        <p:txBody>
+          <a:bodyPr/>
+          <a:lstStyle>
+            <a:lvl1pPr marL="0" indent="0">
+              <a:buNone/>
+              <a:defRPr sz="2400">
+                <a:solidFill>
+                  <a:schemeClr val="tx1">
+                    <a:tint val="75000"/>
+                  </a:schemeClr>
+                </a:solidFill>
+              </a:defRPr>
+            </a:lvl1pPr>
+            <a:lvl2pPr marL="457200" indent="0">
+              <a:buNone/>
+              <a:defRPr sz="2000">
+                <a:solidFill>
+                  <a:schemeClr val="tx1">
+                    <a:tint val="75000"/>
+                  </a:schemeClr>
+                </a:solidFill>
+              </a:defRPr>
+            </a:lvl2pPr>
+            <a:lvl3pPr marL="914400" indent="0">
+              <a:buNone/>
+              <a:defRPr sz="1800">
+                <a:solidFill>
+                  <a:schemeClr val="tx1">
+                    <a:tint val="75000"/>
+                  </a:schemeClr>
+                </a:solidFill>
+              </a:defRPr>
+            </a:lvl3pPr>
+            <a:lvl4pPr marL="1371600" indent="0">
+              <a:buNone/>
+              <a:defRPr sz="1600">
+                <a:solidFill>
+                  <a:schemeClr val="tx1">
+                    <a:tint val="75000"/>
+                  </a:schemeClr>
+                </a:solidFill>
+              </a:defRPr>
+            </a:lvl4pPr>
+            <a:lvl5pPr marL="1828800" indent="0">
+              <a:buNone/>
+              <a:defRPr sz="1600">
+                <a:solidFill>
+                  <a:schemeClr val="tx1">
+                    <a:tint val="75000"/>
+                  </a:schemeClr>
+                </a:solidFill>
+              </a:defRPr>
+            </a:lvl5pPr>
+            <a:lvl6pPr marL="2286000" indent="0">
+              <a:buNone/>
+              <a:defRPr sz="1600">
+                <a:solidFill>
+                  <a:schemeClr val="tx1">
+                    <a:tint val="75000"/>
+                  </a:schemeClr>
+                </a:solidFill>
+              </a:defRPr>
+            </a:lvl6pPr>
+            <a:lvl7pPr marL="2743200" indent="0">
+              <a:buNone/>
+              <a:defRPr sz="1600">
+                <a:solidFill>
+                  <a:schemeClr val="tx1">
+                    <a:tint val="75000"/>
+                  </a:schemeClr>
+                </a:solidFill>
+              </a:defRPr>
+            </a:lvl7pPr>
+            <a:lvl8pPr marL="3200400" indent="0">
+              <a:buNone/>
+              <a:defRPr sz="1600">
+                <a:solidFill>
+                  <a:schemeClr val="tx1">
+                    <a:tint val="75000"/>
+                  </a:schemeClr>
+                </a:solidFill>
+              </a:defRPr>
+            </a:lvl8pPr>
+            <a:lvl9pPr marL="3657600" indent="0">
+              <a:buNone/>
+              <a:defRPr sz="1600">
+                <a:solidFill>
+                  <a:schemeClr val="tx1">
+                    <a:tint val="75000"/>
+                  </a:schemeClr>
+                </a:solidFill>
+              </a:defRPr>
+            </a:lvl9pPr>
+          </a:lstStyle>
+          <a:p>
+            <a:pPr lvl="0"/>
+            <a:r>
+              <a:rPr lang="zh-CN" altLang="en-US" smtClean="0"/>
+              <a:t>单击此处编辑母版文本样式</a:t>
+            </a:r>
+            <a:endParaRPr lang="zh-CN" altLang="en-US" smtClean="0"/>
+          </a:p>
+        </p:txBody>
+      </p:sp>
+      <p:sp>
+        <p:nvSpPr>
+          <p:cNvPr id="4" name="日期占位符 3"/>
+          <p:cNvSpPr>
+            <a:spLocks noGrp="1"/>
+          </p:cNvSpPr>
+          <p:nvPr>
+            <p:ph type="dt" sz="half" idx="10"/>
+          </p:nvPr>
+        </p:nvSpPr>
+        <p:spPr/>
+        <p:txBody>
+          <a:bodyPr/>
+          <a:lstStyle/>
+          <a:p>
+            <a:fld id="{D997B5FA-0921-464F-AAE1-844C04324D75}" type="datetimeFigureOut">
+              <a:rPr lang="zh-CN" altLang="en-US" smtClean="0"/>
+            </a:fld>
+            <a:endParaRPr lang="zh-CN" altLang="en-US"/>
+          </a:p>
+        </p:txBody>
+      </p:sp>
+      <p:sp>
+        <p:nvSpPr>
+          <p:cNvPr id="5" name="页脚占位符 4"/>
+          <p:cNvSpPr>
+            <a:spLocks noGrp="1"/>
+          </p:cNvSpPr>
+          <p:nvPr>
+            <p:ph type="ftr" sz="quarter" idx="11"/>
+          </p:nvPr>
+        </p:nvSpPr>
+        <p:spPr/>
+        <p:txBody>
+          <a:bodyPr/>
+          <a:lstStyle/>
+          <a:p>
+            <a:endParaRPr lang="zh-CN" altLang="en-US"/>
+          </a:p>
+        </p:txBody>
+      </p:sp>
+      <p:sp>
+        <p:nvSpPr>
+          <p:cNvPr id="6" name="灯片编号占位符 5"/>
+          <p:cNvSpPr>
+            <a:spLocks noGrp="1"/>
+          </p:cNvSpPr>
+          <p:nvPr>
+            <p:ph type="sldNum" sz="quarter" idx="12"/>
+          </p:nvPr>
+        </p:nvSpPr>
+        <p:spPr/>
+        <p:txBody>
+          <a:bodyPr/>
+          <a:lstStyle/>
+          <a:p>
+            <a:fld id="{565CE74E-AB26-4998-AD42-012C4C1AD076}" type="slidenum">
+              <a:rPr lang="zh-CN" altLang="en-US" smtClean="0"/>
+            </a:fld>
+            <a:endParaRPr lang="zh-CN" altLang="en-US"/>
+          </a:p>
+        </p:txBody>
+      </p:sp>
+    </p:spTree>
+  </p:cSld>
+  <p:clrMapOvr>
+    <a:masterClrMapping/>
+  </p:clrMapOvr>
+</p:sldLayout>
+</file>
+
+<file path=ppt/slideLayouts/slideLayout12.xml><?xml version="1.0" encoding="utf-8"?>
+<p:sldLayout xmlns:a="http://schemas.openxmlformats.org/drawingml/2006/main" xmlns:r="http://schemas.openxmlformats.org/officeDocument/2006/relationships" xmlns:p="http://schemas.openxmlformats.org/presentationml/2006/main" type="twoObj" preserve="1">
+  <p:cSld name="两栏内容">
+    <p:spTree>
+      <p:nvGrpSpPr>
+        <p:cNvPr id="1" name=""/>
+        <p:cNvGrpSpPr/>
+        <p:nvPr/>
+      </p:nvGrpSpPr>
+      <p:grpSpPr>
+        <a:xfrm>
+          <a:off x="0" y="0"/>
+          <a:ext cx="0" cy="0"/>
+          <a:chOff x="0" y="0"/>
+          <a:chExt cx="0" cy="0"/>
+        </a:xfrm>
+      </p:grpSpPr>
+      <p:sp>
+        <p:nvSpPr>
+          <p:cNvPr id="2" name="标题 1"/>
+          <p:cNvSpPr>
+            <a:spLocks noGrp="1"/>
+          </p:cNvSpPr>
+          <p:nvPr>
+            <p:ph type="title"/>
+          </p:nvPr>
+        </p:nvSpPr>
+        <p:spPr/>
+        <p:txBody>
+          <a:bodyPr/>
+          <a:lstStyle/>
+          <a:p>
+            <a:r>
+              <a:rPr lang="zh-CN" altLang="en-US" smtClean="0"/>
+              <a:t>单击此处编辑母版标题样式</a:t>
+            </a:r>
+            <a:endParaRPr lang="zh-CN" altLang="en-US"/>
+          </a:p>
+        </p:txBody>
+      </p:sp>
+      <p:sp>
+        <p:nvSpPr>
+          <p:cNvPr id="3" name="内容占位符 2"/>
+          <p:cNvSpPr>
+            <a:spLocks noGrp="1"/>
+          </p:cNvSpPr>
+          <p:nvPr>
+            <p:ph sz="half" idx="1"/>
+          </p:nvPr>
+        </p:nvSpPr>
+        <p:spPr>
+          <a:xfrm>
+            <a:off x="838200" y="1825625"/>
+            <a:ext cx="5181600" cy="4351338"/>
+          </a:xfrm>
+        </p:spPr>
+        <p:txBody>
+          <a:bodyPr/>
+          <a:lstStyle/>
+          <a:p>
+            <a:pPr lvl="0"/>
+            <a:r>
+              <a:rPr lang="zh-CN" altLang="en-US" smtClean="0"/>
+              <a:t>单击此处编辑母版文本样式</a:t>
+            </a:r>
+            <a:endParaRPr lang="zh-CN" altLang="en-US" smtClean="0"/>
+          </a:p>
+          <a:p>
+            <a:pPr lvl="1"/>
+            <a:r>
+              <a:rPr lang="zh-CN" altLang="en-US" smtClean="0"/>
+              <a:t>第二级</a:t>
+            </a:r>
+            <a:endParaRPr lang="zh-CN" altLang="en-US" smtClean="0"/>
+          </a:p>
+          <a:p>
+            <a:pPr lvl="2"/>
+            <a:r>
+              <a:rPr lang="zh-CN" altLang="en-US" smtClean="0"/>
+              <a:t>第三级</a:t>
+            </a:r>
+            <a:endParaRPr lang="zh-CN" altLang="en-US" smtClean="0"/>
+          </a:p>
+          <a:p>
+            <a:pPr lvl="3"/>
+            <a:r>
+              <a:rPr lang="zh-CN" altLang="en-US" smtClean="0"/>
+              <a:t>第四级</a:t>
+            </a:r>
+            <a:endParaRPr lang="zh-CN" altLang="en-US" smtClean="0"/>
+          </a:p>
+          <a:p>
+            <a:pPr lvl="4"/>
+            <a:r>
+              <a:rPr lang="zh-CN" altLang="en-US" smtClean="0"/>
+              <a:t>第五级</a:t>
+            </a:r>
+            <a:endParaRPr lang="zh-CN" altLang="en-US"/>
+          </a:p>
+        </p:txBody>
+      </p:sp>
+      <p:sp>
+        <p:nvSpPr>
+          <p:cNvPr id="4" name="内容占位符 3"/>
+          <p:cNvSpPr>
+            <a:spLocks noGrp="1"/>
+          </p:cNvSpPr>
+          <p:nvPr>
+            <p:ph sz="half" idx="2"/>
+          </p:nvPr>
+        </p:nvSpPr>
+        <p:spPr>
+          <a:xfrm>
+            <a:off x="6172200" y="1825625"/>
+            <a:ext cx="5181600" cy="4351338"/>
+          </a:xfrm>
+        </p:spPr>
+        <p:txBody>
+          <a:bodyPr/>
+          <a:lstStyle/>
+          <a:p>
+            <a:pPr lvl="0"/>
+            <a:r>
+              <a:rPr lang="zh-CN" altLang="en-US" smtClean="0"/>
+              <a:t>单击此处编辑母版文本样式</a:t>
+            </a:r>
+            <a:endParaRPr lang="zh-CN" altLang="en-US" smtClean="0"/>
+          </a:p>
+          <a:p>
+            <a:pPr lvl="1"/>
+            <a:r>
+              <a:rPr lang="zh-CN" altLang="en-US" smtClean="0"/>
+              <a:t>第二级</a:t>
+            </a:r>
+            <a:endParaRPr lang="zh-CN" altLang="en-US" smtClean="0"/>
+          </a:p>
+          <a:p>
+            <a:pPr lvl="2"/>
+            <a:r>
+              <a:rPr lang="zh-CN" altLang="en-US" smtClean="0"/>
+              <a:t>第三级</a:t>
+            </a:r>
+            <a:endParaRPr lang="zh-CN" altLang="en-US" smtClean="0"/>
+          </a:p>
+          <a:p>
+            <a:pPr lvl="3"/>
+            <a:r>
+              <a:rPr lang="zh-CN" altLang="en-US" smtClean="0"/>
+              <a:t>第四级</a:t>
+            </a:r>
+            <a:endParaRPr lang="zh-CN" altLang="en-US" smtClean="0"/>
+          </a:p>
+          <a:p>
+            <a:pPr lvl="4"/>
+            <a:r>
+              <a:rPr lang="zh-CN" altLang="en-US" smtClean="0"/>
+              <a:t>第五级</a:t>
+            </a:r>
+            <a:endParaRPr lang="zh-CN" altLang="en-US"/>
+          </a:p>
+        </p:txBody>
+      </p:sp>
+      <p:sp>
+        <p:nvSpPr>
+          <p:cNvPr id="5" name="日期占位符 4"/>
+          <p:cNvSpPr>
+            <a:spLocks noGrp="1"/>
+          </p:cNvSpPr>
+          <p:nvPr>
+            <p:ph type="dt" sz="half" idx="10"/>
+          </p:nvPr>
+        </p:nvSpPr>
+        <p:spPr/>
+        <p:txBody>
+          <a:bodyPr/>
+          <a:lstStyle/>
+          <a:p>
+            <a:fld id="{D997B5FA-0921-464F-AAE1-844C04324D75}" type="datetimeFigureOut">
+              <a:rPr lang="zh-CN" altLang="en-US" smtClean="0"/>
+            </a:fld>
+            <a:endParaRPr lang="zh-CN" altLang="en-US"/>
+          </a:p>
+        </p:txBody>
+      </p:sp>
+      <p:sp>
+        <p:nvSpPr>
+          <p:cNvPr id="6" name="页脚占位符 5"/>
+          <p:cNvSpPr>
+            <a:spLocks noGrp="1"/>
+          </p:cNvSpPr>
+          <p:nvPr>
+            <p:ph type="ftr" sz="quarter" idx="11"/>
+          </p:nvPr>
+        </p:nvSpPr>
+        <p:spPr/>
+        <p:txBody>
+          <a:bodyPr/>
+          <a:lstStyle/>
+          <a:p>
+            <a:endParaRPr lang="zh-CN" altLang="en-US"/>
+          </a:p>
+        </p:txBody>
+      </p:sp>
+      <p:sp>
+        <p:nvSpPr>
+          <p:cNvPr id="7" name="灯片编号占位符 6"/>
+          <p:cNvSpPr>
+            <a:spLocks noGrp="1"/>
+          </p:cNvSpPr>
+          <p:nvPr>
+            <p:ph type="sldNum" sz="quarter" idx="12"/>
+          </p:nvPr>
+        </p:nvSpPr>
+        <p:spPr/>
+        <p:txBody>
+          <a:bodyPr/>
+          <a:lstStyle/>
+          <a:p>
+            <a:fld id="{565CE74E-AB26-4998-AD42-012C4C1AD076}" type="slidenum">
+              <a:rPr lang="zh-CN" altLang="en-US" smtClean="0"/>
+            </a:fld>
+            <a:endParaRPr lang="zh-CN" altLang="en-US"/>
+          </a:p>
+        </p:txBody>
+      </p:sp>
+    </p:spTree>
+  </p:cSld>
+  <p:clrMapOvr>
+    <a:masterClrMapping/>
+  </p:clrMapOvr>
+</p:sldLayout>
+</file>
+
+<file path=ppt/slideLayouts/slideLayout13.xml><?xml version="1.0" encoding="utf-8"?>
+<p:sldLayout xmlns:a="http://schemas.openxmlformats.org/drawingml/2006/main" xmlns:r="http://schemas.openxmlformats.org/officeDocument/2006/relationships" xmlns:p="http://schemas.openxmlformats.org/presentationml/2006/main" type="twoTxTwoObj" preserve="1">
+  <p:cSld name="比较">
+    <p:spTree>
+      <p:nvGrpSpPr>
+        <p:cNvPr id="1" name=""/>
+        <p:cNvGrpSpPr/>
+        <p:nvPr/>
+      </p:nvGrpSpPr>
+      <p:grpSpPr>
+        <a:xfrm>
+          <a:off x="0" y="0"/>
+          <a:ext cx="0" cy="0"/>
+          <a:chOff x="0" y="0"/>
+          <a:chExt cx="0" cy="0"/>
+        </a:xfrm>
+      </p:grpSpPr>
+      <p:sp>
+        <p:nvSpPr>
+          <p:cNvPr id="2" name="标题 1"/>
+          <p:cNvSpPr>
+            <a:spLocks noGrp="1"/>
+          </p:cNvSpPr>
+          <p:nvPr>
+            <p:ph type="title"/>
+          </p:nvPr>
+        </p:nvSpPr>
+        <p:spPr>
+          <a:xfrm>
+            <a:off x="839788" y="365125"/>
+            <a:ext cx="10515600" cy="1325563"/>
+          </a:xfrm>
+        </p:spPr>
+        <p:txBody>
+          <a:bodyPr/>
+          <a:lstStyle/>
+          <a:p>
+            <a:r>
+              <a:rPr lang="zh-CN" altLang="en-US" smtClean="0"/>
+              <a:t>单击此处编辑母版标题样式</a:t>
+            </a:r>
+            <a:endParaRPr lang="zh-CN" altLang="en-US"/>
+          </a:p>
+        </p:txBody>
+      </p:sp>
+      <p:sp>
+        <p:nvSpPr>
+          <p:cNvPr id="3" name="文本占位符 2"/>
+          <p:cNvSpPr>
+            <a:spLocks noGrp="1"/>
+          </p:cNvSpPr>
+          <p:nvPr>
+            <p:ph type="body" idx="1"/>
+          </p:nvPr>
+        </p:nvSpPr>
+        <p:spPr>
+          <a:xfrm>
+            <a:off x="839788" y="1681163"/>
+            <a:ext cx="5157787" cy="823912"/>
+          </a:xfrm>
+        </p:spPr>
+        <p:txBody>
+          <a:bodyPr anchor="b"/>
+          <a:lstStyle>
+            <a:lvl1pPr marL="0" indent="0">
+              <a:buNone/>
+              <a:defRPr sz="2400" b="1"/>
+            </a:lvl1pPr>
+            <a:lvl2pPr marL="457200" indent="0">
+              <a:buNone/>
+              <a:defRPr sz="2000" b="1"/>
+            </a:lvl2pPr>
+            <a:lvl3pPr marL="914400" indent="0">
+              <a:buNone/>
+              <a:defRPr sz="1800" b="1"/>
+            </a:lvl3pPr>
+            <a:lvl4pPr marL="1371600" indent="0">
+              <a:buNone/>
+              <a:defRPr sz="1600" b="1"/>
+            </a:lvl4pPr>
+            <a:lvl5pPr marL="1828800" indent="0">
+              <a:buNone/>
+              <a:defRPr sz="1600" b="1"/>
+            </a:lvl5pPr>
+            <a:lvl6pPr marL="2286000" indent="0">
+              <a:buNone/>
+              <a:defRPr sz="1600" b="1"/>
+            </a:lvl6pPr>
+            <a:lvl7pPr marL="2743200" indent="0">
+              <a:buNone/>
+              <a:defRPr sz="1600" b="1"/>
+            </a:lvl7pPr>
+            <a:lvl8pPr marL="3200400" indent="0">
+              <a:buNone/>
+              <a:defRPr sz="1600" b="1"/>
+            </a:lvl8pPr>
+            <a:lvl9pPr marL="3657600" indent="0">
+              <a:buNone/>
+              <a:defRPr sz="1600" b="1"/>
+            </a:lvl9pPr>
+          </a:lstStyle>
+          <a:p>
+            <a:pPr lvl="0"/>
+            <a:r>
+              <a:rPr lang="zh-CN" altLang="en-US" smtClean="0"/>
+              <a:t>单击此处编辑母版文本样式</a:t>
+            </a:r>
+            <a:endParaRPr lang="zh-CN" altLang="en-US" smtClean="0"/>
+          </a:p>
+        </p:txBody>
+      </p:sp>
+      <p:sp>
+        <p:nvSpPr>
+          <p:cNvPr id="4" name="内容占位符 3"/>
+          <p:cNvSpPr>
+            <a:spLocks noGrp="1"/>
+          </p:cNvSpPr>
+          <p:nvPr>
+            <p:ph sz="half" idx="2"/>
+          </p:nvPr>
+        </p:nvSpPr>
+        <p:spPr>
+          <a:xfrm>
+            <a:off x="839788" y="2505075"/>
+            <a:ext cx="5157787" cy="3684588"/>
+          </a:xfrm>
+        </p:spPr>
+        <p:txBody>
+          <a:bodyPr/>
+          <a:lstStyle/>
+          <a:p>
+            <a:pPr lvl="0"/>
+            <a:r>
+              <a:rPr lang="zh-CN" altLang="en-US" smtClean="0"/>
+              <a:t>单击此处编辑母版文本样式</a:t>
+            </a:r>
+            <a:endParaRPr lang="zh-CN" altLang="en-US" smtClean="0"/>
+          </a:p>
+          <a:p>
+            <a:pPr lvl="1"/>
+            <a:r>
+              <a:rPr lang="zh-CN" altLang="en-US" smtClean="0"/>
+              <a:t>第二级</a:t>
+            </a:r>
+            <a:endParaRPr lang="zh-CN" altLang="en-US" smtClean="0"/>
+          </a:p>
+          <a:p>
+            <a:pPr lvl="2"/>
+            <a:r>
+              <a:rPr lang="zh-CN" altLang="en-US" smtClean="0"/>
+              <a:t>第三级</a:t>
+            </a:r>
+            <a:endParaRPr lang="zh-CN" altLang="en-US" smtClean="0"/>
+          </a:p>
+          <a:p>
+            <a:pPr lvl="3"/>
+            <a:r>
+              <a:rPr lang="zh-CN" altLang="en-US" smtClean="0"/>
+              <a:t>第四级</a:t>
+            </a:r>
+            <a:endParaRPr lang="zh-CN" altLang="en-US" smtClean="0"/>
+          </a:p>
+          <a:p>
+            <a:pPr lvl="4"/>
+            <a:r>
+              <a:rPr lang="zh-CN" altLang="en-US" smtClean="0"/>
+              <a:t>第五级</a:t>
+            </a:r>
+            <a:endParaRPr lang="zh-CN" altLang="en-US"/>
+          </a:p>
+        </p:txBody>
+      </p:sp>
+      <p:sp>
+        <p:nvSpPr>
+          <p:cNvPr id="5" name="文本占位符 4"/>
+          <p:cNvSpPr>
+            <a:spLocks noGrp="1"/>
+          </p:cNvSpPr>
+          <p:nvPr>
+            <p:ph type="body" sz="quarter" idx="3"/>
+          </p:nvPr>
+        </p:nvSpPr>
+        <p:spPr>
+          <a:xfrm>
+            <a:off x="6172200" y="1681163"/>
+            <a:ext cx="5183188" cy="823912"/>
+          </a:xfrm>
+        </p:spPr>
+        <p:txBody>
+          <a:bodyPr anchor="b"/>
+          <a:lstStyle>
+            <a:lvl1pPr marL="0" indent="0">
+              <a:buNone/>
+              <a:defRPr sz="2400" b="1"/>
+            </a:lvl1pPr>
+            <a:lvl2pPr marL="457200" indent="0">
+              <a:buNone/>
+              <a:defRPr sz="2000" b="1"/>
+            </a:lvl2pPr>
+            <a:lvl3pPr marL="914400" indent="0">
+              <a:buNone/>
+              <a:defRPr sz="1800" b="1"/>
+            </a:lvl3pPr>
+            <a:lvl4pPr marL="1371600" indent="0">
+              <a:buNone/>
+              <a:defRPr sz="1600" b="1"/>
+            </a:lvl4pPr>
+            <a:lvl5pPr marL="1828800" indent="0">
+              <a:buNone/>
+              <a:defRPr sz="1600" b="1"/>
+            </a:lvl5pPr>
+            <a:lvl6pPr marL="2286000" indent="0">
+              <a:buNone/>
+              <a:defRPr sz="1600" b="1"/>
+            </a:lvl6pPr>
+            <a:lvl7pPr marL="2743200" indent="0">
+              <a:buNone/>
+              <a:defRPr sz="1600" b="1"/>
+            </a:lvl7pPr>
+            <a:lvl8pPr marL="3200400" indent="0">
+              <a:buNone/>
+              <a:defRPr sz="1600" b="1"/>
+            </a:lvl8pPr>
+            <a:lvl9pPr marL="3657600" indent="0">
+              <a:buNone/>
+              <a:defRPr sz="1600" b="1"/>
+            </a:lvl9pPr>
+          </a:lstStyle>
+          <a:p>
+            <a:pPr lvl="0"/>
+            <a:r>
+              <a:rPr lang="zh-CN" altLang="en-US" smtClean="0"/>
+              <a:t>单击此处编辑母版文本样式</a:t>
+            </a:r>
+            <a:endParaRPr lang="zh-CN" altLang="en-US" smtClean="0"/>
+          </a:p>
+        </p:txBody>
+      </p:sp>
+      <p:sp>
+        <p:nvSpPr>
+          <p:cNvPr id="6" name="内容占位符 5"/>
+          <p:cNvSpPr>
+            <a:spLocks noGrp="1"/>
+          </p:cNvSpPr>
+          <p:nvPr>
+            <p:ph sz="quarter" idx="4"/>
+          </p:nvPr>
+        </p:nvSpPr>
+        <p:spPr>
+          <a:xfrm>
+            <a:off x="6172200" y="2505075"/>
+            <a:ext cx="5183188" cy="3684588"/>
+          </a:xfrm>
+        </p:spPr>
+        <p:txBody>
+          <a:bodyPr/>
+          <a:lstStyle/>
+          <a:p>
+            <a:pPr lvl="0"/>
+            <a:r>
+              <a:rPr lang="zh-CN" altLang="en-US" smtClean="0"/>
+              <a:t>单击此处编辑母版文本样式</a:t>
+            </a:r>
+            <a:endParaRPr lang="zh-CN" altLang="en-US" smtClean="0"/>
+          </a:p>
+          <a:p>
+            <a:pPr lvl="1"/>
+            <a:r>
+              <a:rPr lang="zh-CN" altLang="en-US" smtClean="0"/>
+              <a:t>第二级</a:t>
+            </a:r>
+            <a:endParaRPr lang="zh-CN" altLang="en-US" smtClean="0"/>
+          </a:p>
+          <a:p>
+            <a:pPr lvl="2"/>
+            <a:r>
+              <a:rPr lang="zh-CN" altLang="en-US" smtClean="0"/>
+              <a:t>第三级</a:t>
+            </a:r>
+            <a:endParaRPr lang="zh-CN" altLang="en-US" smtClean="0"/>
+          </a:p>
+          <a:p>
+            <a:pPr lvl="3"/>
+            <a:r>
+              <a:rPr lang="zh-CN" altLang="en-US" smtClean="0"/>
+              <a:t>第四级</a:t>
+            </a:r>
+            <a:endParaRPr lang="zh-CN" altLang="en-US" smtClean="0"/>
+          </a:p>
+          <a:p>
+            <a:pPr lvl="4"/>
+            <a:r>
+              <a:rPr lang="zh-CN" altLang="en-US" smtClean="0"/>
+              <a:t>第五级</a:t>
+            </a:r>
+            <a:endParaRPr lang="zh-CN" altLang="en-US"/>
+          </a:p>
+        </p:txBody>
+      </p:sp>
+      <p:sp>
+        <p:nvSpPr>
+          <p:cNvPr id="7" name="日期占位符 6"/>
+          <p:cNvSpPr>
+            <a:spLocks noGrp="1"/>
+          </p:cNvSpPr>
+          <p:nvPr>
+            <p:ph type="dt" sz="half" idx="10"/>
+          </p:nvPr>
+        </p:nvSpPr>
+        <p:spPr/>
+        <p:txBody>
+          <a:bodyPr/>
+          <a:lstStyle/>
+          <a:p>
+            <a:fld id="{D997B5FA-0921-464F-AAE1-844C04324D75}" type="datetimeFigureOut">
+              <a:rPr lang="zh-CN" altLang="en-US" smtClean="0"/>
+            </a:fld>
+            <a:endParaRPr lang="zh-CN" altLang="en-US"/>
+          </a:p>
+        </p:txBody>
+      </p:sp>
+      <p:sp>
+        <p:nvSpPr>
+          <p:cNvPr id="8" name="页脚占位符 7"/>
+          <p:cNvSpPr>
+            <a:spLocks noGrp="1"/>
+          </p:cNvSpPr>
+          <p:nvPr>
+            <p:ph type="ftr" sz="quarter" idx="11"/>
+          </p:nvPr>
+        </p:nvSpPr>
+        <p:spPr/>
+        <p:txBody>
+          <a:bodyPr/>
+          <a:lstStyle/>
+          <a:p>
+            <a:endParaRPr lang="zh-CN" altLang="en-US"/>
+          </a:p>
+        </p:txBody>
+      </p:sp>
+      <p:sp>
+        <p:nvSpPr>
+          <p:cNvPr id="9" name="灯片编号占位符 8"/>
+          <p:cNvSpPr>
+            <a:spLocks noGrp="1"/>
+          </p:cNvSpPr>
+          <p:nvPr>
+            <p:ph type="sldNum" sz="quarter" idx="12"/>
+          </p:nvPr>
+        </p:nvSpPr>
+        <p:spPr/>
+        <p:txBody>
+          <a:bodyPr/>
+          <a:lstStyle/>
+          <a:p>
+            <a:fld id="{565CE74E-AB26-4998-AD42-012C4C1AD076}" type="slidenum">
+              <a:rPr lang="zh-CN" altLang="en-US" smtClean="0"/>
+            </a:fld>
+            <a:endParaRPr lang="zh-CN" altLang="en-US"/>
+          </a:p>
+        </p:txBody>
+      </p:sp>
+    </p:spTree>
+  </p:cSld>
+  <p:clrMapOvr>
+    <a:masterClrMapping/>
+  </p:clrMapOvr>
+</p:sldLayout>
+</file>
+
+<file path=ppt/slideLayouts/slideLayout14.xml><?xml version="1.0" encoding="utf-8"?>
+<p:sldLayout xmlns:a="http://schemas.openxmlformats.org/drawingml/2006/main" xmlns:r="http://schemas.openxmlformats.org/officeDocument/2006/relationships" xmlns:p="http://schemas.openxmlformats.org/presentationml/2006/main" type="titleOnly" preserve="1">
+  <p:cSld name="仅标题">
+    <p:spTree>
+      <p:nvGrpSpPr>
+        <p:cNvPr id="1" name=""/>
+        <p:cNvGrpSpPr/>
+        <p:nvPr/>
+      </p:nvGrpSpPr>
+      <p:grpSpPr>
+        <a:xfrm>
+          <a:off x="0" y="0"/>
+          <a:ext cx="0" cy="0"/>
+          <a:chOff x="0" y="0"/>
+          <a:chExt cx="0" cy="0"/>
+        </a:xfrm>
+      </p:grpSpPr>
+      <p:sp>
+        <p:nvSpPr>
+          <p:cNvPr id="2" name="标题 1"/>
+          <p:cNvSpPr>
+            <a:spLocks noGrp="1"/>
+          </p:cNvSpPr>
+          <p:nvPr>
+            <p:ph type="title"/>
+          </p:nvPr>
+        </p:nvSpPr>
+        <p:spPr/>
+        <p:txBody>
+          <a:bodyPr/>
+          <a:lstStyle/>
+          <a:p>
+            <a:r>
+              <a:rPr lang="zh-CN" altLang="en-US" smtClean="0"/>
+              <a:t>单击此处编辑母版标题样式</a:t>
+            </a:r>
+            <a:endParaRPr lang="zh-CN" altLang="en-US"/>
+          </a:p>
+        </p:txBody>
+      </p:sp>
+      <p:sp>
+        <p:nvSpPr>
+          <p:cNvPr id="3" name="日期占位符 2"/>
+          <p:cNvSpPr>
+            <a:spLocks noGrp="1"/>
+          </p:cNvSpPr>
+          <p:nvPr>
+            <p:ph type="dt" sz="half" idx="10"/>
+          </p:nvPr>
+        </p:nvSpPr>
+        <p:spPr/>
+        <p:txBody>
+          <a:bodyPr/>
+          <a:lstStyle/>
+          <a:p>
+            <a:fld id="{D997B5FA-0921-464F-AAE1-844C04324D75}" type="datetimeFigureOut">
+              <a:rPr lang="zh-CN" altLang="en-US" smtClean="0"/>
+            </a:fld>
+            <a:endParaRPr lang="zh-CN" altLang="en-US"/>
+          </a:p>
+        </p:txBody>
+      </p:sp>
+      <p:sp>
+        <p:nvSpPr>
+          <p:cNvPr id="4" name="页脚占位符 3"/>
+          <p:cNvSpPr>
+            <a:spLocks noGrp="1"/>
+          </p:cNvSpPr>
+          <p:nvPr>
+            <p:ph type="ftr" sz="quarter" idx="11"/>
+          </p:nvPr>
+        </p:nvSpPr>
+        <p:spPr/>
+        <p:txBody>
+          <a:bodyPr/>
+          <a:lstStyle/>
+          <a:p>
+            <a:endParaRPr lang="zh-CN" altLang="en-US"/>
+          </a:p>
+        </p:txBody>
+      </p:sp>
+      <p:sp>
+        <p:nvSpPr>
+          <p:cNvPr id="5" name="灯片编号占位符 4"/>
+          <p:cNvSpPr>
+            <a:spLocks noGrp="1"/>
+          </p:cNvSpPr>
+          <p:nvPr>
+            <p:ph type="sldNum" sz="quarter" idx="12"/>
+          </p:nvPr>
+        </p:nvSpPr>
+        <p:spPr/>
+        <p:txBody>
+          <a:bodyPr/>
+          <a:lstStyle/>
+          <a:p>
+            <a:fld id="{565CE74E-AB26-4998-AD42-012C4C1AD076}" type="slidenum">
+              <a:rPr lang="zh-CN" altLang="en-US" smtClean="0"/>
+            </a:fld>
+            <a:endParaRPr lang="zh-CN" altLang="en-US"/>
+          </a:p>
+        </p:txBody>
+      </p:sp>
+    </p:spTree>
+  </p:cSld>
+  <p:clrMapOvr>
+    <a:masterClrMapping/>
+  </p:clrMapOvr>
+</p:sldLayout>
+</file>
+
+<file path=ppt/slideLayouts/slideLayout15.xml><?xml version="1.0" encoding="utf-8"?>
+<p:sldLayout xmlns:a="http://schemas.openxmlformats.org/drawingml/2006/main" xmlns:r="http://schemas.openxmlformats.org/officeDocument/2006/relationships" xmlns:p="http://schemas.openxmlformats.org/presentationml/2006/main" type="blank" preserve="1">
+  <p:cSld name="空白">
+    <p:spTree>
+      <p:nvGrpSpPr>
+        <p:cNvPr id="1" name=""/>
+        <p:cNvGrpSpPr/>
+        <p:nvPr/>
+      </p:nvGrpSpPr>
+      <p:grpSpPr>
+        <a:xfrm>
+          <a:off x="0" y="0"/>
+          <a:ext cx="0" cy="0"/>
+          <a:chOff x="0" y="0"/>
+          <a:chExt cx="0" cy="0"/>
+        </a:xfrm>
+      </p:grpSpPr>
+      <p:sp>
+        <p:nvSpPr>
+          <p:cNvPr id="2" name="日期占位符 1"/>
+          <p:cNvSpPr>
+            <a:spLocks noGrp="1"/>
+          </p:cNvSpPr>
+          <p:nvPr>
+            <p:ph type="dt" sz="half" idx="10"/>
+          </p:nvPr>
+        </p:nvSpPr>
+        <p:spPr/>
+        <p:txBody>
+          <a:bodyPr/>
+          <a:lstStyle/>
+          <a:p>
+            <a:fld id="{D997B5FA-0921-464F-AAE1-844C04324D75}" type="datetimeFigureOut">
+              <a:rPr lang="zh-CN" altLang="en-US" smtClean="0"/>
+            </a:fld>
+            <a:endParaRPr lang="zh-CN" altLang="en-US"/>
+          </a:p>
+        </p:txBody>
+      </p:sp>
+      <p:sp>
+        <p:nvSpPr>
+          <p:cNvPr id="3" name="页脚占位符 2"/>
+          <p:cNvSpPr>
+            <a:spLocks noGrp="1"/>
+          </p:cNvSpPr>
+          <p:nvPr>
+            <p:ph type="ftr" sz="quarter" idx="11"/>
+          </p:nvPr>
+        </p:nvSpPr>
+        <p:spPr/>
+        <p:txBody>
+          <a:bodyPr/>
+          <a:lstStyle/>
+          <a:p>
+            <a:endParaRPr lang="zh-CN" altLang="en-US"/>
+          </a:p>
+        </p:txBody>
+      </p:sp>
+      <p:sp>
+        <p:nvSpPr>
+          <p:cNvPr id="4" name="灯片编号占位符 3"/>
+          <p:cNvSpPr>
+            <a:spLocks noGrp="1"/>
+          </p:cNvSpPr>
+          <p:nvPr>
+            <p:ph type="sldNum" sz="quarter" idx="12"/>
+          </p:nvPr>
+        </p:nvSpPr>
+        <p:spPr/>
+        <p:txBody>
+          <a:bodyPr/>
+          <a:lstStyle/>
+          <a:p>
+            <a:fld id="{565CE74E-AB26-4998-AD42-012C4C1AD076}" type="slidenum">
+              <a:rPr lang="zh-CN" altLang="en-US" smtClean="0"/>
+            </a:fld>
+            <a:endParaRPr lang="zh-CN" altLang="en-US"/>
+          </a:p>
+        </p:txBody>
+      </p:sp>
+    </p:spTree>
+  </p:cSld>
+  <p:clrMapOvr>
+    <a:masterClrMapping/>
+  </p:clrMapOvr>
+</p:sldLayout>
+</file>
+
+<file path=ppt/slideLayouts/slideLayout16.xml><?xml version="1.0" encoding="utf-8"?>
+<p:sldLayout xmlns:a="http://schemas.openxmlformats.org/drawingml/2006/main" xmlns:r="http://schemas.openxmlformats.org/officeDocument/2006/relationships" xmlns:p="http://schemas.openxmlformats.org/presentationml/2006/main" type="objTx" preserve="1">
+  <p:cSld name="内容与标题">
+    <p:spTree>
+      <p:nvGrpSpPr>
+        <p:cNvPr id="1" name=""/>
+        <p:cNvGrpSpPr/>
+        <p:nvPr/>
+      </p:nvGrpSpPr>
+      <p:grpSpPr>
+        <a:xfrm>
+          <a:off x="0" y="0"/>
+          <a:ext cx="0" cy="0"/>
+          <a:chOff x="0" y="0"/>
+          <a:chExt cx="0" cy="0"/>
+        </a:xfrm>
+      </p:grpSpPr>
+      <p:sp>
+        <p:nvSpPr>
+          <p:cNvPr id="2" name="标题 1"/>
+          <p:cNvSpPr>
+            <a:spLocks noGrp="1"/>
+          </p:cNvSpPr>
+          <p:nvPr>
+            <p:ph type="title"/>
+          </p:nvPr>
+        </p:nvSpPr>
+        <p:spPr>
+          <a:xfrm>
+            <a:off x="839788" y="457200"/>
+            <a:ext cx="3932237" cy="1600200"/>
+          </a:xfrm>
+        </p:spPr>
+        <p:txBody>
+          <a:bodyPr anchor="b"/>
+          <a:lstStyle>
+            <a:lvl1pPr>
+              <a:defRPr sz="3200"/>
+            </a:lvl1pPr>
+          </a:lstStyle>
+          <a:p>
+            <a:r>
+              <a:rPr lang="zh-CN" altLang="en-US" smtClean="0"/>
+              <a:t>单击此处编辑母版标题样式</a:t>
+            </a:r>
+            <a:endParaRPr lang="zh-CN" altLang="en-US"/>
+          </a:p>
+        </p:txBody>
+      </p:sp>
+      <p:sp>
+        <p:nvSpPr>
+          <p:cNvPr id="3" name="内容占位符 2"/>
+          <p:cNvSpPr>
+            <a:spLocks noGrp="1"/>
+          </p:cNvSpPr>
+          <p:nvPr>
+            <p:ph idx="1"/>
+          </p:nvPr>
+        </p:nvSpPr>
+        <p:spPr>
+          <a:xfrm>
+            <a:off x="5183188" y="987425"/>
+            <a:ext cx="6172200" cy="4873625"/>
+          </a:xfrm>
+        </p:spPr>
+        <p:txBody>
+          <a:bodyPr/>
+          <a:lstStyle>
+            <a:lvl1pPr>
+              <a:defRPr sz="3200"/>
+            </a:lvl1pPr>
+            <a:lvl2pPr>
+              <a:defRPr sz="2800"/>
+            </a:lvl2pPr>
+            <a:lvl3pPr>
+              <a:defRPr sz="2400"/>
+            </a:lvl3pPr>
+            <a:lvl4pPr>
+              <a:defRPr sz="2000"/>
+            </a:lvl4pPr>
+            <a:lvl5pPr>
+              <a:defRPr sz="2000"/>
+            </a:lvl5pPr>
+            <a:lvl6pPr>
+              <a:defRPr sz="2000"/>
+            </a:lvl6pPr>
+            <a:lvl7pPr>
+              <a:defRPr sz="2000"/>
+            </a:lvl7pPr>
+            <a:lvl8pPr>
+              <a:defRPr sz="2000"/>
+            </a:lvl8pPr>
+            <a:lvl9pPr>
+              <a:defRPr sz="2000"/>
+            </a:lvl9pPr>
+          </a:lstStyle>
+          <a:p>
+            <a:pPr lvl="0"/>
+            <a:r>
+              <a:rPr lang="zh-CN" altLang="en-US" smtClean="0"/>
+              <a:t>单击此处编辑母版文本样式</a:t>
+            </a:r>
+            <a:endParaRPr lang="zh-CN" altLang="en-US" smtClean="0"/>
+          </a:p>
+          <a:p>
+            <a:pPr lvl="1"/>
+            <a:r>
+              <a:rPr lang="zh-CN" altLang="en-US" smtClean="0"/>
+              <a:t>第二级</a:t>
+            </a:r>
+            <a:endParaRPr lang="zh-CN" altLang="en-US" smtClean="0"/>
+          </a:p>
+          <a:p>
+            <a:pPr lvl="2"/>
+            <a:r>
+              <a:rPr lang="zh-CN" altLang="en-US" smtClean="0"/>
+              <a:t>第三级</a:t>
+            </a:r>
+            <a:endParaRPr lang="zh-CN" altLang="en-US" smtClean="0"/>
+          </a:p>
+          <a:p>
+            <a:pPr lvl="3"/>
+            <a:r>
+              <a:rPr lang="zh-CN" altLang="en-US" smtClean="0"/>
+              <a:t>第四级</a:t>
+            </a:r>
+            <a:endParaRPr lang="zh-CN" altLang="en-US" smtClean="0"/>
+          </a:p>
+          <a:p>
+            <a:pPr lvl="4"/>
+            <a:r>
+              <a:rPr lang="zh-CN" altLang="en-US" smtClean="0"/>
+              <a:t>第五级</a:t>
+            </a:r>
+            <a:endParaRPr lang="zh-CN" altLang="en-US"/>
+          </a:p>
+        </p:txBody>
+      </p:sp>
+      <p:sp>
+        <p:nvSpPr>
+          <p:cNvPr id="4" name="文本占位符 3"/>
+          <p:cNvSpPr>
+            <a:spLocks noGrp="1"/>
+          </p:cNvSpPr>
+          <p:nvPr>
+            <p:ph type="body" sz="half" idx="2"/>
+          </p:nvPr>
+        </p:nvSpPr>
+        <p:spPr>
+          <a:xfrm>
+            <a:off x="839788" y="2057400"/>
+            <a:ext cx="3932237" cy="3811588"/>
+          </a:xfrm>
+        </p:spPr>
+        <p:txBody>
+          <a:bodyPr/>
+          <a:lstStyle>
+            <a:lvl1pPr marL="0" indent="0">
+              <a:buNone/>
+              <a:defRPr sz="1600"/>
+            </a:lvl1pPr>
+            <a:lvl2pPr marL="457200" indent="0">
+              <a:buNone/>
+              <a:defRPr sz="1400"/>
+            </a:lvl2pPr>
+            <a:lvl3pPr marL="914400" indent="0">
+              <a:buNone/>
+              <a:defRPr sz="1200"/>
+            </a:lvl3pPr>
+            <a:lvl4pPr marL="1371600" indent="0">
+              <a:buNone/>
+              <a:defRPr sz="1000"/>
+            </a:lvl4pPr>
+            <a:lvl5pPr marL="1828800" indent="0">
+              <a:buNone/>
+              <a:defRPr sz="1000"/>
+            </a:lvl5pPr>
+            <a:lvl6pPr marL="2286000" indent="0">
+              <a:buNone/>
+              <a:defRPr sz="1000"/>
+            </a:lvl6pPr>
+            <a:lvl7pPr marL="2743200" indent="0">
+              <a:buNone/>
+              <a:defRPr sz="1000"/>
+            </a:lvl7pPr>
+            <a:lvl8pPr marL="3200400" indent="0">
+              <a:buNone/>
+              <a:defRPr sz="1000"/>
+            </a:lvl8pPr>
+            <a:lvl9pPr marL="3657600" indent="0">
+              <a:buNone/>
+              <a:defRPr sz="1000"/>
+            </a:lvl9pPr>
+          </a:lstStyle>
+          <a:p>
+            <a:pPr lvl="0"/>
+            <a:r>
+              <a:rPr lang="zh-CN" altLang="en-US" smtClean="0"/>
+              <a:t>单击此处编辑母版文本样式</a:t>
+            </a:r>
+            <a:endParaRPr lang="zh-CN" altLang="en-US" smtClean="0"/>
+          </a:p>
+        </p:txBody>
+      </p:sp>
+      <p:sp>
+        <p:nvSpPr>
+          <p:cNvPr id="5" name="日期占位符 4"/>
+          <p:cNvSpPr>
+            <a:spLocks noGrp="1"/>
+          </p:cNvSpPr>
+          <p:nvPr>
+            <p:ph type="dt" sz="half" idx="10"/>
+          </p:nvPr>
+        </p:nvSpPr>
+        <p:spPr/>
+        <p:txBody>
+          <a:bodyPr/>
+          <a:lstStyle/>
+          <a:p>
+            <a:fld id="{D997B5FA-0921-464F-AAE1-844C04324D75}" type="datetimeFigureOut">
+              <a:rPr lang="zh-CN" altLang="en-US" smtClean="0"/>
+            </a:fld>
+            <a:endParaRPr lang="zh-CN" altLang="en-US"/>
+          </a:p>
+        </p:txBody>
+      </p:sp>
+      <p:sp>
+        <p:nvSpPr>
+          <p:cNvPr id="6" name="页脚占位符 5"/>
+          <p:cNvSpPr>
+            <a:spLocks noGrp="1"/>
+          </p:cNvSpPr>
+          <p:nvPr>
+            <p:ph type="ftr" sz="quarter" idx="11"/>
+          </p:nvPr>
+        </p:nvSpPr>
+        <p:spPr/>
+        <p:txBody>
+          <a:bodyPr/>
+          <a:lstStyle/>
+          <a:p>
+            <a:endParaRPr lang="zh-CN" altLang="en-US"/>
+          </a:p>
+        </p:txBody>
+      </p:sp>
+      <p:sp>
+        <p:nvSpPr>
+          <p:cNvPr id="7" name="灯片编号占位符 6"/>
+          <p:cNvSpPr>
+            <a:spLocks noGrp="1"/>
+          </p:cNvSpPr>
+          <p:nvPr>
+            <p:ph type="sldNum" sz="quarter" idx="12"/>
+          </p:nvPr>
+        </p:nvSpPr>
+        <p:spPr/>
+        <p:txBody>
+          <a:bodyPr/>
+          <a:lstStyle/>
+          <a:p>
+            <a:fld id="{565CE74E-AB26-4998-AD42-012C4C1AD076}" type="slidenum">
+              <a:rPr lang="zh-CN" altLang="en-US" smtClean="0"/>
+            </a:fld>
+            <a:endParaRPr lang="zh-CN" altLang="en-US"/>
+          </a:p>
+        </p:txBody>
+      </p:sp>
+    </p:spTree>
+  </p:cSld>
+  <p:clrMapOvr>
+    <a:masterClrMapping/>
+  </p:clrMapOvr>
+</p:sldLayout>
+</file>
+
+<file path=ppt/slideLayouts/slideLayout17.xml><?xml version="1.0" encoding="utf-8"?>
+<p:sldLayout xmlns:a="http://schemas.openxmlformats.org/drawingml/2006/main" xmlns:r="http://schemas.openxmlformats.org/officeDocument/2006/relationships" xmlns:p="http://schemas.openxmlformats.org/presentationml/2006/main" type="picTx" preserve="1">
+  <p:cSld name="图片与标题">
+    <p:spTree>
+      <p:nvGrpSpPr>
+        <p:cNvPr id="1" name=""/>
+        <p:cNvGrpSpPr/>
+        <p:nvPr/>
+      </p:nvGrpSpPr>
+      <p:grpSpPr>
+        <a:xfrm>
+          <a:off x="0" y="0"/>
+          <a:ext cx="0" cy="0"/>
+          <a:chOff x="0" y="0"/>
+          <a:chExt cx="0" cy="0"/>
+        </a:xfrm>
+      </p:grpSpPr>
+      <p:sp>
+        <p:nvSpPr>
+          <p:cNvPr id="2" name="标题 1"/>
+          <p:cNvSpPr>
+            <a:spLocks noGrp="1"/>
+          </p:cNvSpPr>
+          <p:nvPr>
+            <p:ph type="title"/>
+          </p:nvPr>
+        </p:nvSpPr>
+        <p:spPr>
+          <a:xfrm>
+            <a:off x="839788" y="457200"/>
+            <a:ext cx="3932237" cy="1600200"/>
+          </a:xfrm>
+        </p:spPr>
+        <p:txBody>
+          <a:bodyPr anchor="b"/>
+          <a:lstStyle>
+            <a:lvl1pPr>
+              <a:defRPr sz="3200"/>
+            </a:lvl1pPr>
+          </a:lstStyle>
+          <a:p>
+            <a:r>
+              <a:rPr lang="zh-CN" altLang="en-US" smtClean="0"/>
+              <a:t>单击此处编辑母版标题样式</a:t>
+            </a:r>
+            <a:endParaRPr lang="zh-CN" altLang="en-US"/>
+          </a:p>
+        </p:txBody>
+      </p:sp>
+      <p:sp>
+        <p:nvSpPr>
+          <p:cNvPr id="3" name="图片占位符 2"/>
+          <p:cNvSpPr>
+            <a:spLocks noGrp="1"/>
+          </p:cNvSpPr>
+          <p:nvPr>
+            <p:ph type="pic" idx="1"/>
+          </p:nvPr>
+        </p:nvSpPr>
+        <p:spPr>
+          <a:xfrm>
+            <a:off x="5183188" y="987425"/>
+            <a:ext cx="6172200" cy="4873625"/>
+          </a:xfrm>
+        </p:spPr>
+        <p:txBody>
+          <a:bodyPr/>
+          <a:lstStyle>
+            <a:lvl1pPr marL="0" indent="0">
+              <a:buNone/>
+              <a:defRPr sz="3200"/>
+            </a:lvl1pPr>
+            <a:lvl2pPr marL="457200" indent="0">
+              <a:buNone/>
+              <a:defRPr sz="2800"/>
+            </a:lvl2pPr>
+            <a:lvl3pPr marL="914400" indent="0">
+              <a:buNone/>
+              <a:defRPr sz="2400"/>
+            </a:lvl3pPr>
+            <a:lvl4pPr marL="1371600" indent="0">
+              <a:buNone/>
+              <a:defRPr sz="2000"/>
+            </a:lvl4pPr>
+            <a:lvl5pPr marL="1828800" indent="0">
+              <a:buNone/>
+              <a:defRPr sz="2000"/>
+            </a:lvl5pPr>
+            <a:lvl6pPr marL="2286000" indent="0">
+              <a:buNone/>
+              <a:defRPr sz="2000"/>
+            </a:lvl6pPr>
+            <a:lvl7pPr marL="2743200" indent="0">
+              <a:buNone/>
+              <a:defRPr sz="2000"/>
+            </a:lvl7pPr>
+            <a:lvl8pPr marL="3200400" indent="0">
+              <a:buNone/>
+              <a:defRPr sz="2000"/>
+            </a:lvl8pPr>
+            <a:lvl9pPr marL="3657600" indent="0">
+              <a:buNone/>
+              <a:defRPr sz="2000"/>
+            </a:lvl9pPr>
+          </a:lstStyle>
+          <a:p>
+            <a:endParaRPr lang="zh-CN" altLang="en-US"/>
+          </a:p>
+        </p:txBody>
+      </p:sp>
+      <p:sp>
+        <p:nvSpPr>
+          <p:cNvPr id="4" name="文本占位符 3"/>
+          <p:cNvSpPr>
+            <a:spLocks noGrp="1"/>
+          </p:cNvSpPr>
+          <p:nvPr>
+            <p:ph type="body" sz="half" idx="2"/>
+          </p:nvPr>
+        </p:nvSpPr>
+        <p:spPr>
+          <a:xfrm>
+            <a:off x="839788" y="2057400"/>
+            <a:ext cx="3932237" cy="3811588"/>
+          </a:xfrm>
+        </p:spPr>
+        <p:txBody>
+          <a:bodyPr/>
+          <a:lstStyle>
+            <a:lvl1pPr marL="0" indent="0">
+              <a:buNone/>
+              <a:defRPr sz="1600"/>
+            </a:lvl1pPr>
+            <a:lvl2pPr marL="457200" indent="0">
+              <a:buNone/>
+              <a:defRPr sz="1400"/>
+            </a:lvl2pPr>
+            <a:lvl3pPr marL="914400" indent="0">
+              <a:buNone/>
+              <a:defRPr sz="1200"/>
+            </a:lvl3pPr>
+            <a:lvl4pPr marL="1371600" indent="0">
+              <a:buNone/>
+              <a:defRPr sz="1000"/>
+            </a:lvl4pPr>
+            <a:lvl5pPr marL="1828800" indent="0">
+              <a:buNone/>
+              <a:defRPr sz="1000"/>
+            </a:lvl5pPr>
+            <a:lvl6pPr marL="2286000" indent="0">
+              <a:buNone/>
+              <a:defRPr sz="1000"/>
+            </a:lvl6pPr>
+            <a:lvl7pPr marL="2743200" indent="0">
+              <a:buNone/>
+              <a:defRPr sz="1000"/>
+            </a:lvl7pPr>
+            <a:lvl8pPr marL="3200400" indent="0">
+              <a:buNone/>
+              <a:defRPr sz="1000"/>
+            </a:lvl8pPr>
+            <a:lvl9pPr marL="3657600" indent="0">
+              <a:buNone/>
+              <a:defRPr sz="1000"/>
+            </a:lvl9pPr>
+          </a:lstStyle>
+          <a:p>
+            <a:pPr lvl="0"/>
+            <a:r>
+              <a:rPr lang="zh-CN" altLang="en-US" smtClean="0"/>
+              <a:t>单击此处编辑母版文本样式</a:t>
+            </a:r>
+            <a:endParaRPr lang="zh-CN" altLang="en-US" smtClean="0"/>
+          </a:p>
+        </p:txBody>
+      </p:sp>
+      <p:sp>
+        <p:nvSpPr>
+          <p:cNvPr id="5" name="日期占位符 4"/>
+          <p:cNvSpPr>
+            <a:spLocks noGrp="1"/>
+          </p:cNvSpPr>
+          <p:nvPr>
+            <p:ph type="dt" sz="half" idx="10"/>
+          </p:nvPr>
+        </p:nvSpPr>
+        <p:spPr/>
+        <p:txBody>
+          <a:bodyPr/>
+          <a:lstStyle/>
+          <a:p>
+            <a:fld id="{D997B5FA-0921-464F-AAE1-844C04324D75}" type="datetimeFigureOut">
+              <a:rPr lang="zh-CN" altLang="en-US" smtClean="0"/>
+            </a:fld>
+            <a:endParaRPr lang="zh-CN" altLang="en-US"/>
+          </a:p>
+        </p:txBody>
+      </p:sp>
+      <p:sp>
+        <p:nvSpPr>
+          <p:cNvPr id="6" name="页脚占位符 5"/>
+          <p:cNvSpPr>
+            <a:spLocks noGrp="1"/>
+          </p:cNvSpPr>
+          <p:nvPr>
+            <p:ph type="ftr" sz="quarter" idx="11"/>
+          </p:nvPr>
+        </p:nvSpPr>
+        <p:spPr/>
+        <p:txBody>
+          <a:bodyPr/>
+          <a:lstStyle/>
+          <a:p>
+            <a:endParaRPr lang="zh-CN" altLang="en-US"/>
+          </a:p>
+        </p:txBody>
+      </p:sp>
+      <p:sp>
+        <p:nvSpPr>
+          <p:cNvPr id="7" name="灯片编号占位符 6"/>
+          <p:cNvSpPr>
+            <a:spLocks noGrp="1"/>
+          </p:cNvSpPr>
+          <p:nvPr>
+            <p:ph type="sldNum" sz="quarter" idx="12"/>
+          </p:nvPr>
+        </p:nvSpPr>
+        <p:spPr/>
+        <p:txBody>
+          <a:bodyPr/>
+          <a:lstStyle/>
+          <a:p>
+            <a:fld id="{565CE74E-AB26-4998-AD42-012C4C1AD076}" type="slidenum">
+              <a:rPr lang="zh-CN" altLang="en-US" smtClean="0"/>
+            </a:fld>
+            <a:endParaRPr lang="zh-CN" altLang="en-US"/>
+          </a:p>
+        </p:txBody>
+      </p:sp>
+    </p:spTree>
+  </p:cSld>
+  <p:clrMapOvr>
+    <a:masterClrMapping/>
+  </p:clrMapOvr>
+</p:sldLayout>
+</file>
+
+<file path=ppt/slideLayouts/slideLayout18.xml><?xml version="1.0" encoding="utf-8"?>
+<p:sldLayout xmlns:a="http://schemas.openxmlformats.org/drawingml/2006/main" xmlns:r="http://schemas.openxmlformats.org/officeDocument/2006/relationships" xmlns:p="http://schemas.openxmlformats.org/presentationml/2006/main" type="vertTx" preserve="1">
+  <p:cSld name="标题和竖排文字">
+    <p:spTree>
+      <p:nvGrpSpPr>
+        <p:cNvPr id="1" name=""/>
+        <p:cNvGrpSpPr/>
+        <p:nvPr/>
+      </p:nvGrpSpPr>
+      <p:grpSpPr>
+        <a:xfrm>
+          <a:off x="0" y="0"/>
+          <a:ext cx="0" cy="0"/>
+          <a:chOff x="0" y="0"/>
+          <a:chExt cx="0" cy="0"/>
+        </a:xfrm>
+      </p:grpSpPr>
+      <p:sp>
+        <p:nvSpPr>
+          <p:cNvPr id="2" name="标题 1"/>
+          <p:cNvSpPr>
+            <a:spLocks noGrp="1"/>
+          </p:cNvSpPr>
+          <p:nvPr>
+            <p:ph type="title"/>
+          </p:nvPr>
+        </p:nvSpPr>
+        <p:spPr/>
+        <p:txBody>
+          <a:bodyPr/>
+          <a:lstStyle/>
+          <a:p>
+            <a:r>
+              <a:rPr lang="zh-CN" altLang="en-US" smtClean="0"/>
+              <a:t>单击此处编辑母版标题样式</a:t>
+            </a:r>
+            <a:endParaRPr lang="zh-CN" altLang="en-US"/>
+          </a:p>
+        </p:txBody>
+      </p:sp>
+      <p:sp>
+        <p:nvSpPr>
+          <p:cNvPr id="3" name="竖排文字占位符 2"/>
+          <p:cNvSpPr>
+            <a:spLocks noGrp="1"/>
+          </p:cNvSpPr>
+          <p:nvPr>
+            <p:ph type="body" orient="vert" idx="1"/>
+          </p:nvPr>
+        </p:nvSpPr>
+        <p:spPr/>
+        <p:txBody>
+          <a:bodyPr vert="eaVert"/>
+          <a:lstStyle/>
+          <a:p>
+            <a:pPr lvl="0"/>
+            <a:r>
+              <a:rPr lang="zh-CN" altLang="en-US" smtClean="0"/>
+              <a:t>单击此处编辑母版文本样式</a:t>
+            </a:r>
+            <a:endParaRPr lang="zh-CN" altLang="en-US" smtClean="0"/>
+          </a:p>
+          <a:p>
+            <a:pPr lvl="1"/>
+            <a:r>
+              <a:rPr lang="zh-CN" altLang="en-US" smtClean="0"/>
+              <a:t>第二级</a:t>
+            </a:r>
+            <a:endParaRPr lang="zh-CN" altLang="en-US" smtClean="0"/>
+          </a:p>
+          <a:p>
+            <a:pPr lvl="2"/>
+            <a:r>
+              <a:rPr lang="zh-CN" altLang="en-US" smtClean="0"/>
+              <a:t>第三级</a:t>
+            </a:r>
+            <a:endParaRPr lang="zh-CN" altLang="en-US" smtClean="0"/>
+          </a:p>
+          <a:p>
+            <a:pPr lvl="3"/>
+            <a:r>
+              <a:rPr lang="zh-CN" altLang="en-US" smtClean="0"/>
+              <a:t>第四级</a:t>
+            </a:r>
+            <a:endParaRPr lang="zh-CN" altLang="en-US" smtClean="0"/>
+          </a:p>
+          <a:p>
+            <a:pPr lvl="4"/>
+            <a:r>
+              <a:rPr lang="zh-CN" altLang="en-US" smtClean="0"/>
+              <a:t>第五级</a:t>
+            </a:r>
+            <a:endParaRPr lang="zh-CN" altLang="en-US"/>
+          </a:p>
+        </p:txBody>
+      </p:sp>
+      <p:sp>
+        <p:nvSpPr>
+          <p:cNvPr id="4" name="日期占位符 3"/>
+          <p:cNvSpPr>
+            <a:spLocks noGrp="1"/>
+          </p:cNvSpPr>
+          <p:nvPr>
+            <p:ph type="dt" sz="half" idx="10"/>
+          </p:nvPr>
+        </p:nvSpPr>
+        <p:spPr/>
+        <p:txBody>
+          <a:bodyPr/>
+          <a:lstStyle/>
+          <a:p>
+            <a:fld id="{D997B5FA-0921-464F-AAE1-844C04324D75}" type="datetimeFigureOut">
+              <a:rPr lang="zh-CN" altLang="en-US" smtClean="0"/>
+            </a:fld>
+            <a:endParaRPr lang="zh-CN" altLang="en-US"/>
+          </a:p>
+        </p:txBody>
+      </p:sp>
+      <p:sp>
+        <p:nvSpPr>
+          <p:cNvPr id="5" name="页脚占位符 4"/>
+          <p:cNvSpPr>
+            <a:spLocks noGrp="1"/>
+          </p:cNvSpPr>
+          <p:nvPr>
+            <p:ph type="ftr" sz="quarter" idx="11"/>
+          </p:nvPr>
+        </p:nvSpPr>
+        <p:spPr/>
+        <p:txBody>
+          <a:bodyPr/>
+          <a:lstStyle/>
+          <a:p>
+            <a:endParaRPr lang="zh-CN" altLang="en-US"/>
+          </a:p>
+        </p:txBody>
+      </p:sp>
+      <p:sp>
+        <p:nvSpPr>
+          <p:cNvPr id="6" name="灯片编号占位符 5"/>
+          <p:cNvSpPr>
+            <a:spLocks noGrp="1"/>
+          </p:cNvSpPr>
+          <p:nvPr>
+            <p:ph type="sldNum" sz="quarter" idx="12"/>
+          </p:nvPr>
+        </p:nvSpPr>
+        <p:spPr/>
+        <p:txBody>
+          <a:bodyPr/>
+          <a:lstStyle/>
+          <a:p>
+            <a:fld id="{565CE74E-AB26-4998-AD42-012C4C1AD076}" type="slidenum">
+              <a:rPr lang="zh-CN" altLang="en-US" smtClean="0"/>
+            </a:fld>
+            <a:endParaRPr lang="zh-CN" altLang="en-US"/>
+          </a:p>
+        </p:txBody>
+      </p:sp>
+    </p:spTree>
+  </p:cSld>
+  <p:clrMapOvr>
+    <a:masterClrMapping/>
+  </p:clrMapOvr>
+</p:sldLayout>
+</file>
+
+<file path=ppt/slideLayouts/slideLayout19.xml><?xml version="1.0" encoding="utf-8"?>
+<p:sldLayout xmlns:a="http://schemas.openxmlformats.org/drawingml/2006/main" xmlns:r="http://schemas.openxmlformats.org/officeDocument/2006/relationships" xmlns:p="http://schemas.openxmlformats.org/presentationml/2006/main" type="vertTitleAndTx" preserve="1">
+  <p:cSld name="垂直排列标题与&#10;文本">
+    <p:spTree>
+      <p:nvGrpSpPr>
+        <p:cNvPr id="1" name=""/>
+        <p:cNvGrpSpPr/>
+        <p:nvPr/>
+      </p:nvGrpSpPr>
+      <p:grpSpPr>
+        <a:xfrm>
+          <a:off x="0" y="0"/>
+          <a:ext cx="0" cy="0"/>
+          <a:chOff x="0" y="0"/>
+          <a:chExt cx="0" cy="0"/>
+        </a:xfrm>
+      </p:grpSpPr>
+      <p:sp>
+        <p:nvSpPr>
+          <p:cNvPr id="2" name="竖排标题 1"/>
+          <p:cNvSpPr>
+            <a:spLocks noGrp="1"/>
+          </p:cNvSpPr>
+          <p:nvPr>
+            <p:ph type="title" orient="vert"/>
+          </p:nvPr>
+        </p:nvSpPr>
+        <p:spPr>
+          <a:xfrm>
+            <a:off x="8724900" y="365125"/>
+            <a:ext cx="2628900" cy="5811838"/>
+          </a:xfrm>
+        </p:spPr>
+        <p:txBody>
+          <a:bodyPr vert="eaVert"/>
+          <a:lstStyle/>
+          <a:p>
+            <a:r>
+              <a:rPr lang="zh-CN" altLang="en-US" smtClean="0"/>
+              <a:t>单击此处编辑母版标题样式</a:t>
+            </a:r>
+            <a:endParaRPr lang="zh-CN" altLang="en-US"/>
+          </a:p>
+        </p:txBody>
+      </p:sp>
+      <p:sp>
+        <p:nvSpPr>
+          <p:cNvPr id="3" name="竖排文字占位符 2"/>
+          <p:cNvSpPr>
+            <a:spLocks noGrp="1"/>
+          </p:cNvSpPr>
+          <p:nvPr>
+            <p:ph type="body" orient="vert" idx="1"/>
+          </p:nvPr>
+        </p:nvSpPr>
+        <p:spPr>
+          <a:xfrm>
+            <a:off x="838200" y="365125"/>
+            <a:ext cx="7734300" cy="5811838"/>
+          </a:xfrm>
+        </p:spPr>
+        <p:txBody>
+          <a:bodyPr vert="eaVert"/>
+          <a:lstStyle/>
+          <a:p>
+            <a:pPr lvl="0"/>
+            <a:r>
+              <a:rPr lang="zh-CN" altLang="en-US" smtClean="0"/>
+              <a:t>单击此处编辑母版文本样式</a:t>
+            </a:r>
+            <a:endParaRPr lang="zh-CN" altLang="en-US" smtClean="0"/>
+          </a:p>
+          <a:p>
+            <a:pPr lvl="1"/>
+            <a:r>
+              <a:rPr lang="zh-CN" altLang="en-US" smtClean="0"/>
+              <a:t>第二级</a:t>
+            </a:r>
+            <a:endParaRPr lang="zh-CN" altLang="en-US" smtClean="0"/>
+          </a:p>
+          <a:p>
+            <a:pPr lvl="2"/>
+            <a:r>
+              <a:rPr lang="zh-CN" altLang="en-US" smtClean="0"/>
+              <a:t>第三级</a:t>
+            </a:r>
+            <a:endParaRPr lang="zh-CN" altLang="en-US" smtClean="0"/>
+          </a:p>
+          <a:p>
+            <a:pPr lvl="3"/>
+            <a:r>
+              <a:rPr lang="zh-CN" altLang="en-US" smtClean="0"/>
+              <a:t>第四级</a:t>
+            </a:r>
+            <a:endParaRPr lang="zh-CN" altLang="en-US" smtClean="0"/>
+          </a:p>
+          <a:p>
+            <a:pPr lvl="4"/>
+            <a:r>
+              <a:rPr lang="zh-CN" altLang="en-US" smtClean="0"/>
+              <a:t>第五级</a:t>
+            </a:r>
+            <a:endParaRPr lang="zh-CN" altLang="en-US"/>
+          </a:p>
+        </p:txBody>
+      </p:sp>
+      <p:sp>
+        <p:nvSpPr>
+          <p:cNvPr id="4" name="日期占位符 3"/>
+          <p:cNvSpPr>
+            <a:spLocks noGrp="1"/>
+          </p:cNvSpPr>
+          <p:nvPr>
+            <p:ph type="dt" sz="half" idx="10"/>
+          </p:nvPr>
+        </p:nvSpPr>
+        <p:spPr/>
+        <p:txBody>
+          <a:bodyPr/>
+          <a:lstStyle/>
+          <a:p>
+            <a:fld id="{D997B5FA-0921-464F-AAE1-844C04324D75}" type="datetimeFigureOut">
+              <a:rPr lang="zh-CN" altLang="en-US" smtClean="0"/>
+            </a:fld>
+            <a:endParaRPr lang="zh-CN" altLang="en-US"/>
+          </a:p>
+        </p:txBody>
+      </p:sp>
+      <p:sp>
+        <p:nvSpPr>
+          <p:cNvPr id="5" name="页脚占位符 4"/>
+          <p:cNvSpPr>
+            <a:spLocks noGrp="1"/>
+          </p:cNvSpPr>
+          <p:nvPr>
+            <p:ph type="ftr" sz="quarter" idx="11"/>
+          </p:nvPr>
+        </p:nvSpPr>
+        <p:spPr/>
+        <p:txBody>
+          <a:bodyPr/>
+          <a:lstStyle/>
+          <a:p>
+            <a:endParaRPr lang="zh-CN" altLang="en-US"/>
+          </a:p>
+        </p:txBody>
+      </p:sp>
+      <p:sp>
+        <p:nvSpPr>
+          <p:cNvPr id="6" name="灯片编号占位符 5"/>
+          <p:cNvSpPr>
+            <a:spLocks noGrp="1"/>
+          </p:cNvSpPr>
+          <p:nvPr>
+            <p:ph type="sldNum" sz="quarter" idx="12"/>
+          </p:nvPr>
+        </p:nvSpPr>
+        <p:spPr/>
+        <p:txBody>
+          <a:bodyPr/>
+          <a:lstStyle/>
+          <a:p>
+            <a:fld id="{565CE74E-AB26-4998-AD42-012C4C1AD076}" type="slidenum">
+              <a:rPr lang="zh-CN" altLang="en-US" smtClean="0"/>
+            </a:fld>
+            <a:endParaRPr lang="zh-CN" altLang="en-US"/>
+          </a:p>
+        </p:txBody>
+      </p:sp>
+    </p:spTree>
+  </p:cSld>
+  <p:clrMapOvr>
+    <a:masterClrMapping/>
+  </p:clrMapOvr>
+</p:sldLayout>
+</file>
+
+<file path=ppt/slideLayouts/slideLayout2.xml><?xml version="1.0" encoding="utf-8"?>
+<p:sldLayout xmlns:a="http://schemas.openxmlformats.org/drawingml/2006/main" xmlns:r="http://schemas.openxmlformats.org/officeDocument/2006/relationships" xmlns:p="http://schemas.openxmlformats.org/presentationml/2006/main" type="obj" preserve="1">
+  <p:cSld name="标题和正文">
+    <p:spTree>
+      <p:nvGrpSpPr>
+        <p:cNvPr id="1" name=""/>
+        <p:cNvGrpSpPr/>
+        <p:nvPr/>
+      </p:nvGrpSpPr>
+      <p:grpSpPr>
+        <a:xfrm>
+          <a:off x="0" y="0"/>
+          <a:ext cx="0" cy="0"/>
+          <a:chOff x="0" y="0"/>
+          <a:chExt cx="0" cy="0"/>
+        </a:xfrm>
+      </p:grpSpPr>
+      <p:sp>
+        <p:nvSpPr>
+          <p:cNvPr id="2" name="标题 1"/>
+          <p:cNvSpPr>
+            <a:spLocks noGrp="1"/>
+          </p:cNvSpPr>
+          <p:nvPr>
+            <p:ph type="title" hasCustomPrompt="1"/>
+          </p:nvPr>
+        </p:nvSpPr>
+        <p:spPr>
+          <a:xfrm>
+            <a:off x="669882" y="581225"/>
+            <a:ext cx="10852237" cy="648000"/>
+          </a:xfrm>
+        </p:spPr>
+        <p:txBody>
+          <a:bodyPr vert="horz" lIns="101600" tIns="38100" rIns="76200" bIns="38100" rtlCol="0" anchor="ctr" anchorCtr="0">
+            <a:noAutofit/>
+          </a:bodyPr>
+          <a:lstStyle>
+            <a:lvl1pPr marL="0" marR="0" algn="l" defTabSz="914400" rtl="0" eaLnBrk="1" fontAlgn="auto" latinLnBrk="0" hangingPunct="1">
+              <a:lnSpc>
+                <a:spcPct val="100000"/>
+              </a:lnSpc>
+              <a:buNone/>
+              <a:defRPr kumimoji="0" lang="zh-CN" altLang="en-US" sz="3200" b="1" i="0" u="none" strike="noStrike" kern="1200" cap="none" spc="200" normalizeH="0" baseline="0" noProof="1" dirty="0">
+                <a:solidFill>
+                  <a:schemeClr val="tx1"/>
+                </a:solidFill>
+                <a:uFillTx/>
+                <a:latin typeface="+mn-ea"/>
+                <a:ea typeface="+mn-ea"/>
+                <a:cs typeface="+mj-cs"/>
+                <a:sym typeface="+mn-ea"/>
+              </a:defRPr>
+            </a:lvl1pPr>
+          </a:lstStyle>
+          <a:p>
+            <a:pPr lvl="0"/>
+            <a:r>
+              <a:rPr dirty="0">
+                <a:sym typeface="+mn-ea"/>
+              </a:rPr>
+              <a:t>单击此处编辑标题</a:t>
+            </a:r>
+            <a:endParaRPr dirty="0">
+              <a:sym typeface="+mn-ea"/>
+            </a:endParaRPr>
+          </a:p>
+        </p:txBody>
+      </p:sp>
+      <p:sp>
+        <p:nvSpPr>
+          <p:cNvPr id="5" name="页脚占位符 4"/>
+          <p:cNvSpPr>
+            <a:spLocks noGrp="1"/>
+          </p:cNvSpPr>
+          <p:nvPr>
+            <p:ph type="ftr" sz="quarter" idx="11"/>
+          </p:nvPr>
+        </p:nvSpPr>
+        <p:spPr/>
+        <p:txBody>
+          <a:bodyPr/>
+          <a:lstStyle>
+            <a:lvl1pPr>
+              <a:defRPr>
+                <a:latin typeface="+mn-ea"/>
+              </a:defRPr>
+            </a:lvl1pPr>
+          </a:lstStyle>
+          <a:p>
+            <a:endParaRPr lang="zh-CN" altLang="en-US"/>
+          </a:p>
+        </p:txBody>
+      </p:sp>
+      <p:sp>
+        <p:nvSpPr>
+          <p:cNvPr id="6" name="灯片编号占位符 5"/>
+          <p:cNvSpPr>
+            <a:spLocks noGrp="1"/>
+          </p:cNvSpPr>
+          <p:nvPr>
+            <p:ph type="sldNum" sz="quarter" idx="12"/>
+          </p:nvPr>
+        </p:nvSpPr>
+        <p:spPr/>
+        <p:txBody>
+          <a:bodyPr/>
+          <a:lstStyle>
+            <a:lvl1pPr>
+              <a:defRPr>
+                <a:latin typeface="+mn-ea"/>
+              </a:defRPr>
+            </a:lvl1pPr>
+          </a:lstStyle>
+          <a:p>
+            <a:fld id="{49AE70B2-8BF9-45C0-BB95-33D1B9D3A854}" type="slidenum">
+              <a:rPr lang="zh-CN" altLang="en-US" smtClean="0"/>
+            </a:fld>
+            <a:endParaRPr lang="zh-CN" altLang="en-US"/>
+          </a:p>
+        </p:txBody>
+      </p:sp>
+      <p:sp>
+        <p:nvSpPr>
+          <p:cNvPr id="7" name="文本占位符 6"/>
+          <p:cNvSpPr>
+            <a:spLocks noGrp="1"/>
+          </p:cNvSpPr>
+          <p:nvPr>
+            <p:ph type="body" idx="1" hasCustomPrompt="1"/>
+          </p:nvPr>
+        </p:nvSpPr>
+        <p:spPr>
+          <a:xfrm>
+            <a:off x="669925" y="1508125"/>
+            <a:ext cx="10852150" cy="4749165"/>
+          </a:xfrm>
+          <a:prstGeom prst="rect">
+            <a:avLst/>
+          </a:prstGeom>
+        </p:spPr>
+        <p:txBody>
+          <a:bodyPr vert="horz" lIns="101600" tIns="0" rIns="82550" bIns="0" rtlCol="0">
+            <a:normAutofit/>
+          </a:bodyPr>
+          <a:lstStyle>
+            <a:lvl1pPr>
+              <a:defRPr sz="2400"/>
+            </a:lvl1pPr>
+            <a:lvl2pPr>
+              <a:defRPr sz="2400"/>
+            </a:lvl2pPr>
+            <a:lvl3pPr>
+              <a:defRPr sz="2400"/>
+            </a:lvl3pPr>
+            <a:lvl4pPr>
+              <a:defRPr sz="2400"/>
+            </a:lvl4pPr>
+            <a:lvl5pPr>
+              <a:defRPr sz="2400"/>
+            </a:lvl5pPr>
+          </a:lstStyle>
+          <a:p>
+            <a:pPr lvl="0"/>
+            <a:r>
+              <a:rPr lang="zh-CN" altLang="en-US" dirty="0"/>
+              <a:t>单击此处编辑正文</a:t>
+            </a:r>
+            <a:endParaRPr lang="zh-CN" altLang="en-US" dirty="0"/>
+          </a:p>
+          <a:p>
+            <a:pPr lvl="0"/>
+            <a:r>
+              <a:rPr lang="zh-CN" altLang="en-US" dirty="0">
+                <a:sym typeface="+mn-ea"/>
+              </a:rPr>
+              <a:t>单击此处编辑正文</a:t>
+            </a:r>
+            <a:endParaRPr lang="zh-CN" altLang="en-US" dirty="0"/>
+          </a:p>
+          <a:p>
+            <a:pPr lvl="0"/>
+            <a:r>
+              <a:rPr lang="zh-CN" altLang="en-US" dirty="0">
+                <a:sym typeface="+mn-ea"/>
+              </a:rPr>
+              <a:t>单击此处编辑正文</a:t>
+            </a:r>
+            <a:endParaRPr lang="zh-CN" altLang="en-US" dirty="0"/>
+          </a:p>
+          <a:p>
+            <a:pPr lvl="0"/>
+            <a:r>
+              <a:rPr lang="zh-CN" altLang="en-US" dirty="0">
+                <a:sym typeface="+mn-ea"/>
+              </a:rPr>
+              <a:t>单击此处编辑正文</a:t>
+            </a:r>
+            <a:endParaRPr lang="zh-CN" altLang="en-US" dirty="0"/>
+          </a:p>
+          <a:p>
+            <a:pPr lvl="0"/>
+            <a:r>
+              <a:rPr lang="zh-CN" altLang="en-US" dirty="0">
+                <a:sym typeface="+mn-ea"/>
+              </a:rPr>
+              <a:t>单击此处编辑正文</a:t>
+            </a:r>
+            <a:endParaRPr lang="zh-CN" altLang="en-US" dirty="0"/>
+          </a:p>
+        </p:txBody>
+      </p:sp>
+    </p:spTree>
+  </p:cSld>
+  <p:clrMapOvr>
+    <a:masterClrMapping/>
+  </p:clrMapOvr>
+</p:sldLayout>
+</file>
+
+<file path=ppt/slideLayouts/slideLayout3.xml><?xml version="1.0" encoding="utf-8"?>
+<p:sldLayout xmlns:a="http://schemas.openxmlformats.org/drawingml/2006/main" xmlns:r="http://schemas.openxmlformats.org/officeDocument/2006/relationships" xmlns:p="http://schemas.openxmlformats.org/presentationml/2006/main" type="blank" preserve="1">
+  <p:cSld name="标题与图文">
+    <p:spTree>
+      <p:nvGrpSpPr>
+        <p:cNvPr id="1" name=""/>
+        <p:cNvGrpSpPr/>
+        <p:nvPr/>
+      </p:nvGrpSpPr>
+      <p:grpSpPr>
+        <a:xfrm>
+          <a:off x="0" y="0"/>
+          <a:ext cx="0" cy="0"/>
+          <a:chOff x="0" y="0"/>
+          <a:chExt cx="0" cy="0"/>
+        </a:xfrm>
+      </p:grpSpPr>
+      <p:sp>
+        <p:nvSpPr>
+          <p:cNvPr id="3" name="页脚占位符 2"/>
+          <p:cNvSpPr>
+            <a:spLocks noGrp="1"/>
+          </p:cNvSpPr>
+          <p:nvPr>
+            <p:ph type="ftr" sz="quarter" idx="11"/>
+          </p:nvPr>
+        </p:nvSpPr>
+        <p:spPr/>
+        <p:txBody>
+          <a:bodyPr/>
+          <a:lstStyle>
+            <a:lvl1pPr>
+              <a:defRPr>
+                <a:latin typeface="+mn-ea"/>
+              </a:defRPr>
+            </a:lvl1pPr>
+          </a:lstStyle>
+          <a:p>
+            <a:endParaRPr lang="zh-CN" altLang="en-US"/>
+          </a:p>
+        </p:txBody>
+      </p:sp>
+      <p:sp>
+        <p:nvSpPr>
+          <p:cNvPr id="4" name="灯片编号占位符 3"/>
+          <p:cNvSpPr>
+            <a:spLocks noGrp="1"/>
+          </p:cNvSpPr>
+          <p:nvPr>
+            <p:ph type="sldNum" sz="quarter" idx="12"/>
+          </p:nvPr>
+        </p:nvSpPr>
+        <p:spPr/>
+        <p:txBody>
+          <a:bodyPr/>
+          <a:lstStyle>
+            <a:lvl1pPr>
+              <a:defRPr>
+                <a:latin typeface="+mn-ea"/>
+              </a:defRPr>
+            </a:lvl1pPr>
+          </a:lstStyle>
+          <a:p>
+            <a:fld id="{49AE70B2-8BF9-45C0-BB95-33D1B9D3A854}" type="slidenum">
+              <a:rPr lang="zh-CN" altLang="en-US" smtClean="0"/>
+            </a:fld>
+            <a:endParaRPr lang="zh-CN" altLang="en-US"/>
+          </a:p>
+        </p:txBody>
+      </p:sp>
+      <p:sp>
+        <p:nvSpPr>
+          <p:cNvPr id="5" name="标题 4"/>
+          <p:cNvSpPr>
+            <a:spLocks noGrp="1"/>
+          </p:cNvSpPr>
+          <p:nvPr>
+            <p:ph type="title" hasCustomPrompt="1"/>
+          </p:nvPr>
+        </p:nvSpPr>
+        <p:spPr>
+          <a:xfrm>
+            <a:off x="840105" y="727710"/>
+            <a:ext cx="3931920" cy="1115060"/>
+          </a:xfrm>
+        </p:spPr>
+        <p:txBody>
+          <a:bodyPr anchor="ctr" anchorCtr="0"/>
+          <a:lstStyle>
+            <a:lvl1pPr>
+              <a:defRPr sz="3200">
+                <a:latin typeface="+mn-ea"/>
+                <a:ea typeface="+mn-ea"/>
+              </a:defRPr>
+            </a:lvl1pPr>
+          </a:lstStyle>
+          <a:p>
+            <a:r>
+              <a:rPr lang="zh-CN" altLang="en-US" smtClean="0"/>
+              <a:t>单击此处编辑标题</a:t>
+            </a:r>
+            <a:endParaRPr lang="zh-CN" altLang="en-US"/>
+          </a:p>
+        </p:txBody>
+      </p:sp>
+      <p:sp>
+        <p:nvSpPr>
+          <p:cNvPr id="6" name="内容占位符 5"/>
+          <p:cNvSpPr>
+            <a:spLocks noGrp="1"/>
+          </p:cNvSpPr>
+          <p:nvPr>
+            <p:ph idx="1" hasCustomPrompt="1"/>
+          </p:nvPr>
+        </p:nvSpPr>
+        <p:spPr>
+          <a:xfrm>
+            <a:off x="5138420" y="727710"/>
+            <a:ext cx="6172200" cy="5403215"/>
+          </a:xfrm>
+        </p:spPr>
+        <p:txBody>
+          <a:bodyPr/>
+          <a:lstStyle>
+            <a:lvl1pPr>
+              <a:defRPr sz="2400">
+                <a:latin typeface="+mn-ea"/>
+                <a:ea typeface="+mn-ea"/>
+              </a:defRPr>
+            </a:lvl1pPr>
+            <a:lvl2pPr marL="457200" indent="0">
+              <a:buNone/>
+              <a:defRPr sz="2400">
+                <a:latin typeface="+mn-ea"/>
+                <a:ea typeface="+mn-ea"/>
+              </a:defRPr>
+            </a:lvl2pPr>
+            <a:lvl3pPr>
+              <a:defRPr sz="2400">
+                <a:latin typeface="+mn-ea"/>
+                <a:ea typeface="+mn-ea"/>
+              </a:defRPr>
+            </a:lvl3pPr>
+            <a:lvl4pPr>
+              <a:defRPr sz="2400">
+                <a:latin typeface="+mn-ea"/>
+                <a:ea typeface="+mn-ea"/>
+              </a:defRPr>
+            </a:lvl4pPr>
+            <a:lvl5pPr>
+              <a:defRPr sz="2400">
+                <a:latin typeface="+mn-ea"/>
+                <a:ea typeface="+mn-ea"/>
+              </a:defRPr>
+            </a:lvl5pPr>
+            <a:lvl6pPr>
+              <a:defRPr sz="2000"/>
+            </a:lvl6pPr>
+            <a:lvl7pPr>
+              <a:defRPr sz="2000"/>
+            </a:lvl7pPr>
+            <a:lvl8pPr>
+              <a:defRPr sz="2000"/>
+            </a:lvl8pPr>
+            <a:lvl9pPr>
+              <a:defRPr sz="2000"/>
+            </a:lvl9pPr>
+          </a:lstStyle>
+          <a:p>
+            <a:pPr lvl="0"/>
+            <a:r>
+              <a:rPr lang="zh-CN" altLang="en-US" smtClean="0"/>
+              <a:t>单击此处编辑正文</a:t>
+            </a:r>
+            <a:endParaRPr lang="zh-CN" altLang="en-US"/>
+          </a:p>
+        </p:txBody>
+      </p:sp>
+      <p:sp>
+        <p:nvSpPr>
+          <p:cNvPr id="7" name="文本占位符 6"/>
+          <p:cNvSpPr>
+            <a:spLocks noGrp="1"/>
+          </p:cNvSpPr>
+          <p:nvPr>
+            <p:ph type="body" sz="half" idx="2" hasCustomPrompt="1"/>
+          </p:nvPr>
+        </p:nvSpPr>
+        <p:spPr>
+          <a:xfrm>
+            <a:off x="840105" y="2239645"/>
+            <a:ext cx="3931920" cy="3891915"/>
+          </a:xfrm>
+        </p:spPr>
+        <p:txBody>
+          <a:bodyPr/>
+          <a:lstStyle>
+            <a:lvl1pPr marL="342900" indent="-342900">
+              <a:buFont typeface="Arial" panose="020B0604020202020204" pitchFamily="34" charset="0"/>
+              <a:buChar char="•"/>
+              <a:defRPr sz="2400">
+                <a:latin typeface="+mn-ea"/>
+                <a:ea typeface="+mn-ea"/>
+              </a:defRPr>
+            </a:lvl1pPr>
+            <a:lvl2pPr marL="457200" indent="0">
+              <a:buNone/>
+              <a:defRPr sz="1400"/>
+            </a:lvl2pPr>
+            <a:lvl3pPr marL="914400" indent="0">
+              <a:buNone/>
+              <a:defRPr sz="1200"/>
+            </a:lvl3pPr>
+            <a:lvl4pPr marL="1371600" indent="0">
+              <a:buNone/>
+              <a:defRPr sz="1000"/>
+            </a:lvl4pPr>
+            <a:lvl5pPr marL="1828800" indent="0">
+              <a:buNone/>
+              <a:defRPr sz="1000"/>
+            </a:lvl5pPr>
+            <a:lvl6pPr marL="2286000" indent="0">
+              <a:buNone/>
+              <a:defRPr sz="1000"/>
+            </a:lvl6pPr>
+            <a:lvl7pPr marL="2743200" indent="0">
+              <a:buNone/>
+              <a:defRPr sz="1000"/>
+            </a:lvl7pPr>
+            <a:lvl8pPr marL="3200400" indent="0">
+              <a:buNone/>
+              <a:defRPr sz="1000"/>
+            </a:lvl8pPr>
+            <a:lvl9pPr marL="3657600" indent="0">
+              <a:buNone/>
+              <a:defRPr sz="1000"/>
+            </a:lvl9pPr>
+          </a:lstStyle>
+          <a:p>
+            <a:pPr lvl="0"/>
+            <a:r>
+              <a:rPr lang="zh-CN" altLang="en-US" smtClean="0"/>
+              <a:t>单击此处编辑正文</a:t>
+            </a:r>
+            <a:endParaRPr lang="zh-CN" altLang="en-US" smtClean="0"/>
+          </a:p>
+          <a:p>
+            <a:pPr lvl="0"/>
+            <a:r>
+              <a:rPr lang="zh-CN" altLang="en-US" smtClean="0">
+                <a:sym typeface="+mn-ea"/>
+              </a:rPr>
+              <a:t>单击此处编辑正文</a:t>
+            </a:r>
+            <a:endParaRPr lang="zh-CN" altLang="en-US" smtClean="0"/>
+          </a:p>
+          <a:p>
+            <a:pPr lvl="0"/>
+            <a:r>
+              <a:rPr lang="zh-CN" altLang="en-US" smtClean="0">
+                <a:sym typeface="+mn-ea"/>
+              </a:rPr>
+              <a:t>单击此处编辑正文</a:t>
+            </a:r>
+            <a:endParaRPr lang="zh-CN" altLang="en-US" smtClean="0"/>
+          </a:p>
+          <a:p>
+            <a:pPr lvl="0"/>
+            <a:r>
+              <a:rPr lang="zh-CN" altLang="en-US" smtClean="0">
+                <a:sym typeface="+mn-ea"/>
+              </a:rPr>
+              <a:t>单击此处编辑正文</a:t>
+            </a:r>
+            <a:endParaRPr lang="zh-CN" altLang="en-US" smtClean="0">
+              <a:sym typeface="+mn-ea"/>
+            </a:endParaRPr>
+          </a:p>
+          <a:p>
+            <a:pPr lvl="0"/>
+            <a:r>
+              <a:rPr lang="zh-CN" altLang="en-US" smtClean="0">
+                <a:sym typeface="+mn-ea"/>
+              </a:rPr>
+              <a:t>单击此处编辑正文</a:t>
+            </a:r>
+            <a:endParaRPr lang="zh-CN" altLang="en-US" smtClean="0"/>
+          </a:p>
+        </p:txBody>
+      </p:sp>
+    </p:spTree>
+  </p:cSld>
+  <p:clrMapOvr>
+    <a:masterClrMapping/>
+  </p:clrMapOvr>
+</p:sldLayout>
+</file>
+
+<file path=ppt/slideLayouts/slideLayout4.xml><?xml version="1.0" encoding="utf-8"?>
+<p:sldLayout xmlns:a="http://schemas.openxmlformats.org/drawingml/2006/main" xmlns:r="http://schemas.openxmlformats.org/officeDocument/2006/relationships" xmlns:p="http://schemas.openxmlformats.org/presentationml/2006/main" preserve="1" userDrawn="1">
+  <p:cSld name="图片与注释">
+    <p:spTree>
+      <p:nvGrpSpPr>
+        <p:cNvPr id="1" name=""/>
+        <p:cNvGrpSpPr/>
+        <p:nvPr/>
+      </p:nvGrpSpPr>
+      <p:grpSpPr>
+        <a:xfrm>
+          <a:off x="0" y="0"/>
+          <a:ext cx="0" cy="0"/>
+          <a:chOff x="0" y="0"/>
+          <a:chExt cx="0" cy="0"/>
+        </a:xfrm>
+      </p:grpSpPr>
+      <p:sp>
+        <p:nvSpPr>
+          <p:cNvPr id="6" name="页脚占位符 5"/>
+          <p:cNvSpPr>
+            <a:spLocks noGrp="1"/>
+          </p:cNvSpPr>
+          <p:nvPr>
+            <p:ph type="ftr" sz="quarter" idx="11"/>
+          </p:nvPr>
+        </p:nvSpPr>
+        <p:spPr/>
+        <p:txBody>
+          <a:bodyPr/>
+          <a:lstStyle>
+            <a:lvl1pPr>
+              <a:defRPr>
+                <a:latin typeface="+mn-ea"/>
+              </a:defRPr>
+            </a:lvl1pPr>
+          </a:lstStyle>
+          <a:p>
+            <a:endParaRPr lang="zh-CN" altLang="en-US" dirty="0"/>
+          </a:p>
+        </p:txBody>
+      </p:sp>
+      <p:sp>
+        <p:nvSpPr>
+          <p:cNvPr id="7" name="灯片编号占位符 6"/>
+          <p:cNvSpPr>
+            <a:spLocks noGrp="1"/>
+          </p:cNvSpPr>
+          <p:nvPr>
+            <p:ph type="sldNum" sz="quarter" idx="12"/>
+          </p:nvPr>
+        </p:nvSpPr>
+        <p:spPr/>
+        <p:txBody>
+          <a:bodyPr/>
+          <a:lstStyle>
+            <a:lvl1pPr>
+              <a:defRPr>
+                <a:latin typeface="+mn-ea"/>
+              </a:defRPr>
+            </a:lvl1pPr>
+          </a:lstStyle>
+          <a:p>
+            <a:fld id="{FABC47A4-756D-490B-A52F-7D9E2C9FC05F}" type="slidenum">
+              <a:rPr lang="zh-CN" altLang="en-US" smtClean="0"/>
+            </a:fld>
+            <a:endParaRPr lang="zh-CN" altLang="en-US"/>
+          </a:p>
+        </p:txBody>
+      </p:sp>
+      <p:sp>
+        <p:nvSpPr>
+          <p:cNvPr id="9" name="标题 8"/>
+          <p:cNvSpPr>
+            <a:spLocks noGrp="1"/>
+          </p:cNvSpPr>
+          <p:nvPr>
+            <p:ph type="title" hasCustomPrompt="1"/>
+          </p:nvPr>
+        </p:nvSpPr>
+        <p:spPr>
+          <a:xfrm>
+            <a:off x="669925" y="5605145"/>
+            <a:ext cx="10852150" cy="558165"/>
+          </a:xfrm>
+        </p:spPr>
+        <p:txBody>
+          <a:bodyPr/>
+          <a:lstStyle>
+            <a:lvl1pPr>
+              <a:defRPr b="0">
+                <a:latin typeface="+mn-ea"/>
+                <a:ea typeface="+mn-ea"/>
+              </a:defRPr>
+            </a:lvl1pPr>
+          </a:lstStyle>
+          <a:p>
+            <a:r>
+              <a:rPr lang="zh-CN" altLang="en-US"/>
+              <a:t>单击此处编辑正文</a:t>
+            </a:r>
+            <a:endParaRPr lang="zh-CN" altLang="en-US"/>
+          </a:p>
+        </p:txBody>
+      </p:sp>
+      <p:sp>
+        <p:nvSpPr>
+          <p:cNvPr id="8" name="内容占位符 7"/>
+          <p:cNvSpPr>
+            <a:spLocks noGrp="1"/>
+          </p:cNvSpPr>
+          <p:nvPr>
+            <p:ph idx="1" hasCustomPrompt="1"/>
+          </p:nvPr>
+        </p:nvSpPr>
+        <p:spPr>
+          <a:xfrm>
+            <a:off x="669925" y="641350"/>
+            <a:ext cx="10852150" cy="4556125"/>
+          </a:xfrm>
+        </p:spPr>
+        <p:txBody>
+          <a:bodyPr vert="horz" lIns="101600" tIns="0" rIns="82550" bIns="0" rtlCol="0">
+            <a:noAutofit/>
+          </a:bodyPr>
+          <a:lstStyle>
+            <a:lvl1pPr marL="228600" marR="0" lvl="0" indent="-228600" algn="l" defTabSz="914400" rtl="0" eaLnBrk="1" fontAlgn="auto" latinLnBrk="0" hangingPunct="1">
+              <a:lnSpc>
+                <a:spcPct val="130000"/>
+              </a:lnSpc>
+              <a:spcBef>
+                <a:spcPts val="0"/>
+              </a:spcBef>
+              <a:spcAft>
+                <a:spcPts val="1000"/>
+              </a:spcAft>
+              <a:buFont typeface="Arial" panose="020B0604020202020204" pitchFamily="34" charset="0"/>
+              <a:buChar char="•"/>
+              <a:defRPr kumimoji="0" lang="zh-CN" altLang="en-US" sz="2400" b="0" i="0" u="none" strike="noStrike" kern="1200" cap="none" spc="150" normalizeH="0" baseline="0" noProof="1" dirty="0">
+                <a:solidFill>
+                  <a:schemeClr val="tx1">
+                    <a:lumMod val="75000"/>
+                    <a:lumOff val="25000"/>
+                  </a:schemeClr>
+                </a:solidFill>
+                <a:uFillTx/>
+                <a:latin typeface="+mn-ea"/>
+                <a:ea typeface="+mn-ea"/>
+                <a:cs typeface="+mn-cs"/>
+                <a:sym typeface="+mn-ea"/>
+              </a:defRPr>
+            </a:lvl1pPr>
+            <a:lvl2pPr marL="457200" marR="0" lvl="1" indent="0" algn="l" defTabSz="914400" rtl="0" eaLnBrk="1" fontAlgn="auto" latinLnBrk="0" hangingPunct="1">
+              <a:lnSpc>
+                <a:spcPct val="130000"/>
+              </a:lnSpc>
+              <a:spcBef>
+                <a:spcPts val="0"/>
+              </a:spcBef>
+              <a:spcAft>
+                <a:spcPts val="1000"/>
+              </a:spcAft>
+              <a:buFont typeface="Arial" panose="020B0604020202020204" pitchFamily="34" charset="0"/>
+              <a:buNone/>
+              <a:tabLst>
+                <a:tab pos="1609725" algn="l"/>
+              </a:tabLst>
+              <a:defRPr kumimoji="0" lang="zh-CN" altLang="en-US" sz="2400" b="0" i="0" u="none" strike="noStrike" kern="1200" cap="none" spc="150" normalizeH="0" baseline="0" noProof="1" dirty="0">
+                <a:solidFill>
+                  <a:schemeClr val="tx1">
+                    <a:lumMod val="75000"/>
+                    <a:lumOff val="25000"/>
+                  </a:schemeClr>
+                </a:solidFill>
+                <a:uFillTx/>
+                <a:latin typeface="+mn-ea"/>
+                <a:ea typeface="+mn-ea"/>
+                <a:cs typeface="+mn-cs"/>
+                <a:sym typeface="+mn-ea"/>
+              </a:defRPr>
+            </a:lvl2pPr>
+            <a:lvl3pPr marL="1143000" marR="0" lvl="2" indent="-228600" algn="l" defTabSz="914400" rtl="0" eaLnBrk="1" fontAlgn="auto" latinLnBrk="0" hangingPunct="1">
+              <a:lnSpc>
+                <a:spcPct val="130000"/>
+              </a:lnSpc>
+              <a:spcBef>
+                <a:spcPts val="0"/>
+              </a:spcBef>
+              <a:spcAft>
+                <a:spcPts val="1000"/>
+              </a:spcAft>
+              <a:buFont typeface="Arial" panose="020B0604020202020204" pitchFamily="34" charset="0"/>
+              <a:buChar char="•"/>
+              <a:defRPr kumimoji="0" lang="zh-CN" altLang="en-US" sz="2400" b="0" i="0" u="none" strike="noStrike" kern="1200" cap="none" spc="150" normalizeH="0" baseline="0" noProof="1" dirty="0">
+                <a:solidFill>
+                  <a:schemeClr val="tx1">
+                    <a:lumMod val="75000"/>
+                    <a:lumOff val="25000"/>
+                  </a:schemeClr>
+                </a:solidFill>
+                <a:uFillTx/>
+                <a:latin typeface="+mn-ea"/>
+                <a:ea typeface="+mn-ea"/>
+                <a:cs typeface="+mn-cs"/>
+                <a:sym typeface="+mn-ea"/>
+              </a:defRPr>
+            </a:lvl3pPr>
+            <a:lvl4pPr marL="1600200" marR="0" lvl="3" indent="-228600" algn="l" defTabSz="914400" rtl="0" eaLnBrk="1" fontAlgn="auto" latinLnBrk="0" hangingPunct="1">
+              <a:lnSpc>
+                <a:spcPct val="130000"/>
+              </a:lnSpc>
+              <a:spcBef>
+                <a:spcPts val="0"/>
+              </a:spcBef>
+              <a:spcAft>
+                <a:spcPts val="1000"/>
+              </a:spcAft>
+              <a:buFont typeface="Arial" panose="020B0604020202020204" pitchFamily="34" charset="0"/>
+              <a:buChar char="•"/>
+              <a:defRPr kumimoji="0" lang="zh-CN" altLang="en-US" sz="2400" b="0" i="0" u="none" strike="noStrike" kern="1200" cap="none" spc="150" normalizeH="0" baseline="0" noProof="1" dirty="0">
+                <a:solidFill>
+                  <a:schemeClr val="tx1">
+                    <a:lumMod val="75000"/>
+                    <a:lumOff val="25000"/>
+                  </a:schemeClr>
+                </a:solidFill>
+                <a:uFillTx/>
+                <a:latin typeface="+mn-ea"/>
+                <a:ea typeface="+mn-ea"/>
+                <a:cs typeface="+mn-cs"/>
+                <a:sym typeface="+mn-ea"/>
+              </a:defRPr>
+            </a:lvl4pPr>
+            <a:lvl5pPr marL="2057400" marR="0" lvl="4" indent="-228600" algn="l" defTabSz="914400" rtl="0" eaLnBrk="1" fontAlgn="auto" latinLnBrk="0" hangingPunct="1">
+              <a:lnSpc>
+                <a:spcPct val="130000"/>
+              </a:lnSpc>
+              <a:spcBef>
+                <a:spcPts val="0"/>
+              </a:spcBef>
+              <a:spcAft>
+                <a:spcPts val="1000"/>
+              </a:spcAft>
+              <a:buFont typeface="Arial" panose="020B0604020202020204" pitchFamily="34" charset="0"/>
+              <a:buChar char="•"/>
+              <a:defRPr kumimoji="0" lang="zh-CN" altLang="en-US" sz="2400" b="0" i="0" u="none" strike="noStrike" kern="1200" cap="none" spc="150" normalizeH="0" baseline="0" noProof="1" dirty="0">
+                <a:solidFill>
+                  <a:schemeClr val="tx1">
+                    <a:lumMod val="75000"/>
+                    <a:lumOff val="25000"/>
+                  </a:schemeClr>
+                </a:solidFill>
+                <a:uFillTx/>
+                <a:latin typeface="+mn-ea"/>
+                <a:ea typeface="+mn-ea"/>
+                <a:cs typeface="+mn-cs"/>
+                <a:sym typeface="+mn-ea"/>
+              </a:defRPr>
+            </a:lvl5pPr>
+          </a:lstStyle>
+          <a:p>
+            <a:pPr lvl="0"/>
+            <a:r>
+              <a:rPr dirty="0">
+                <a:sym typeface="+mn-ea"/>
+              </a:rPr>
+              <a:t>单击此处编辑正文</a:t>
+            </a:r>
+            <a:endParaRPr dirty="0">
+              <a:sym typeface="+mn-ea"/>
+            </a:endParaRPr>
+          </a:p>
+        </p:txBody>
+      </p:sp>
+    </p:spTree>
+  </p:cSld>
+  <p:clrMapOvr>
+    <a:masterClrMapping/>
+  </p:clrMapOvr>
+</p:sldLayout>
+</file>
+
+<file path=ppt/slideLayouts/slideLayout5.xml><?xml version="1.0" encoding="utf-8"?>
+<p:sldLayout xmlns:a="http://schemas.openxmlformats.org/drawingml/2006/main" xmlns:r="http://schemas.openxmlformats.org/officeDocument/2006/relationships" xmlns:p="http://schemas.openxmlformats.org/presentationml/2006/main" type="vertTitleAndTx" preserve="1">
+  <p:cSld name="单张大图">
+    <p:spTree>
+      <p:nvGrpSpPr>
+        <p:cNvPr id="1" name=""/>
+        <p:cNvGrpSpPr/>
+        <p:nvPr/>
+      </p:nvGrpSpPr>
+      <p:grpSpPr>
+        <a:xfrm>
+          <a:off x="0" y="0"/>
+          <a:ext cx="0" cy="0"/>
+          <a:chOff x="0" y="0"/>
+          <a:chExt cx="0" cy="0"/>
+        </a:xfrm>
+      </p:grpSpPr>
+      <p:sp>
+        <p:nvSpPr>
+          <p:cNvPr id="5" name="页脚占位符 4"/>
+          <p:cNvSpPr>
+            <a:spLocks noGrp="1"/>
+          </p:cNvSpPr>
+          <p:nvPr>
+            <p:ph type="ftr" sz="quarter" idx="11"/>
+          </p:nvPr>
+        </p:nvSpPr>
+        <p:spPr/>
+        <p:txBody>
+          <a:bodyPr/>
+          <a:lstStyle>
+            <a:lvl1pPr>
+              <a:defRPr>
+                <a:latin typeface="+mn-ea"/>
+              </a:defRPr>
+            </a:lvl1pPr>
+          </a:lstStyle>
+          <a:p>
+            <a:endParaRPr lang="zh-CN" altLang="en-US"/>
+          </a:p>
+        </p:txBody>
+      </p:sp>
+      <p:sp>
+        <p:nvSpPr>
+          <p:cNvPr id="6" name="灯片编号占位符 5"/>
+          <p:cNvSpPr>
+            <a:spLocks noGrp="1"/>
+          </p:cNvSpPr>
+          <p:nvPr>
+            <p:ph type="sldNum" sz="quarter" idx="12"/>
+          </p:nvPr>
+        </p:nvSpPr>
+        <p:spPr/>
+        <p:txBody>
+          <a:bodyPr/>
+          <a:lstStyle>
+            <a:lvl1pPr>
+              <a:defRPr>
+                <a:latin typeface="+mn-ea"/>
+              </a:defRPr>
+            </a:lvl1pPr>
+          </a:lstStyle>
+          <a:p>
+            <a:fld id="{49AE70B2-8BF9-45C0-BB95-33D1B9D3A854}" type="slidenum">
+              <a:rPr lang="zh-CN" altLang="en-US" smtClean="0"/>
+            </a:fld>
+            <a:endParaRPr lang="zh-CN" altLang="en-US"/>
+          </a:p>
+        </p:txBody>
+      </p:sp>
+      <p:sp>
+        <p:nvSpPr>
+          <p:cNvPr id="7" name="内容占位符 6"/>
+          <p:cNvSpPr>
+            <a:spLocks noGrp="1"/>
+          </p:cNvSpPr>
+          <p:nvPr>
+            <p:ph idx="1" hasCustomPrompt="1"/>
+          </p:nvPr>
+        </p:nvSpPr>
+        <p:spPr>
+          <a:xfrm>
+            <a:off x="0" y="0"/>
+            <a:ext cx="12196445" cy="6868160"/>
+          </a:xfrm>
+        </p:spPr>
+        <p:txBody>
+          <a:bodyPr vert="horz" lIns="101600" tIns="0" rIns="82550" bIns="0" rtlCol="0">
+            <a:noAutofit/>
+          </a:bodyPr>
+          <a:lstStyle>
+            <a:lvl1pPr marL="228600" marR="0" lvl="0" indent="-228600" algn="l" defTabSz="914400" rtl="0" eaLnBrk="1" fontAlgn="auto" latinLnBrk="0" hangingPunct="1">
+              <a:lnSpc>
+                <a:spcPct val="130000"/>
+              </a:lnSpc>
+              <a:spcBef>
+                <a:spcPts val="0"/>
+              </a:spcBef>
+              <a:spcAft>
+                <a:spcPts val="1000"/>
+              </a:spcAft>
+              <a:buFont typeface="Arial" panose="020B0604020202020204" pitchFamily="34" charset="0"/>
+              <a:buChar char="•"/>
+              <a:defRPr kumimoji="0" lang="zh-CN" altLang="en-US" sz="2400" b="0" i="0" u="none" strike="noStrike" kern="1200" cap="none" spc="150" normalizeH="0" baseline="0" noProof="1" dirty="0">
+                <a:solidFill>
+                  <a:schemeClr val="tx1">
+                    <a:lumMod val="75000"/>
+                    <a:lumOff val="25000"/>
+                  </a:schemeClr>
+                </a:solidFill>
+                <a:uFillTx/>
+                <a:latin typeface="+mn-ea"/>
+                <a:ea typeface="+mn-ea"/>
+                <a:cs typeface="+mn-cs"/>
+                <a:sym typeface="+mn-ea"/>
+              </a:defRPr>
+            </a:lvl1pPr>
+            <a:lvl2pPr marL="457200" marR="0" lvl="1" indent="0" algn="l" defTabSz="914400" rtl="0" eaLnBrk="1" fontAlgn="auto" latinLnBrk="0" hangingPunct="1">
+              <a:lnSpc>
+                <a:spcPct val="130000"/>
+              </a:lnSpc>
+              <a:spcBef>
+                <a:spcPts val="0"/>
+              </a:spcBef>
+              <a:spcAft>
+                <a:spcPts val="1000"/>
+              </a:spcAft>
+              <a:buFont typeface="Arial" panose="020B0604020202020204" pitchFamily="34" charset="0"/>
+              <a:buNone/>
+              <a:tabLst>
+                <a:tab pos="1609725" algn="l"/>
+              </a:tabLst>
+              <a:defRPr kumimoji="0" lang="zh-CN" altLang="en-US" sz="2400" b="0" i="0" u="none" strike="noStrike" kern="1200" cap="none" spc="150" normalizeH="0" baseline="0" noProof="1" dirty="0">
+                <a:solidFill>
+                  <a:schemeClr val="tx1">
+                    <a:lumMod val="75000"/>
+                    <a:lumOff val="25000"/>
+                  </a:schemeClr>
+                </a:solidFill>
+                <a:uFillTx/>
+                <a:latin typeface="+mn-ea"/>
+                <a:ea typeface="+mn-ea"/>
+                <a:cs typeface="+mn-cs"/>
+                <a:sym typeface="+mn-ea"/>
+              </a:defRPr>
+            </a:lvl2pPr>
+            <a:lvl3pPr marL="1143000" marR="0" lvl="2" indent="-228600" algn="l" defTabSz="914400" rtl="0" eaLnBrk="1" fontAlgn="auto" latinLnBrk="0" hangingPunct="1">
+              <a:lnSpc>
+                <a:spcPct val="130000"/>
+              </a:lnSpc>
+              <a:spcBef>
+                <a:spcPts val="0"/>
+              </a:spcBef>
+              <a:spcAft>
+                <a:spcPts val="1000"/>
+              </a:spcAft>
+              <a:buFont typeface="Arial" panose="020B0604020202020204" pitchFamily="34" charset="0"/>
+              <a:buChar char="•"/>
+              <a:defRPr kumimoji="0" lang="zh-CN" altLang="en-US" sz="2400" b="0" i="0" u="none" strike="noStrike" kern="1200" cap="none" spc="150" normalizeH="0" baseline="0" noProof="1" dirty="0">
+                <a:solidFill>
+                  <a:schemeClr val="tx1">
+                    <a:lumMod val="75000"/>
+                    <a:lumOff val="25000"/>
+                  </a:schemeClr>
+                </a:solidFill>
+                <a:uFillTx/>
+                <a:latin typeface="+mn-ea"/>
+                <a:ea typeface="+mn-ea"/>
+                <a:cs typeface="+mn-cs"/>
+                <a:sym typeface="+mn-ea"/>
+              </a:defRPr>
+            </a:lvl3pPr>
+            <a:lvl4pPr marL="1600200" marR="0" lvl="3" indent="-228600" algn="l" defTabSz="914400" rtl="0" eaLnBrk="1" fontAlgn="auto" latinLnBrk="0" hangingPunct="1">
+              <a:lnSpc>
+                <a:spcPct val="130000"/>
+              </a:lnSpc>
+              <a:spcBef>
+                <a:spcPts val="0"/>
+              </a:spcBef>
+              <a:spcAft>
+                <a:spcPts val="1000"/>
+              </a:spcAft>
+              <a:buFont typeface="Arial" panose="020B0604020202020204" pitchFamily="34" charset="0"/>
+              <a:buChar char="•"/>
+              <a:defRPr kumimoji="0" lang="zh-CN" altLang="en-US" sz="2400" b="0" i="0" u="none" strike="noStrike" kern="1200" cap="none" spc="150" normalizeH="0" baseline="0" noProof="1" dirty="0">
+                <a:solidFill>
+                  <a:schemeClr val="tx1">
+                    <a:lumMod val="75000"/>
+                    <a:lumOff val="25000"/>
+                  </a:schemeClr>
+                </a:solidFill>
+                <a:uFillTx/>
+                <a:latin typeface="+mn-ea"/>
+                <a:ea typeface="+mn-ea"/>
+                <a:cs typeface="+mn-cs"/>
+                <a:sym typeface="+mn-ea"/>
+              </a:defRPr>
+            </a:lvl4pPr>
+            <a:lvl5pPr marL="2057400" marR="0" lvl="4" indent="-228600" algn="l" defTabSz="914400" rtl="0" eaLnBrk="1" fontAlgn="auto" latinLnBrk="0" hangingPunct="1">
+              <a:lnSpc>
+                <a:spcPct val="130000"/>
+              </a:lnSpc>
+              <a:spcBef>
+                <a:spcPts val="0"/>
+              </a:spcBef>
+              <a:spcAft>
+                <a:spcPts val="1000"/>
+              </a:spcAft>
+              <a:buFont typeface="Arial" panose="020B0604020202020204" pitchFamily="34" charset="0"/>
+              <a:buChar char="•"/>
+              <a:defRPr kumimoji="0" lang="zh-CN" altLang="en-US" sz="2400" b="0" i="0" u="none" strike="noStrike" kern="1200" cap="none" spc="150" normalizeH="0" baseline="0" noProof="1" dirty="0">
+                <a:solidFill>
+                  <a:schemeClr val="tx1">
+                    <a:lumMod val="75000"/>
+                    <a:lumOff val="25000"/>
+                  </a:schemeClr>
+                </a:solidFill>
+                <a:uFillTx/>
+                <a:latin typeface="+mn-ea"/>
+                <a:ea typeface="+mn-ea"/>
+                <a:cs typeface="+mn-cs"/>
+                <a:sym typeface="+mn-ea"/>
+              </a:defRPr>
+            </a:lvl5pPr>
+          </a:lstStyle>
+          <a:p>
+            <a:pPr lvl="0"/>
+            <a:r>
+              <a:rPr dirty="0">
+                <a:sym typeface="+mn-ea"/>
+              </a:rPr>
+              <a:t>单击此处编辑正文</a:t>
+            </a:r>
+            <a:endParaRPr dirty="0">
+              <a:sym typeface="+mn-ea"/>
+            </a:endParaRPr>
+          </a:p>
+        </p:txBody>
+      </p:sp>
+    </p:spTree>
+  </p:cSld>
+  <p:clrMapOvr>
+    <a:masterClrMapping/>
+  </p:clrMapOvr>
+</p:sldLayout>
+</file>
+
+<file path=ppt/slideLayouts/slideLayout6.xml><?xml version="1.0" encoding="utf-8"?>
+<p:sldLayout xmlns:a="http://schemas.openxmlformats.org/drawingml/2006/main" xmlns:r="http://schemas.openxmlformats.org/officeDocument/2006/relationships" xmlns:p="http://schemas.openxmlformats.org/presentationml/2006/main" preserve="1" userDrawn="1">
+  <p:cSld name="两联图片">
+    <p:spTree>
+      <p:nvGrpSpPr>
+        <p:cNvPr id="1" name=""/>
+        <p:cNvGrpSpPr/>
+        <p:nvPr/>
+      </p:nvGrpSpPr>
+      <p:grpSpPr>
+        <a:xfrm>
+          <a:off x="0" y="0"/>
+          <a:ext cx="0" cy="0"/>
+          <a:chOff x="0" y="0"/>
+          <a:chExt cx="0" cy="0"/>
+        </a:xfrm>
+      </p:grpSpPr>
+      <p:sp>
+        <p:nvSpPr>
+          <p:cNvPr id="4" name="页脚占位符 3"/>
+          <p:cNvSpPr>
+            <a:spLocks noGrp="1"/>
+          </p:cNvSpPr>
+          <p:nvPr>
+            <p:ph type="ftr" sz="quarter" idx="11"/>
+          </p:nvPr>
+        </p:nvSpPr>
+        <p:spPr/>
+        <p:txBody>
+          <a:bodyPr/>
+          <a:lstStyle>
+            <a:lvl1pPr>
+              <a:defRPr>
+                <a:latin typeface="+mn-ea"/>
+              </a:defRPr>
+            </a:lvl1pPr>
+          </a:lstStyle>
+          <a:p>
+            <a:endParaRPr lang="zh-CN" altLang="en-US"/>
+          </a:p>
+        </p:txBody>
+      </p:sp>
+      <p:sp>
+        <p:nvSpPr>
+          <p:cNvPr id="5" name="灯片编号占位符 4"/>
+          <p:cNvSpPr>
+            <a:spLocks noGrp="1"/>
+          </p:cNvSpPr>
+          <p:nvPr>
+            <p:ph type="sldNum" sz="quarter" idx="12"/>
+          </p:nvPr>
+        </p:nvSpPr>
+        <p:spPr/>
+        <p:txBody>
+          <a:bodyPr/>
+          <a:lstStyle>
+            <a:lvl1pPr>
+              <a:defRPr>
+                <a:latin typeface="+mn-ea"/>
+              </a:defRPr>
+            </a:lvl1pPr>
+          </a:lstStyle>
+          <a:p>
+            <a:fld id="{49AE70B2-8BF9-45C0-BB95-33D1B9D3A854}" type="slidenum">
+              <a:rPr lang="zh-CN" altLang="en-US" smtClean="0"/>
+            </a:fld>
+            <a:endParaRPr lang="zh-CN" altLang="en-US"/>
+          </a:p>
+        </p:txBody>
+      </p:sp>
+      <p:sp>
+        <p:nvSpPr>
+          <p:cNvPr id="2" name="内容占位符 1"/>
+          <p:cNvSpPr>
+            <a:spLocks noGrp="1"/>
+          </p:cNvSpPr>
+          <p:nvPr>
+            <p:ph sz="half" idx="2" hasCustomPrompt="1"/>
+          </p:nvPr>
+        </p:nvSpPr>
+        <p:spPr>
+          <a:xfrm>
+            <a:off x="467995" y="565150"/>
+            <a:ext cx="5400040" cy="5727700"/>
+          </a:xfrm>
+        </p:spPr>
+        <p:txBody>
+          <a:bodyPr vert="horz" lIns="101600" tIns="0" rIns="82550" bIns="0" rtlCol="0">
+            <a:noAutofit/>
+          </a:bodyPr>
+          <a:lstStyle>
+            <a:lvl1pPr marL="228600" marR="0" lvl="0" indent="-228600" algn="l" defTabSz="914400" rtl="0" eaLnBrk="1" fontAlgn="auto" latinLnBrk="0" hangingPunct="1">
+              <a:lnSpc>
+                <a:spcPct val="130000"/>
+              </a:lnSpc>
+              <a:spcBef>
+                <a:spcPts val="0"/>
+              </a:spcBef>
+              <a:spcAft>
+                <a:spcPts val="1000"/>
+              </a:spcAft>
+              <a:buFont typeface="Arial" panose="020B0604020202020204" pitchFamily="34" charset="0"/>
+              <a:buChar char="•"/>
+              <a:defRPr kumimoji="0" lang="zh-CN" altLang="en-US" sz="2400" b="0" i="0" u="none" strike="noStrike" kern="1200" cap="none" spc="150" normalizeH="0" baseline="0" noProof="1" dirty="0">
+                <a:solidFill>
+                  <a:schemeClr val="tx1">
+                    <a:lumMod val="75000"/>
+                    <a:lumOff val="25000"/>
+                  </a:schemeClr>
+                </a:solidFill>
+                <a:uFillTx/>
+                <a:latin typeface="+mn-ea"/>
+                <a:ea typeface="+mn-ea"/>
+                <a:cs typeface="+mn-cs"/>
+                <a:sym typeface="+mn-ea"/>
+              </a:defRPr>
+            </a:lvl1pPr>
+            <a:lvl2pPr marL="685800" marR="0" lvl="1" indent="-228600" algn="l" defTabSz="914400" rtl="0" eaLnBrk="1" fontAlgn="auto" latinLnBrk="0" hangingPunct="1">
+              <a:lnSpc>
+                <a:spcPct val="130000"/>
+              </a:lnSpc>
+              <a:spcBef>
+                <a:spcPts val="0"/>
+              </a:spcBef>
+              <a:spcAft>
+                <a:spcPts val="1000"/>
+              </a:spcAft>
+              <a:buFont typeface="Arial" panose="020B0604020202020204" pitchFamily="34" charset="0"/>
+              <a:buChar char="•"/>
+              <a:tabLst>
+                <a:tab pos="1609725" algn="l"/>
+              </a:tabLst>
+              <a:defRPr kumimoji="0" lang="zh-CN" altLang="en-US" sz="2400" b="0" i="0" u="none" strike="noStrike" kern="1200" cap="none" spc="150" normalizeH="0" baseline="0" noProof="1" dirty="0">
+                <a:solidFill>
+                  <a:schemeClr val="tx1">
+                    <a:lumMod val="75000"/>
+                    <a:lumOff val="25000"/>
+                  </a:schemeClr>
+                </a:solidFill>
+                <a:uFillTx/>
+                <a:latin typeface="+mn-ea"/>
+                <a:ea typeface="+mn-ea"/>
+                <a:cs typeface="+mn-cs"/>
+                <a:sym typeface="+mn-ea"/>
+              </a:defRPr>
+            </a:lvl2pPr>
+            <a:lvl3pPr marL="1143000" marR="0" lvl="2" indent="-228600" algn="l" defTabSz="914400" rtl="0" eaLnBrk="1" fontAlgn="auto" latinLnBrk="0" hangingPunct="1">
+              <a:lnSpc>
+                <a:spcPct val="130000"/>
+              </a:lnSpc>
+              <a:spcBef>
+                <a:spcPts val="0"/>
+              </a:spcBef>
+              <a:spcAft>
+                <a:spcPts val="1000"/>
+              </a:spcAft>
+              <a:buFont typeface="Arial" panose="020B0604020202020204" pitchFamily="34" charset="0"/>
+              <a:buChar char="•"/>
+              <a:defRPr kumimoji="0" lang="zh-CN" altLang="en-US" sz="2400" b="0" i="0" u="none" strike="noStrike" kern="1200" cap="none" spc="150" normalizeH="0" baseline="0" noProof="1" dirty="0">
+                <a:solidFill>
+                  <a:schemeClr val="tx1">
+                    <a:lumMod val="75000"/>
+                    <a:lumOff val="25000"/>
+                  </a:schemeClr>
+                </a:solidFill>
+                <a:uFillTx/>
+                <a:latin typeface="+mn-ea"/>
+                <a:ea typeface="+mn-ea"/>
+                <a:cs typeface="+mn-cs"/>
+                <a:sym typeface="+mn-ea"/>
+              </a:defRPr>
+            </a:lvl3pPr>
+            <a:lvl4pPr marL="1600200" marR="0" lvl="3" indent="-228600" algn="l" defTabSz="914400" rtl="0" eaLnBrk="1" fontAlgn="auto" latinLnBrk="0" hangingPunct="1">
+              <a:lnSpc>
+                <a:spcPct val="130000"/>
+              </a:lnSpc>
+              <a:spcBef>
+                <a:spcPts val="0"/>
+              </a:spcBef>
+              <a:spcAft>
+                <a:spcPts val="1000"/>
+              </a:spcAft>
+              <a:buFont typeface="Arial" panose="020B0604020202020204" pitchFamily="34" charset="0"/>
+              <a:buChar char="•"/>
+              <a:defRPr kumimoji="0" lang="zh-CN" altLang="en-US" sz="2400" b="0" i="0" u="none" strike="noStrike" kern="1200" cap="none" spc="150" normalizeH="0" baseline="0" noProof="1" dirty="0">
+                <a:solidFill>
+                  <a:schemeClr val="tx1">
+                    <a:lumMod val="75000"/>
+                    <a:lumOff val="25000"/>
+                  </a:schemeClr>
+                </a:solidFill>
+                <a:uFillTx/>
+                <a:latin typeface="+mn-ea"/>
+                <a:ea typeface="+mn-ea"/>
+                <a:cs typeface="+mn-cs"/>
+                <a:sym typeface="+mn-ea"/>
+              </a:defRPr>
+            </a:lvl4pPr>
+            <a:lvl5pPr marL="2057400" marR="0" lvl="4" indent="-228600" algn="l" defTabSz="914400" rtl="0" eaLnBrk="1" fontAlgn="auto" latinLnBrk="0" hangingPunct="1">
+              <a:lnSpc>
+                <a:spcPct val="130000"/>
+              </a:lnSpc>
+              <a:spcBef>
+                <a:spcPts val="0"/>
+              </a:spcBef>
+              <a:spcAft>
+                <a:spcPts val="1000"/>
+              </a:spcAft>
+              <a:buFont typeface="Arial" panose="020B0604020202020204" pitchFamily="34" charset="0"/>
+              <a:buChar char="•"/>
+              <a:defRPr kumimoji="0" lang="zh-CN" altLang="en-US" sz="2400" b="0" i="0" u="none" strike="noStrike" kern="1200" cap="none" spc="150" normalizeH="0" baseline="0" noProof="1" dirty="0">
+                <a:solidFill>
+                  <a:schemeClr val="tx1">
+                    <a:lumMod val="75000"/>
+                    <a:lumOff val="25000"/>
+                  </a:schemeClr>
+                </a:solidFill>
+                <a:uFillTx/>
+                <a:latin typeface="+mn-ea"/>
+                <a:ea typeface="+mn-ea"/>
+                <a:cs typeface="+mn-cs"/>
+                <a:sym typeface="+mn-ea"/>
+              </a:defRPr>
+            </a:lvl5pPr>
+          </a:lstStyle>
+          <a:p>
+            <a:pPr lvl="0"/>
+            <a:r>
+              <a:rPr dirty="0">
+                <a:sym typeface="+mn-ea"/>
+              </a:rPr>
+              <a:t>单击此处编辑正文</a:t>
+            </a:r>
+            <a:endParaRPr dirty="0">
+              <a:sym typeface="+mn-ea"/>
+            </a:endParaRPr>
+          </a:p>
+        </p:txBody>
+      </p:sp>
+      <p:sp>
+        <p:nvSpPr>
+          <p:cNvPr id="6" name="内容占位符 5"/>
+          <p:cNvSpPr>
+            <a:spLocks noGrp="1"/>
+          </p:cNvSpPr>
+          <p:nvPr>
+            <p:ph sz="half" idx="13" hasCustomPrompt="1"/>
+          </p:nvPr>
+        </p:nvSpPr>
+        <p:spPr>
+          <a:xfrm>
+            <a:off x="6287770" y="565150"/>
+            <a:ext cx="5400040" cy="5727700"/>
+          </a:xfrm>
+        </p:spPr>
+        <p:txBody>
+          <a:bodyPr vert="horz" lIns="101600" tIns="0" rIns="82550" bIns="0" rtlCol="0">
+            <a:noAutofit/>
+          </a:bodyPr>
+          <a:lstStyle>
+            <a:lvl1pPr marL="228600" marR="0" lvl="0" indent="-228600" algn="l" defTabSz="914400" rtl="0" eaLnBrk="1" fontAlgn="auto" latinLnBrk="0" hangingPunct="1">
+              <a:lnSpc>
+                <a:spcPct val="130000"/>
+              </a:lnSpc>
+              <a:spcBef>
+                <a:spcPts val="0"/>
+              </a:spcBef>
+              <a:spcAft>
+                <a:spcPts val="1000"/>
+              </a:spcAft>
+              <a:buFont typeface="Arial" panose="020B0604020202020204" pitchFamily="34" charset="0"/>
+              <a:buChar char="•"/>
+              <a:defRPr kumimoji="0" lang="zh-CN" altLang="en-US" sz="2400" b="0" i="0" u="none" strike="noStrike" kern="1200" cap="none" spc="150" normalizeH="0" baseline="0" noProof="1" dirty="0">
+                <a:solidFill>
+                  <a:schemeClr val="tx1">
+                    <a:lumMod val="75000"/>
+                    <a:lumOff val="25000"/>
+                  </a:schemeClr>
+                </a:solidFill>
+                <a:uFillTx/>
+                <a:latin typeface="+mn-ea"/>
+                <a:ea typeface="+mn-ea"/>
+                <a:cs typeface="+mn-cs"/>
+                <a:sym typeface="+mn-ea"/>
+              </a:defRPr>
+            </a:lvl1pPr>
+            <a:lvl2pPr marL="685800" marR="0" lvl="1" indent="-228600" algn="l" defTabSz="914400" rtl="0" eaLnBrk="1" fontAlgn="auto" latinLnBrk="0" hangingPunct="1">
+              <a:lnSpc>
+                <a:spcPct val="130000"/>
+              </a:lnSpc>
+              <a:spcBef>
+                <a:spcPts val="0"/>
+              </a:spcBef>
+              <a:spcAft>
+                <a:spcPts val="1000"/>
+              </a:spcAft>
+              <a:buFont typeface="Arial" panose="020B0604020202020204" pitchFamily="34" charset="0"/>
+              <a:buChar char="•"/>
+              <a:tabLst>
+                <a:tab pos="1609725" algn="l"/>
+              </a:tabLst>
+              <a:defRPr kumimoji="0" lang="zh-CN" altLang="en-US" sz="2400" b="0" i="0" u="none" strike="noStrike" kern="1200" cap="none" spc="150" normalizeH="0" baseline="0" noProof="1" dirty="0">
+                <a:solidFill>
+                  <a:schemeClr val="tx1">
+                    <a:lumMod val="75000"/>
+                    <a:lumOff val="25000"/>
+                  </a:schemeClr>
+                </a:solidFill>
+                <a:uFillTx/>
+                <a:latin typeface="+mn-ea"/>
+                <a:ea typeface="+mn-ea"/>
+                <a:cs typeface="+mn-cs"/>
+                <a:sym typeface="+mn-ea"/>
+              </a:defRPr>
+            </a:lvl2pPr>
+            <a:lvl3pPr marL="1143000" marR="0" lvl="2" indent="-228600" algn="l" defTabSz="914400" rtl="0" eaLnBrk="1" fontAlgn="auto" latinLnBrk="0" hangingPunct="1">
+              <a:lnSpc>
+                <a:spcPct val="130000"/>
+              </a:lnSpc>
+              <a:spcBef>
+                <a:spcPts val="0"/>
+              </a:spcBef>
+              <a:spcAft>
+                <a:spcPts val="1000"/>
+              </a:spcAft>
+              <a:buFont typeface="Arial" panose="020B0604020202020204" pitchFamily="34" charset="0"/>
+              <a:buChar char="•"/>
+              <a:defRPr kumimoji="0" lang="zh-CN" altLang="en-US" sz="2400" b="0" i="0" u="none" strike="noStrike" kern="1200" cap="none" spc="150" normalizeH="0" baseline="0" noProof="1" dirty="0">
+                <a:solidFill>
+                  <a:schemeClr val="tx1">
+                    <a:lumMod val="75000"/>
+                    <a:lumOff val="25000"/>
+                  </a:schemeClr>
+                </a:solidFill>
+                <a:uFillTx/>
+                <a:latin typeface="+mn-ea"/>
+                <a:ea typeface="+mn-ea"/>
+                <a:cs typeface="+mn-cs"/>
+                <a:sym typeface="+mn-ea"/>
+              </a:defRPr>
+            </a:lvl3pPr>
+            <a:lvl4pPr marL="1600200" marR="0" lvl="3" indent="-228600" algn="l" defTabSz="914400" rtl="0" eaLnBrk="1" fontAlgn="auto" latinLnBrk="0" hangingPunct="1">
+              <a:lnSpc>
+                <a:spcPct val="130000"/>
+              </a:lnSpc>
+              <a:spcBef>
+                <a:spcPts val="0"/>
+              </a:spcBef>
+              <a:spcAft>
+                <a:spcPts val="1000"/>
+              </a:spcAft>
+              <a:buFont typeface="Arial" panose="020B0604020202020204" pitchFamily="34" charset="0"/>
+              <a:buChar char="•"/>
+              <a:defRPr kumimoji="0" lang="zh-CN" altLang="en-US" sz="2400" b="0" i="0" u="none" strike="noStrike" kern="1200" cap="none" spc="150" normalizeH="0" baseline="0" noProof="1" dirty="0">
+                <a:solidFill>
+                  <a:schemeClr val="tx1">
+                    <a:lumMod val="75000"/>
+                    <a:lumOff val="25000"/>
+                  </a:schemeClr>
+                </a:solidFill>
+                <a:uFillTx/>
+                <a:latin typeface="+mn-ea"/>
+                <a:ea typeface="+mn-ea"/>
+                <a:cs typeface="+mn-cs"/>
+                <a:sym typeface="+mn-ea"/>
+              </a:defRPr>
+            </a:lvl4pPr>
+            <a:lvl5pPr marL="2057400" marR="0" lvl="4" indent="-228600" algn="l" defTabSz="914400" rtl="0" eaLnBrk="1" fontAlgn="auto" latinLnBrk="0" hangingPunct="1">
+              <a:lnSpc>
+                <a:spcPct val="130000"/>
+              </a:lnSpc>
+              <a:spcBef>
+                <a:spcPts val="0"/>
+              </a:spcBef>
+              <a:spcAft>
+                <a:spcPts val="1000"/>
+              </a:spcAft>
+              <a:buFont typeface="Arial" panose="020B0604020202020204" pitchFamily="34" charset="0"/>
+              <a:buChar char="•"/>
+              <a:defRPr kumimoji="0" lang="zh-CN" altLang="en-US" sz="2400" b="0" i="0" u="none" strike="noStrike" kern="1200" cap="none" spc="150" normalizeH="0" baseline="0" noProof="1" dirty="0">
+                <a:solidFill>
+                  <a:schemeClr val="tx1">
+                    <a:lumMod val="75000"/>
+                    <a:lumOff val="25000"/>
+                  </a:schemeClr>
+                </a:solidFill>
+                <a:uFillTx/>
+                <a:latin typeface="+mn-ea"/>
+                <a:ea typeface="+mn-ea"/>
+                <a:cs typeface="+mn-cs"/>
+                <a:sym typeface="+mn-ea"/>
+              </a:defRPr>
+            </a:lvl5pPr>
+          </a:lstStyle>
+          <a:p>
+            <a:pPr lvl="0"/>
+            <a:r>
+              <a:rPr dirty="0">
+                <a:sym typeface="+mn-ea"/>
+              </a:rPr>
+              <a:t>单击此处编辑</a:t>
+            </a:r>
+            <a:r>
+              <a:rPr>
+                <a:sym typeface="+mn-ea"/>
+              </a:rPr>
+              <a:t>正文</a:t>
+            </a:r>
+            <a:endParaRPr dirty="0">
+              <a:sym typeface="+mn-ea"/>
+            </a:endParaRPr>
+          </a:p>
+        </p:txBody>
+      </p:sp>
+    </p:spTree>
+  </p:cSld>
+  <p:clrMapOvr>
+    <a:masterClrMapping/>
+  </p:clrMapOvr>
+</p:sldLayout>
+</file>
+
+<file path=ppt/slideLayouts/slideLayout7.xml><?xml version="1.0" encoding="utf-8"?>
+<p:sldLayout xmlns:a="http://schemas.openxmlformats.org/drawingml/2006/main" xmlns:r="http://schemas.openxmlformats.org/officeDocument/2006/relationships" xmlns:p="http://schemas.openxmlformats.org/presentationml/2006/main" preserve="1" userDrawn="1">
+  <p:cSld name="仅标题">
+    <p:spTree>
+      <p:nvGrpSpPr>
+        <p:cNvPr id="1" name=""/>
+        <p:cNvGrpSpPr/>
+        <p:nvPr/>
+      </p:nvGrpSpPr>
+      <p:grpSpPr>
+        <a:xfrm>
+          <a:off x="0" y="0"/>
+          <a:ext cx="0" cy="0"/>
+          <a:chOff x="0" y="0"/>
+          <a:chExt cx="0" cy="0"/>
+        </a:xfrm>
+      </p:grpSpPr>
+      <p:sp>
+        <p:nvSpPr>
+          <p:cNvPr id="4" name="页脚占位符 3"/>
+          <p:cNvSpPr>
+            <a:spLocks noGrp="1"/>
+          </p:cNvSpPr>
+          <p:nvPr>
+            <p:ph type="ftr" sz="quarter" idx="11"/>
+          </p:nvPr>
+        </p:nvSpPr>
+        <p:spPr/>
+        <p:txBody>
+          <a:bodyPr/>
+          <a:lstStyle>
+            <a:lvl1pPr>
+              <a:defRPr>
+                <a:latin typeface="+mn-ea"/>
+              </a:defRPr>
+            </a:lvl1pPr>
+          </a:lstStyle>
+          <a:p>
+            <a:endParaRPr lang="zh-CN" altLang="en-US"/>
+          </a:p>
+        </p:txBody>
+      </p:sp>
+      <p:sp>
+        <p:nvSpPr>
+          <p:cNvPr id="5" name="灯片编号占位符 4"/>
+          <p:cNvSpPr>
+            <a:spLocks noGrp="1"/>
+          </p:cNvSpPr>
+          <p:nvPr>
+            <p:ph type="sldNum" sz="quarter" idx="12"/>
+          </p:nvPr>
+        </p:nvSpPr>
+        <p:spPr/>
+        <p:txBody>
+          <a:bodyPr/>
+          <a:lstStyle>
+            <a:lvl1pPr>
+              <a:defRPr>
+                <a:latin typeface="+mn-ea"/>
+              </a:defRPr>
+            </a:lvl1pPr>
+          </a:lstStyle>
+          <a:p>
+            <a:fld id="{49AE70B2-8BF9-45C0-BB95-33D1B9D3A854}" type="slidenum">
+              <a:rPr lang="zh-CN" altLang="en-US" smtClean="0"/>
+            </a:fld>
+            <a:endParaRPr lang="zh-CN" altLang="en-US"/>
+          </a:p>
+        </p:txBody>
+      </p:sp>
+      <p:sp>
+        <p:nvSpPr>
+          <p:cNvPr id="2" name="标题 1"/>
+          <p:cNvSpPr>
+            <a:spLocks noGrp="1"/>
+          </p:cNvSpPr>
+          <p:nvPr>
+            <p:ph type="title" hasCustomPrompt="1"/>
+          </p:nvPr>
+        </p:nvSpPr>
+        <p:spPr>
+          <a:xfrm>
+            <a:off x="669882" y="623591"/>
+            <a:ext cx="10852237" cy="899167"/>
+          </a:xfrm>
+        </p:spPr>
+        <p:txBody>
+          <a:bodyPr vert="horz" lIns="101600" tIns="38100" rIns="25400" bIns="38100" rtlCol="0" anchor="ctr" anchorCtr="0">
+            <a:noAutofit/>
+          </a:bodyPr>
+          <a:lstStyle>
+            <a:lvl1pPr marL="0" marR="0" algn="ctr" defTabSz="914400" rtl="0" eaLnBrk="1" fontAlgn="auto" latinLnBrk="0" hangingPunct="1">
+              <a:lnSpc>
+                <a:spcPct val="100000"/>
+              </a:lnSpc>
+              <a:buNone/>
+              <a:defRPr kumimoji="0" lang="zh-CN" altLang="en-US" sz="3200" b="0" i="0" u="none" strike="noStrike" kern="1200" cap="none" spc="600" normalizeH="0" baseline="0" noProof="1" dirty="0">
+                <a:solidFill>
+                  <a:schemeClr val="tx1"/>
+                </a:solidFill>
+                <a:effectLst/>
+                <a:uFillTx/>
+                <a:latin typeface="+mn-ea"/>
+                <a:ea typeface="+mn-ea"/>
+                <a:cs typeface="+mj-cs"/>
+                <a:sym typeface="+mn-ea"/>
+              </a:defRPr>
+            </a:lvl1pPr>
+          </a:lstStyle>
+          <a:p>
+            <a:pPr lvl="0"/>
+            <a:r>
+              <a:rPr>
+                <a:sym typeface="+mn-ea"/>
+              </a:rPr>
+              <a:t>单击此处编辑标题</a:t>
+            </a:r>
+            <a:endParaRPr>
+              <a:sym typeface="+mn-ea"/>
+            </a:endParaRPr>
+          </a:p>
+        </p:txBody>
+      </p:sp>
+    </p:spTree>
+  </p:cSld>
+  <p:clrMapOvr>
+    <a:masterClrMapping/>
+  </p:clrMapOvr>
+</p:sldLayout>
+</file>
+
+<file path=ppt/slideLayouts/slideLayout8.xml><?xml version="1.0" encoding="utf-8"?>
+<p:sldLayout xmlns:a="http://schemas.openxmlformats.org/drawingml/2006/main" xmlns:r="http://schemas.openxmlformats.org/officeDocument/2006/relationships" xmlns:p="http://schemas.openxmlformats.org/presentationml/2006/main" preserve="1" userDrawn="1">
+  <p:cSld name="空白">
+    <p:spTree>
+      <p:nvGrpSpPr>
+        <p:cNvPr id="1" name=""/>
+        <p:cNvGrpSpPr/>
+        <p:nvPr/>
+      </p:nvGrpSpPr>
+      <p:grpSpPr>
+        <a:xfrm>
+          <a:off x="0" y="0"/>
+          <a:ext cx="0" cy="0"/>
+          <a:chOff x="0" y="0"/>
+          <a:chExt cx="0" cy="0"/>
+        </a:xfrm>
+      </p:grpSpPr>
+      <p:sp>
+        <p:nvSpPr>
+          <p:cNvPr id="4" name="页脚占位符 3"/>
+          <p:cNvSpPr>
+            <a:spLocks noGrp="1"/>
+          </p:cNvSpPr>
+          <p:nvPr>
+            <p:ph type="ftr" sz="quarter" idx="11"/>
+          </p:nvPr>
+        </p:nvSpPr>
+        <p:spPr/>
+        <p:txBody>
+          <a:bodyPr/>
+          <a:lstStyle>
+            <a:lvl1pPr>
+              <a:defRPr>
+                <a:latin typeface="+mn-ea"/>
+              </a:defRPr>
+            </a:lvl1pPr>
+          </a:lstStyle>
+          <a:p>
+            <a:endParaRPr lang="zh-CN" altLang="en-US" dirty="0"/>
+          </a:p>
+        </p:txBody>
+      </p:sp>
+      <p:sp>
+        <p:nvSpPr>
+          <p:cNvPr id="5" name="灯片编号占位符 4"/>
+          <p:cNvSpPr>
+            <a:spLocks noGrp="1"/>
+          </p:cNvSpPr>
+          <p:nvPr>
+            <p:ph type="sldNum" sz="quarter" idx="12"/>
+          </p:nvPr>
+        </p:nvSpPr>
+        <p:spPr/>
+        <p:txBody>
+          <a:bodyPr/>
+          <a:lstStyle>
+            <a:lvl1pPr>
+              <a:defRPr>
+                <a:latin typeface="+mn-ea"/>
+              </a:defRPr>
+            </a:lvl1pPr>
+          </a:lstStyle>
+          <a:p>
+            <a:fld id="{49AE70B2-8BF9-45C0-BB95-33D1B9D3A854}" type="slidenum">
+              <a:rPr lang="zh-CN" altLang="en-US" smtClean="0"/>
+            </a:fld>
+            <a:endParaRPr lang="zh-CN" altLang="en-US" dirty="0"/>
+          </a:p>
+        </p:txBody>
+      </p:sp>
+    </p:spTree>
+  </p:cSld>
+  <p:clrMapOvr>
+    <a:masterClrMapping/>
+  </p:clrMapOvr>
+</p:sldLayout>
+</file>
+
+<file path=ppt/slideLayouts/slideLayout9.xml><?xml version="1.0" encoding="utf-8"?>
+<p:sldLayout xmlns:a="http://schemas.openxmlformats.org/drawingml/2006/main" xmlns:r="http://schemas.openxmlformats.org/officeDocument/2006/relationships" xmlns:p="http://schemas.openxmlformats.org/presentationml/2006/main" type="title" preserve="1">
   <p:cSld name="标题幻灯片">
     <p:spTree>
       <p:nvGrpSpPr>
@@ -305,9 +4252,17 @@
 </p:sldLayout>
 </file>
 
-<file path=ppt/slideLayouts/slideLayout10.xml><?xml version="1.0" encoding="utf-8"?>
-<p:sldLayout xmlns:a="http://schemas.openxmlformats.org/drawingml/2006/main" xmlns:r="http://schemas.openxmlformats.org/officeDocument/2006/relationships" xmlns:p="http://schemas.openxmlformats.org/presentationml/2006/main" type="vertTx" preserve="1">
-  <p:cSld name="标题和竖排文字">
+<file path=ppt/slideMasters/slideMaster1.xml><?xml version="1.0" encoding="utf-8"?>
+<p:sldMaster xmlns:a="http://schemas.openxmlformats.org/drawingml/2006/main" xmlns:r="http://schemas.openxmlformats.org/officeDocument/2006/relationships" xmlns:p="http://schemas.openxmlformats.org/presentationml/2006/main" preserve="1">
+  <p:cSld>
+    <p:bg>
+      <p:bgPr>
+        <a:solidFill>
+          <a:schemeClr val="bg1"/>
+        </a:solidFill>
+        <a:effectLst/>
+      </p:bgPr>
+    </p:bg>
     <p:spTree>
       <p:nvGrpSpPr>
         <p:cNvPr id="1" name=""/>
@@ -324,99 +4279,41 @@
       </p:grpSpPr>
       <p:sp>
         <p:nvSpPr>
-          <p:cNvPr id="2" name="标题 1"/>
-          <p:cNvSpPr>
-            <a:spLocks noGrp="1"/>
-          </p:cNvSpPr>
-          <p:nvPr>
-            <p:ph type="title"/>
-          </p:nvPr>
-        </p:nvSpPr>
-        <p:spPr/>
-        <p:txBody>
-          <a:bodyPr/>
-          <a:lstStyle/>
-          <a:p>
-            <a:r>
-              <a:rPr lang="zh-CN" altLang="en-US" smtClean="0"/>
-              <a:t>单击此处编辑母版标题样式</a:t>
-            </a:r>
-            <a:endParaRPr lang="zh-CN" altLang="en-US"/>
-          </a:p>
-        </p:txBody>
-      </p:sp>
-      <p:sp>
-        <p:nvSpPr>
-          <p:cNvPr id="3" name="竖排文字占位符 2"/>
-          <p:cNvSpPr>
-            <a:spLocks noGrp="1"/>
-          </p:cNvSpPr>
-          <p:nvPr>
-            <p:ph type="body" orient="vert" idx="1"/>
-          </p:nvPr>
-        </p:nvSpPr>
-        <p:spPr/>
-        <p:txBody>
-          <a:bodyPr vert="eaVert"/>
-          <a:lstStyle/>
-          <a:p>
-            <a:pPr lvl="0"/>
-            <a:r>
-              <a:rPr lang="zh-CN" altLang="en-US" smtClean="0"/>
-              <a:t>单击此处编辑母版文本样式</a:t>
-            </a:r>
-            <a:endParaRPr lang="zh-CN" altLang="en-US" smtClean="0"/>
-          </a:p>
-          <a:p>
-            <a:pPr lvl="1"/>
-            <a:r>
-              <a:rPr lang="zh-CN" altLang="en-US" smtClean="0"/>
-              <a:t>第二级</a:t>
-            </a:r>
-            <a:endParaRPr lang="zh-CN" altLang="en-US" smtClean="0"/>
-          </a:p>
-          <a:p>
-            <a:pPr lvl="2"/>
-            <a:r>
-              <a:rPr lang="zh-CN" altLang="en-US" smtClean="0"/>
-              <a:t>第三级</a:t>
-            </a:r>
-            <a:endParaRPr lang="zh-CN" altLang="en-US" smtClean="0"/>
-          </a:p>
-          <a:p>
-            <a:pPr lvl="3"/>
-            <a:r>
-              <a:rPr lang="zh-CN" altLang="en-US" smtClean="0"/>
-              <a:t>第四级</a:t>
-            </a:r>
-            <a:endParaRPr lang="zh-CN" altLang="en-US" smtClean="0"/>
-          </a:p>
-          <a:p>
-            <a:pPr lvl="4"/>
-            <a:r>
-              <a:rPr lang="zh-CN" altLang="en-US" smtClean="0"/>
-              <a:t>第五级</a:t>
-            </a:r>
-            <a:endParaRPr lang="zh-CN" altLang="en-US"/>
-          </a:p>
-        </p:txBody>
-      </p:sp>
-      <p:sp>
-        <p:nvSpPr>
           <p:cNvPr id="4" name="日期占位符 3"/>
           <p:cNvSpPr>
             <a:spLocks noGrp="1"/>
           </p:cNvSpPr>
           <p:nvPr>
-            <p:ph type="dt" sz="half" idx="10"/>
+            <p:ph type="dt" sz="half" idx="2"/>
           </p:nvPr>
         </p:nvSpPr>
-        <p:spPr/>
-        <p:txBody>
-          <a:bodyPr/>
-          <a:lstStyle/>
-          <a:p>
-            <a:fld id="{D997B5FA-0921-464F-AAE1-844C04324D75}" type="datetimeFigureOut">
+        <p:spPr>
+          <a:xfrm>
+            <a:off x="879742" y="6349833"/>
+            <a:ext cx="2700000" cy="316800"/>
+          </a:xfrm>
+          <a:prstGeom prst="rect">
+            <a:avLst/>
+          </a:prstGeom>
+        </p:spPr>
+        <p:txBody>
+          <a:bodyPr vert="horz" lIns="91440" tIns="45720" rIns="91440" bIns="45720" rtlCol="0" anchor="ctr">
+            <a:normAutofit/>
+          </a:bodyPr>
+          <a:lstStyle>
+            <a:lvl1pPr algn="l">
+              <a:defRPr sz="1200">
+                <a:solidFill>
+                  <a:schemeClr val="tx1">
+                    <a:tint val="75000"/>
+                  </a:schemeClr>
+                </a:solidFill>
+                <a:latin typeface="+mn-ea"/>
+              </a:defRPr>
+            </a:lvl1pPr>
+          </a:lstStyle>
+          <a:p>
+            <a:fld id="{760FBDFE-C587-4B4C-A407-44438C67B59E}" type="datetimeFigureOut">
               <a:rPr lang="zh-CN" altLang="en-US" smtClean="0"/>
             </a:fld>
             <a:endParaRPr lang="zh-CN" altLang="en-US"/>
@@ -430,15 +4327,36 @@
             <a:spLocks noGrp="1"/>
           </p:cNvSpPr>
           <p:nvPr>
-            <p:ph type="ftr" sz="quarter" idx="11"/>
+            <p:ph type="ftr" sz="quarter" idx="3"/>
           </p:nvPr>
         </p:nvSpPr>
-        <p:spPr/>
-        <p:txBody>
-          <a:bodyPr/>
-          <a:lstStyle/>
-          <a:p>
-            <a:endParaRPr lang="zh-CN" altLang="en-US"/>
+        <p:spPr>
+          <a:xfrm>
+            <a:off x="4116000" y="6349833"/>
+            <a:ext cx="3960000" cy="316800"/>
+          </a:xfrm>
+          <a:prstGeom prst="rect">
+            <a:avLst/>
+          </a:prstGeom>
+        </p:spPr>
+        <p:txBody>
+          <a:bodyPr vert="horz" lIns="91440" tIns="45720" rIns="91440" bIns="45720" rtlCol="0" anchor="ctr">
+            <a:normAutofit/>
+          </a:bodyPr>
+          <a:lstStyle>
+            <a:lvl1pPr algn="ctr">
+              <a:defRPr sz="1200">
+                <a:solidFill>
+                  <a:schemeClr val="tx1">
+                    <a:tint val="75000"/>
+                  </a:schemeClr>
+                </a:solidFill>
+                <a:latin typeface="+mn-ea"/>
+              </a:defRPr>
+            </a:lvl1pPr>
+          </a:lstStyle>
+          <a:p>
+            <a:endParaRPr lang="zh-CN" altLang="en-US" dirty="0"/>
           </a:p>
         </p:txBody>
       </p:sp>
@@ -449,1938 +4367,545 @@
             <a:spLocks noGrp="1"/>
           </p:cNvSpPr>
           <p:nvPr>
-            <p:ph type="sldNum" sz="quarter" idx="12"/>
+            <p:ph type="sldNum" sz="quarter" idx="4"/>
           </p:nvPr>
         </p:nvSpPr>
-        <p:spPr/>
-        <p:txBody>
-          <a:bodyPr/>
-          <a:lstStyle/>
-          <a:p>
-            <a:fld id="{565CE74E-AB26-4998-AD42-012C4C1AD076}" type="slidenum">
+        <p:spPr>
+          <a:xfrm>
+            <a:off x="8610600" y="6349833"/>
+            <a:ext cx="2700000" cy="316800"/>
+          </a:xfrm>
+          <a:prstGeom prst="rect">
+            <a:avLst/>
+          </a:prstGeom>
+        </p:spPr>
+        <p:txBody>
+          <a:bodyPr vert="horz" lIns="91440" tIns="45720" rIns="91440" bIns="45720" rtlCol="0" anchor="ctr">
+            <a:normAutofit/>
+          </a:bodyPr>
+          <a:lstStyle>
+            <a:lvl1pPr algn="r">
+              <a:defRPr sz="1200">
+                <a:solidFill>
+                  <a:schemeClr val="tx1">
+                    <a:tint val="75000"/>
+                  </a:schemeClr>
+                </a:solidFill>
+                <a:latin typeface="+mn-ea"/>
+              </a:defRPr>
+            </a:lvl1pPr>
+          </a:lstStyle>
+          <a:p>
+            <a:fld id="{49AE70B2-8BF9-45C0-BB95-33D1B9D3A854}" type="slidenum">
               <a:rPr lang="zh-CN" altLang="en-US" smtClean="0"/>
             </a:fld>
+            <a:endParaRPr lang="zh-CN" altLang="en-US" dirty="0"/>
+          </a:p>
+        </p:txBody>
+      </p:sp>
+      <p:sp>
+        <p:nvSpPr>
+          <p:cNvPr id="7" name="KSO_TEMPLATE" hidden="1"/>
+          <p:cNvSpPr/>
+          <p:nvPr userDrawn="1"/>
+        </p:nvSpPr>
+        <p:spPr>
+          <a:xfrm>
+            <a:off x="0" y="0"/>
+            <a:ext cx="0" cy="0"/>
+          </a:xfrm>
+          <a:prstGeom prst="rect">
+            <a:avLst/>
+          </a:prstGeom>
+        </p:spPr>
+        <p:style>
+          <a:lnRef idx="2">
+            <a:schemeClr val="accent1">
+              <a:shade val="50000"/>
+            </a:schemeClr>
+          </a:lnRef>
+          <a:fillRef idx="1">
+            <a:schemeClr val="accent1"/>
+          </a:fillRef>
+          <a:effectRef idx="0">
+            <a:schemeClr val="accent1"/>
+          </a:effectRef>
+          <a:fontRef idx="minor">
+            <a:schemeClr val="lt1"/>
+          </a:fontRef>
+        </p:style>
+        <p:txBody>
+          <a:bodyPr rtlCol="0" anchor="ctr"/>
+          <a:lstStyle/>
+          <a:p>
+            <a:pPr algn="ctr"/>
             <a:endParaRPr lang="zh-CN" altLang="en-US"/>
           </a:p>
         </p:txBody>
       </p:sp>
-    </p:spTree>
-  </p:cSld>
-  <p:clrMapOvr>
-    <a:masterClrMapping/>
-  </p:clrMapOvr>
-</p:sldLayout>
-</file>
-
-<file path=ppt/slideLayouts/slideLayout11.xml><?xml version="1.0" encoding="utf-8"?>
-<p:sldLayout xmlns:a="http://schemas.openxmlformats.org/drawingml/2006/main" xmlns:r="http://schemas.openxmlformats.org/officeDocument/2006/relationships" xmlns:p="http://schemas.openxmlformats.org/presentationml/2006/main" type="vertTitleAndTx" preserve="1">
-  <p:cSld name="垂直排列标题与&#10;文本">
-    <p:spTree>
-      <p:nvGrpSpPr>
-        <p:cNvPr id="1" name=""/>
-        <p:cNvGrpSpPr/>
-        <p:nvPr/>
-      </p:nvGrpSpPr>
-      <p:grpSpPr>
-        <a:xfrm>
-          <a:off x="0" y="0"/>
-          <a:ext cx="0" cy="0"/>
-          <a:chOff x="0" y="0"/>
-          <a:chExt cx="0" cy="0"/>
-        </a:xfrm>
-      </p:grpSpPr>
-      <p:sp>
-        <p:nvSpPr>
-          <p:cNvPr id="2" name="竖排标题 1"/>
+      <p:sp>
+        <p:nvSpPr>
+          <p:cNvPr id="8" name="标题 7"/>
           <p:cNvSpPr>
             <a:spLocks noGrp="1"/>
           </p:cNvSpPr>
           <p:nvPr>
-            <p:ph type="title" orient="vert"/>
+            <p:ph type="title" hasCustomPrompt="1"/>
           </p:nvPr>
         </p:nvSpPr>
         <p:spPr>
           <a:xfrm>
-            <a:off x="8724900" y="365125"/>
-            <a:ext cx="2628900" cy="5811838"/>
+            <a:off x="669882" y="581225"/>
+            <a:ext cx="10852237" cy="648000"/>
           </a:xfrm>
         </p:spPr>
         <p:txBody>
-          <a:bodyPr vert="eaVert"/>
-          <a:lstStyle/>
-          <a:p>
-            <a:r>
-              <a:rPr lang="zh-CN" altLang="en-US" smtClean="0"/>
-              <a:t>单击此处编辑母版标题样式</a:t>
-            </a:r>
-            <a:endParaRPr lang="zh-CN" altLang="en-US"/>
-          </a:p>
-        </p:txBody>
-      </p:sp>
-      <p:sp>
-        <p:nvSpPr>
-          <p:cNvPr id="3" name="竖排文字占位符 2"/>
+          <a:bodyPr vert="horz" lIns="101600" tIns="38100" rIns="76200" bIns="38100" rtlCol="0" anchor="ctr" anchorCtr="0">
+            <a:noAutofit/>
+          </a:bodyPr>
+          <a:lstStyle>
+            <a:lvl1pPr marL="0" marR="0" algn="l" defTabSz="914400" rtl="0" eaLnBrk="1" fontAlgn="auto" latinLnBrk="0" hangingPunct="1">
+              <a:lnSpc>
+                <a:spcPct val="100000"/>
+              </a:lnSpc>
+              <a:buNone/>
+              <a:defRPr kumimoji="0" lang="zh-CN" altLang="en-US" sz="3200" b="1" i="0" u="none" strike="noStrike" kern="1200" cap="none" spc="200" normalizeH="0" baseline="0" noProof="1" dirty="0">
+                <a:solidFill>
+                  <a:schemeClr val="tx1"/>
+                </a:solidFill>
+                <a:uFillTx/>
+                <a:latin typeface="+mn-ea"/>
+                <a:ea typeface="+mn-ea"/>
+                <a:cs typeface="+mj-cs"/>
+                <a:sym typeface="+mn-ea"/>
+              </a:defRPr>
+            </a:lvl1pPr>
+          </a:lstStyle>
+          <a:p>
+            <a:pPr lvl="0"/>
+            <a:r>
+              <a:rPr dirty="0">
+                <a:sym typeface="+mn-ea"/>
+              </a:rPr>
+              <a:t>单击此处编辑标题</a:t>
+            </a:r>
+            <a:endParaRPr dirty="0">
+              <a:sym typeface="+mn-ea"/>
+            </a:endParaRPr>
+          </a:p>
+        </p:txBody>
+      </p:sp>
+      <p:sp>
+        <p:nvSpPr>
+          <p:cNvPr id="9" name="文本占位符 8"/>
           <p:cNvSpPr>
             <a:spLocks noGrp="1"/>
           </p:cNvSpPr>
           <p:nvPr>
-            <p:ph type="body" orient="vert" idx="1"/>
+            <p:ph type="body" idx="1" hasCustomPrompt="1"/>
           </p:nvPr>
         </p:nvSpPr>
         <p:spPr>
           <a:xfrm>
-            <a:off x="838200" y="365125"/>
-            <a:ext cx="7734300" cy="5811838"/>
+            <a:off x="669925" y="1508125"/>
+            <a:ext cx="10852150" cy="4749165"/>
           </a:xfrm>
+          <a:prstGeom prst="rect">
+            <a:avLst/>
+          </a:prstGeom>
         </p:spPr>
         <p:txBody>
-          <a:bodyPr vert="eaVert"/>
-          <a:lstStyle/>
-          <a:p>
-            <a:pPr lvl="0"/>
-            <a:r>
-              <a:rPr lang="zh-CN" altLang="en-US" smtClean="0"/>
-              <a:t>单击此处编辑母版文本样式</a:t>
-            </a:r>
-            <a:endParaRPr lang="zh-CN" altLang="en-US" smtClean="0"/>
-          </a:p>
-          <a:p>
-            <a:pPr lvl="1"/>
-            <a:r>
-              <a:rPr lang="zh-CN" altLang="en-US" smtClean="0"/>
-              <a:t>第二级</a:t>
-            </a:r>
-            <a:endParaRPr lang="zh-CN" altLang="en-US" smtClean="0"/>
-          </a:p>
-          <a:p>
-            <a:pPr lvl="2"/>
-            <a:r>
-              <a:rPr lang="zh-CN" altLang="en-US" smtClean="0"/>
-              <a:t>第三级</a:t>
-            </a:r>
-            <a:endParaRPr lang="zh-CN" altLang="en-US" smtClean="0"/>
-          </a:p>
-          <a:p>
-            <a:pPr lvl="3"/>
-            <a:r>
-              <a:rPr lang="zh-CN" altLang="en-US" smtClean="0"/>
-              <a:t>第四级</a:t>
-            </a:r>
-            <a:endParaRPr lang="zh-CN" altLang="en-US" smtClean="0"/>
-          </a:p>
-          <a:p>
-            <a:pPr lvl="4"/>
-            <a:r>
-              <a:rPr lang="zh-CN" altLang="en-US" smtClean="0"/>
-              <a:t>第五级</a:t>
-            </a:r>
-            <a:endParaRPr lang="zh-CN" altLang="en-US"/>
-          </a:p>
-        </p:txBody>
-      </p:sp>
-      <p:sp>
-        <p:nvSpPr>
-          <p:cNvPr id="4" name="日期占位符 3"/>
-          <p:cNvSpPr>
-            <a:spLocks noGrp="1"/>
-          </p:cNvSpPr>
-          <p:nvPr>
-            <p:ph type="dt" sz="half" idx="10"/>
-          </p:nvPr>
-        </p:nvSpPr>
-        <p:spPr/>
-        <p:txBody>
-          <a:bodyPr/>
-          <a:lstStyle/>
-          <a:p>
-            <a:fld id="{D997B5FA-0921-464F-AAE1-844C04324D75}" type="datetimeFigureOut">
-              <a:rPr lang="zh-CN" altLang="en-US" smtClean="0"/>
-            </a:fld>
-            <a:endParaRPr lang="zh-CN" altLang="en-US"/>
-          </a:p>
-        </p:txBody>
-      </p:sp>
-      <p:sp>
-        <p:nvSpPr>
-          <p:cNvPr id="5" name="页脚占位符 4"/>
-          <p:cNvSpPr>
-            <a:spLocks noGrp="1"/>
-          </p:cNvSpPr>
-          <p:nvPr>
-            <p:ph type="ftr" sz="quarter" idx="11"/>
-          </p:nvPr>
-        </p:nvSpPr>
-        <p:spPr/>
-        <p:txBody>
-          <a:bodyPr/>
-          <a:lstStyle/>
-          <a:p>
-            <a:endParaRPr lang="zh-CN" altLang="en-US"/>
-          </a:p>
-        </p:txBody>
-      </p:sp>
-      <p:sp>
-        <p:nvSpPr>
-          <p:cNvPr id="6" name="灯片编号占位符 5"/>
-          <p:cNvSpPr>
-            <a:spLocks noGrp="1"/>
-          </p:cNvSpPr>
-          <p:nvPr>
-            <p:ph type="sldNum" sz="quarter" idx="12"/>
-          </p:nvPr>
-        </p:nvSpPr>
-        <p:spPr/>
-        <p:txBody>
-          <a:bodyPr/>
-          <a:lstStyle/>
-          <a:p>
-            <a:fld id="{565CE74E-AB26-4998-AD42-012C4C1AD076}" type="slidenum">
-              <a:rPr lang="zh-CN" altLang="en-US" smtClean="0"/>
-            </a:fld>
-            <a:endParaRPr lang="zh-CN" altLang="en-US"/>
-          </a:p>
-        </p:txBody>
-      </p:sp>
-    </p:spTree>
-  </p:cSld>
-  <p:clrMapOvr>
-    <a:masterClrMapping/>
-  </p:clrMapOvr>
-</p:sldLayout>
-</file>
-
-<file path=ppt/slideLayouts/slideLayout2.xml><?xml version="1.0" encoding="utf-8"?>
-<p:sldLayout xmlns:a="http://schemas.openxmlformats.org/drawingml/2006/main" xmlns:r="http://schemas.openxmlformats.org/officeDocument/2006/relationships" xmlns:p="http://schemas.openxmlformats.org/presentationml/2006/main" type="obj" preserve="1">
-  <p:cSld name="标题和内容">
-    <p:spTree>
-      <p:nvGrpSpPr>
-        <p:cNvPr id="1" name=""/>
-        <p:cNvGrpSpPr/>
-        <p:nvPr/>
-      </p:nvGrpSpPr>
-      <p:grpSpPr>
-        <a:xfrm>
-          <a:off x="0" y="0"/>
-          <a:ext cx="0" cy="0"/>
-          <a:chOff x="0" y="0"/>
-          <a:chExt cx="0" cy="0"/>
-        </a:xfrm>
-      </p:grpSpPr>
-      <p:sp>
-        <p:nvSpPr>
-          <p:cNvPr id="2" name="标题 1"/>
-          <p:cNvSpPr>
-            <a:spLocks noGrp="1"/>
-          </p:cNvSpPr>
-          <p:nvPr>
-            <p:ph type="title"/>
-          </p:nvPr>
-        </p:nvSpPr>
-        <p:spPr/>
-        <p:txBody>
-          <a:bodyPr/>
-          <a:lstStyle/>
-          <a:p>
-            <a:r>
-              <a:rPr lang="zh-CN" altLang="en-US" smtClean="0"/>
-              <a:t>单击此处编辑母版标题样式</a:t>
-            </a:r>
-            <a:endParaRPr lang="zh-CN" altLang="en-US"/>
-          </a:p>
-        </p:txBody>
-      </p:sp>
-      <p:sp>
-        <p:nvSpPr>
-          <p:cNvPr id="3" name="内容占位符 2"/>
-          <p:cNvSpPr>
-            <a:spLocks noGrp="1"/>
-          </p:cNvSpPr>
-          <p:nvPr>
-            <p:ph idx="1"/>
-          </p:nvPr>
-        </p:nvSpPr>
-        <p:spPr/>
-        <p:txBody>
-          <a:bodyPr/>
-          <a:lstStyle/>
-          <a:p>
-            <a:pPr lvl="0"/>
-            <a:r>
-              <a:rPr lang="zh-CN" altLang="en-US" smtClean="0"/>
-              <a:t>单击此处编辑母版文本样式</a:t>
-            </a:r>
-            <a:endParaRPr lang="zh-CN" altLang="en-US" smtClean="0"/>
-          </a:p>
-          <a:p>
-            <a:pPr lvl="1"/>
-            <a:r>
-              <a:rPr lang="zh-CN" altLang="en-US" smtClean="0"/>
-              <a:t>第二级</a:t>
-            </a:r>
-            <a:endParaRPr lang="zh-CN" altLang="en-US" smtClean="0"/>
-          </a:p>
-          <a:p>
-            <a:pPr lvl="2"/>
-            <a:r>
-              <a:rPr lang="zh-CN" altLang="en-US" smtClean="0"/>
-              <a:t>第三级</a:t>
-            </a:r>
-            <a:endParaRPr lang="zh-CN" altLang="en-US" smtClean="0"/>
-          </a:p>
-          <a:p>
-            <a:pPr lvl="3"/>
-            <a:r>
-              <a:rPr lang="zh-CN" altLang="en-US" smtClean="0"/>
-              <a:t>第四级</a:t>
-            </a:r>
-            <a:endParaRPr lang="zh-CN" altLang="en-US" smtClean="0"/>
-          </a:p>
-          <a:p>
-            <a:pPr lvl="4"/>
-            <a:r>
-              <a:rPr lang="zh-CN" altLang="en-US" smtClean="0"/>
-              <a:t>第五级</a:t>
-            </a:r>
-            <a:endParaRPr lang="zh-CN" altLang="en-US"/>
-          </a:p>
-        </p:txBody>
-      </p:sp>
-      <p:sp>
-        <p:nvSpPr>
-          <p:cNvPr id="4" name="日期占位符 3"/>
-          <p:cNvSpPr>
-            <a:spLocks noGrp="1"/>
-          </p:cNvSpPr>
-          <p:nvPr>
-            <p:ph type="dt" sz="half" idx="10"/>
-          </p:nvPr>
-        </p:nvSpPr>
-        <p:spPr/>
-        <p:txBody>
-          <a:bodyPr/>
-          <a:lstStyle/>
-          <a:p>
-            <a:fld id="{D997B5FA-0921-464F-AAE1-844C04324D75}" type="datetimeFigureOut">
-              <a:rPr lang="zh-CN" altLang="en-US" smtClean="0"/>
-            </a:fld>
-            <a:endParaRPr lang="zh-CN" altLang="en-US"/>
-          </a:p>
-        </p:txBody>
-      </p:sp>
-      <p:sp>
-        <p:nvSpPr>
-          <p:cNvPr id="5" name="页脚占位符 4"/>
-          <p:cNvSpPr>
-            <a:spLocks noGrp="1"/>
-          </p:cNvSpPr>
-          <p:nvPr>
-            <p:ph type="ftr" sz="quarter" idx="11"/>
-          </p:nvPr>
-        </p:nvSpPr>
-        <p:spPr/>
-        <p:txBody>
-          <a:bodyPr/>
-          <a:lstStyle/>
-          <a:p>
-            <a:endParaRPr lang="zh-CN" altLang="en-US"/>
-          </a:p>
-        </p:txBody>
-      </p:sp>
-      <p:sp>
-        <p:nvSpPr>
-          <p:cNvPr id="6" name="灯片编号占位符 5"/>
-          <p:cNvSpPr>
-            <a:spLocks noGrp="1"/>
-          </p:cNvSpPr>
-          <p:nvPr>
-            <p:ph type="sldNum" sz="quarter" idx="12"/>
-          </p:nvPr>
-        </p:nvSpPr>
-        <p:spPr/>
-        <p:txBody>
-          <a:bodyPr/>
-          <a:lstStyle/>
-          <a:p>
-            <a:fld id="{565CE74E-AB26-4998-AD42-012C4C1AD076}" type="slidenum">
-              <a:rPr lang="zh-CN" altLang="en-US" smtClean="0"/>
-            </a:fld>
-            <a:endParaRPr lang="zh-CN" altLang="en-US"/>
-          </a:p>
-        </p:txBody>
-      </p:sp>
-    </p:spTree>
-  </p:cSld>
-  <p:clrMapOvr>
-    <a:masterClrMapping/>
-  </p:clrMapOvr>
-</p:sldLayout>
-</file>
-
-<file path=ppt/slideLayouts/slideLayout3.xml><?xml version="1.0" encoding="utf-8"?>
-<p:sldLayout xmlns:a="http://schemas.openxmlformats.org/drawingml/2006/main" xmlns:r="http://schemas.openxmlformats.org/officeDocument/2006/relationships" xmlns:p="http://schemas.openxmlformats.org/presentationml/2006/main" type="secHead" preserve="1">
-  <p:cSld name="节标题">
-    <p:spTree>
-      <p:nvGrpSpPr>
-        <p:cNvPr id="1" name=""/>
-        <p:cNvGrpSpPr/>
-        <p:nvPr/>
-      </p:nvGrpSpPr>
-      <p:grpSpPr>
-        <a:xfrm>
-          <a:off x="0" y="0"/>
-          <a:ext cx="0" cy="0"/>
-          <a:chOff x="0" y="0"/>
-          <a:chExt cx="0" cy="0"/>
-        </a:xfrm>
-      </p:grpSpPr>
-      <p:sp>
-        <p:nvSpPr>
-          <p:cNvPr id="2" name="标题 1"/>
-          <p:cNvSpPr>
-            <a:spLocks noGrp="1"/>
-          </p:cNvSpPr>
-          <p:nvPr>
-            <p:ph type="title"/>
-          </p:nvPr>
-        </p:nvSpPr>
-        <p:spPr>
-          <a:xfrm>
-            <a:off x="831850" y="1709738"/>
-            <a:ext cx="10515600" cy="2852737"/>
-          </a:xfrm>
-        </p:spPr>
-        <p:txBody>
-          <a:bodyPr anchor="b"/>
+          <a:bodyPr vert="horz" lIns="101600" tIns="0" rIns="82550" bIns="0" rtlCol="0">
+            <a:normAutofit/>
+          </a:bodyPr>
           <a:lstStyle>
             <a:lvl1pPr>
-              <a:defRPr sz="6000"/>
-            </a:lvl1pPr>
-          </a:lstStyle>
-          <a:p>
-            <a:r>
-              <a:rPr lang="zh-CN" altLang="en-US" smtClean="0"/>
-              <a:t>单击此处编辑母版标题样式</a:t>
-            </a:r>
-            <a:endParaRPr lang="zh-CN" altLang="en-US"/>
-          </a:p>
-        </p:txBody>
-      </p:sp>
-      <p:sp>
-        <p:nvSpPr>
-          <p:cNvPr id="3" name="文本占位符 2"/>
-          <p:cNvSpPr>
-            <a:spLocks noGrp="1"/>
-          </p:cNvSpPr>
-          <p:nvPr>
-            <p:ph type="body" idx="1"/>
-          </p:nvPr>
-        </p:nvSpPr>
-        <p:spPr>
-          <a:xfrm>
-            <a:off x="831850" y="4589463"/>
-            <a:ext cx="10515600" cy="1500187"/>
-          </a:xfrm>
-        </p:spPr>
-        <p:txBody>
-          <a:bodyPr/>
-          <a:lstStyle>
-            <a:lvl1pPr marL="0" indent="0">
-              <a:buNone/>
-              <a:defRPr sz="2400">
-                <a:solidFill>
-                  <a:schemeClr val="tx1">
-                    <a:tint val="75000"/>
-                  </a:schemeClr>
-                </a:solidFill>
-              </a:defRPr>
-            </a:lvl1pPr>
-            <a:lvl2pPr marL="457200" indent="0">
-              <a:buNone/>
-              <a:defRPr sz="2000">
-                <a:solidFill>
-                  <a:schemeClr val="tx1">
-                    <a:tint val="75000"/>
-                  </a:schemeClr>
-                </a:solidFill>
-              </a:defRPr>
-            </a:lvl2pPr>
-            <a:lvl3pPr marL="914400" indent="0">
-              <a:buNone/>
-              <a:defRPr sz="1800">
-                <a:solidFill>
-                  <a:schemeClr val="tx1">
-                    <a:tint val="75000"/>
-                  </a:schemeClr>
-                </a:solidFill>
-              </a:defRPr>
-            </a:lvl3pPr>
-            <a:lvl4pPr marL="1371600" indent="0">
-              <a:buNone/>
-              <a:defRPr sz="1600">
-                <a:solidFill>
-                  <a:schemeClr val="tx1">
-                    <a:tint val="75000"/>
-                  </a:schemeClr>
-                </a:solidFill>
-              </a:defRPr>
-            </a:lvl4pPr>
-            <a:lvl5pPr marL="1828800" indent="0">
-              <a:buNone/>
-              <a:defRPr sz="1600">
-                <a:solidFill>
-                  <a:schemeClr val="tx1">
-                    <a:tint val="75000"/>
-                  </a:schemeClr>
-                </a:solidFill>
-              </a:defRPr>
-            </a:lvl5pPr>
-            <a:lvl6pPr marL="2286000" indent="0">
-              <a:buNone/>
-              <a:defRPr sz="1600">
-                <a:solidFill>
-                  <a:schemeClr val="tx1">
-                    <a:tint val="75000"/>
-                  </a:schemeClr>
-                </a:solidFill>
-              </a:defRPr>
-            </a:lvl6pPr>
-            <a:lvl7pPr marL="2743200" indent="0">
-              <a:buNone/>
-              <a:defRPr sz="1600">
-                <a:solidFill>
-                  <a:schemeClr val="tx1">
-                    <a:tint val="75000"/>
-                  </a:schemeClr>
-                </a:solidFill>
-              </a:defRPr>
-            </a:lvl7pPr>
-            <a:lvl8pPr marL="3200400" indent="0">
-              <a:buNone/>
-              <a:defRPr sz="1600">
-                <a:solidFill>
-                  <a:schemeClr val="tx1">
-                    <a:tint val="75000"/>
-                  </a:schemeClr>
-                </a:solidFill>
-              </a:defRPr>
-            </a:lvl8pPr>
-            <a:lvl9pPr marL="3657600" indent="0">
-              <a:buNone/>
-              <a:defRPr sz="1600">
-                <a:solidFill>
-                  <a:schemeClr val="tx1">
-                    <a:tint val="75000"/>
-                  </a:schemeClr>
-                </a:solidFill>
-              </a:defRPr>
-            </a:lvl9pPr>
-          </a:lstStyle>
-          <a:p>
-            <a:pPr lvl="0"/>
-            <a:r>
-              <a:rPr lang="zh-CN" altLang="en-US" smtClean="0"/>
-              <a:t>单击此处编辑母版文本样式</a:t>
-            </a:r>
-            <a:endParaRPr lang="zh-CN" altLang="en-US" smtClean="0"/>
-          </a:p>
-        </p:txBody>
-      </p:sp>
-      <p:sp>
-        <p:nvSpPr>
-          <p:cNvPr id="4" name="日期占位符 3"/>
-          <p:cNvSpPr>
-            <a:spLocks noGrp="1"/>
-          </p:cNvSpPr>
-          <p:nvPr>
-            <p:ph type="dt" sz="half" idx="10"/>
-          </p:nvPr>
-        </p:nvSpPr>
-        <p:spPr/>
-        <p:txBody>
-          <a:bodyPr/>
-          <a:lstStyle/>
-          <a:p>
-            <a:fld id="{D997B5FA-0921-464F-AAE1-844C04324D75}" type="datetimeFigureOut">
-              <a:rPr lang="zh-CN" altLang="en-US" smtClean="0"/>
-            </a:fld>
-            <a:endParaRPr lang="zh-CN" altLang="en-US"/>
-          </a:p>
-        </p:txBody>
-      </p:sp>
-      <p:sp>
-        <p:nvSpPr>
-          <p:cNvPr id="5" name="页脚占位符 4"/>
-          <p:cNvSpPr>
-            <a:spLocks noGrp="1"/>
-          </p:cNvSpPr>
-          <p:nvPr>
-            <p:ph type="ftr" sz="quarter" idx="11"/>
-          </p:nvPr>
-        </p:nvSpPr>
-        <p:spPr/>
-        <p:txBody>
-          <a:bodyPr/>
-          <a:lstStyle/>
-          <a:p>
-            <a:endParaRPr lang="zh-CN" altLang="en-US"/>
-          </a:p>
-        </p:txBody>
-      </p:sp>
-      <p:sp>
-        <p:nvSpPr>
-          <p:cNvPr id="6" name="灯片编号占位符 5"/>
-          <p:cNvSpPr>
-            <a:spLocks noGrp="1"/>
-          </p:cNvSpPr>
-          <p:nvPr>
-            <p:ph type="sldNum" sz="quarter" idx="12"/>
-          </p:nvPr>
-        </p:nvSpPr>
-        <p:spPr/>
-        <p:txBody>
-          <a:bodyPr/>
-          <a:lstStyle/>
-          <a:p>
-            <a:fld id="{565CE74E-AB26-4998-AD42-012C4C1AD076}" type="slidenum">
-              <a:rPr lang="zh-CN" altLang="en-US" smtClean="0"/>
-            </a:fld>
-            <a:endParaRPr lang="zh-CN" altLang="en-US"/>
-          </a:p>
-        </p:txBody>
-      </p:sp>
-    </p:spTree>
-  </p:cSld>
-  <p:clrMapOvr>
-    <a:masterClrMapping/>
-  </p:clrMapOvr>
-</p:sldLayout>
-</file>
-
-<file path=ppt/slideLayouts/slideLayout4.xml><?xml version="1.0" encoding="utf-8"?>
-<p:sldLayout xmlns:a="http://schemas.openxmlformats.org/drawingml/2006/main" xmlns:r="http://schemas.openxmlformats.org/officeDocument/2006/relationships" xmlns:p="http://schemas.openxmlformats.org/presentationml/2006/main" type="twoObj" preserve="1">
-  <p:cSld name="两栏内容">
-    <p:spTree>
-      <p:nvGrpSpPr>
-        <p:cNvPr id="1" name=""/>
-        <p:cNvGrpSpPr/>
-        <p:nvPr/>
-      </p:nvGrpSpPr>
-      <p:grpSpPr>
-        <a:xfrm>
-          <a:off x="0" y="0"/>
-          <a:ext cx="0" cy="0"/>
-          <a:chOff x="0" y="0"/>
-          <a:chExt cx="0" cy="0"/>
-        </a:xfrm>
-      </p:grpSpPr>
-      <p:sp>
-        <p:nvSpPr>
-          <p:cNvPr id="2" name="标题 1"/>
-          <p:cNvSpPr>
-            <a:spLocks noGrp="1"/>
-          </p:cNvSpPr>
-          <p:nvPr>
-            <p:ph type="title"/>
-          </p:nvPr>
-        </p:nvSpPr>
-        <p:spPr/>
-        <p:txBody>
-          <a:bodyPr/>
-          <a:lstStyle/>
-          <a:p>
-            <a:r>
-              <a:rPr lang="zh-CN" altLang="en-US" smtClean="0"/>
-              <a:t>单击此处编辑母版标题样式</a:t>
-            </a:r>
-            <a:endParaRPr lang="zh-CN" altLang="en-US"/>
-          </a:p>
-        </p:txBody>
-      </p:sp>
-      <p:sp>
-        <p:nvSpPr>
-          <p:cNvPr id="3" name="内容占位符 2"/>
-          <p:cNvSpPr>
-            <a:spLocks noGrp="1"/>
-          </p:cNvSpPr>
-          <p:nvPr>
-            <p:ph sz="half" idx="1"/>
-          </p:nvPr>
-        </p:nvSpPr>
-        <p:spPr>
-          <a:xfrm>
-            <a:off x="838200" y="1825625"/>
-            <a:ext cx="5181600" cy="4351338"/>
-          </a:xfrm>
-        </p:spPr>
-        <p:txBody>
-          <a:bodyPr/>
-          <a:lstStyle/>
-          <a:p>
-            <a:pPr lvl="0"/>
-            <a:r>
-              <a:rPr lang="zh-CN" altLang="en-US" smtClean="0"/>
-              <a:t>单击此处编辑母版文本样式</a:t>
-            </a:r>
-            <a:endParaRPr lang="zh-CN" altLang="en-US" smtClean="0"/>
-          </a:p>
-          <a:p>
-            <a:pPr lvl="1"/>
-            <a:r>
-              <a:rPr lang="zh-CN" altLang="en-US" smtClean="0"/>
-              <a:t>第二级</a:t>
-            </a:r>
-            <a:endParaRPr lang="zh-CN" altLang="en-US" smtClean="0"/>
-          </a:p>
-          <a:p>
-            <a:pPr lvl="2"/>
-            <a:r>
-              <a:rPr lang="zh-CN" altLang="en-US" smtClean="0"/>
-              <a:t>第三级</a:t>
-            </a:r>
-            <a:endParaRPr lang="zh-CN" altLang="en-US" smtClean="0"/>
-          </a:p>
-          <a:p>
-            <a:pPr lvl="3"/>
-            <a:r>
-              <a:rPr lang="zh-CN" altLang="en-US" smtClean="0"/>
-              <a:t>第四级</a:t>
-            </a:r>
-            <a:endParaRPr lang="zh-CN" altLang="en-US" smtClean="0"/>
-          </a:p>
-          <a:p>
-            <a:pPr lvl="4"/>
-            <a:r>
-              <a:rPr lang="zh-CN" altLang="en-US" smtClean="0"/>
-              <a:t>第五级</a:t>
-            </a:r>
-            <a:endParaRPr lang="zh-CN" altLang="en-US"/>
-          </a:p>
-        </p:txBody>
-      </p:sp>
-      <p:sp>
-        <p:nvSpPr>
-          <p:cNvPr id="4" name="内容占位符 3"/>
-          <p:cNvSpPr>
-            <a:spLocks noGrp="1"/>
-          </p:cNvSpPr>
-          <p:nvPr>
-            <p:ph sz="half" idx="2"/>
-          </p:nvPr>
-        </p:nvSpPr>
-        <p:spPr>
-          <a:xfrm>
-            <a:off x="6172200" y="1825625"/>
-            <a:ext cx="5181600" cy="4351338"/>
-          </a:xfrm>
-        </p:spPr>
-        <p:txBody>
-          <a:bodyPr/>
-          <a:lstStyle/>
-          <a:p>
-            <a:pPr lvl="0"/>
-            <a:r>
-              <a:rPr lang="zh-CN" altLang="en-US" smtClean="0"/>
-              <a:t>单击此处编辑母版文本样式</a:t>
-            </a:r>
-            <a:endParaRPr lang="zh-CN" altLang="en-US" smtClean="0"/>
-          </a:p>
-          <a:p>
-            <a:pPr lvl="1"/>
-            <a:r>
-              <a:rPr lang="zh-CN" altLang="en-US" smtClean="0"/>
-              <a:t>第二级</a:t>
-            </a:r>
-            <a:endParaRPr lang="zh-CN" altLang="en-US" smtClean="0"/>
-          </a:p>
-          <a:p>
-            <a:pPr lvl="2"/>
-            <a:r>
-              <a:rPr lang="zh-CN" altLang="en-US" smtClean="0"/>
-              <a:t>第三级</a:t>
-            </a:r>
-            <a:endParaRPr lang="zh-CN" altLang="en-US" smtClean="0"/>
-          </a:p>
-          <a:p>
-            <a:pPr lvl="3"/>
-            <a:r>
-              <a:rPr lang="zh-CN" altLang="en-US" smtClean="0"/>
-              <a:t>第四级</a:t>
-            </a:r>
-            <a:endParaRPr lang="zh-CN" altLang="en-US" smtClean="0"/>
-          </a:p>
-          <a:p>
-            <a:pPr lvl="4"/>
-            <a:r>
-              <a:rPr lang="zh-CN" altLang="en-US" smtClean="0"/>
-              <a:t>第五级</a:t>
-            </a:r>
-            <a:endParaRPr lang="zh-CN" altLang="en-US"/>
-          </a:p>
-        </p:txBody>
-      </p:sp>
-      <p:sp>
-        <p:nvSpPr>
-          <p:cNvPr id="5" name="日期占位符 4"/>
-          <p:cNvSpPr>
-            <a:spLocks noGrp="1"/>
-          </p:cNvSpPr>
-          <p:nvPr>
-            <p:ph type="dt" sz="half" idx="10"/>
-          </p:nvPr>
-        </p:nvSpPr>
-        <p:spPr/>
-        <p:txBody>
-          <a:bodyPr/>
-          <a:lstStyle/>
-          <a:p>
-            <a:fld id="{D997B5FA-0921-464F-AAE1-844C04324D75}" type="datetimeFigureOut">
-              <a:rPr lang="zh-CN" altLang="en-US" smtClean="0"/>
-            </a:fld>
-            <a:endParaRPr lang="zh-CN" altLang="en-US"/>
-          </a:p>
-        </p:txBody>
-      </p:sp>
-      <p:sp>
-        <p:nvSpPr>
-          <p:cNvPr id="6" name="页脚占位符 5"/>
-          <p:cNvSpPr>
-            <a:spLocks noGrp="1"/>
-          </p:cNvSpPr>
-          <p:nvPr>
-            <p:ph type="ftr" sz="quarter" idx="11"/>
-          </p:nvPr>
-        </p:nvSpPr>
-        <p:spPr/>
-        <p:txBody>
-          <a:bodyPr/>
-          <a:lstStyle/>
-          <a:p>
-            <a:endParaRPr lang="zh-CN" altLang="en-US"/>
-          </a:p>
-        </p:txBody>
-      </p:sp>
-      <p:sp>
-        <p:nvSpPr>
-          <p:cNvPr id="7" name="灯片编号占位符 6"/>
-          <p:cNvSpPr>
-            <a:spLocks noGrp="1"/>
-          </p:cNvSpPr>
-          <p:nvPr>
-            <p:ph type="sldNum" sz="quarter" idx="12"/>
-          </p:nvPr>
-        </p:nvSpPr>
-        <p:spPr/>
-        <p:txBody>
-          <a:bodyPr/>
-          <a:lstStyle/>
-          <a:p>
-            <a:fld id="{565CE74E-AB26-4998-AD42-012C4C1AD076}" type="slidenum">
-              <a:rPr lang="zh-CN" altLang="en-US" smtClean="0"/>
-            </a:fld>
-            <a:endParaRPr lang="zh-CN" altLang="en-US"/>
-          </a:p>
-        </p:txBody>
-      </p:sp>
-    </p:spTree>
-  </p:cSld>
-  <p:clrMapOvr>
-    <a:masterClrMapping/>
-  </p:clrMapOvr>
-</p:sldLayout>
-</file>
-
-<file path=ppt/slideLayouts/slideLayout5.xml><?xml version="1.0" encoding="utf-8"?>
-<p:sldLayout xmlns:a="http://schemas.openxmlformats.org/drawingml/2006/main" xmlns:r="http://schemas.openxmlformats.org/officeDocument/2006/relationships" xmlns:p="http://schemas.openxmlformats.org/presentationml/2006/main" type="twoTxTwoObj" preserve="1">
-  <p:cSld name="比较">
-    <p:spTree>
-      <p:nvGrpSpPr>
-        <p:cNvPr id="1" name=""/>
-        <p:cNvGrpSpPr/>
-        <p:nvPr/>
-      </p:nvGrpSpPr>
-      <p:grpSpPr>
-        <a:xfrm>
-          <a:off x="0" y="0"/>
-          <a:ext cx="0" cy="0"/>
-          <a:chOff x="0" y="0"/>
-          <a:chExt cx="0" cy="0"/>
-        </a:xfrm>
-      </p:grpSpPr>
-      <p:sp>
-        <p:nvSpPr>
-          <p:cNvPr id="2" name="标题 1"/>
-          <p:cNvSpPr>
-            <a:spLocks noGrp="1"/>
-          </p:cNvSpPr>
-          <p:nvPr>
-            <p:ph type="title"/>
-          </p:nvPr>
-        </p:nvSpPr>
-        <p:spPr>
-          <a:xfrm>
-            <a:off x="839788" y="365125"/>
-            <a:ext cx="10515600" cy="1325563"/>
-          </a:xfrm>
-        </p:spPr>
-        <p:txBody>
-          <a:bodyPr/>
-          <a:lstStyle/>
-          <a:p>
-            <a:r>
-              <a:rPr lang="zh-CN" altLang="en-US" smtClean="0"/>
-              <a:t>单击此处编辑母版标题样式</a:t>
-            </a:r>
-            <a:endParaRPr lang="zh-CN" altLang="en-US"/>
-          </a:p>
-        </p:txBody>
-      </p:sp>
-      <p:sp>
-        <p:nvSpPr>
-          <p:cNvPr id="3" name="文本占位符 2"/>
-          <p:cNvSpPr>
-            <a:spLocks noGrp="1"/>
-          </p:cNvSpPr>
-          <p:nvPr>
-            <p:ph type="body" idx="1"/>
-          </p:nvPr>
-        </p:nvSpPr>
-        <p:spPr>
-          <a:xfrm>
-            <a:off x="839788" y="1681163"/>
-            <a:ext cx="5157787" cy="823912"/>
-          </a:xfrm>
-        </p:spPr>
-        <p:txBody>
-          <a:bodyPr anchor="b"/>
-          <a:lstStyle>
-            <a:lvl1pPr marL="0" indent="0">
-              <a:buNone/>
-              <a:defRPr sz="2400" b="1"/>
-            </a:lvl1pPr>
-            <a:lvl2pPr marL="457200" indent="0">
-              <a:buNone/>
-              <a:defRPr sz="2000" b="1"/>
-            </a:lvl2pPr>
-            <a:lvl3pPr marL="914400" indent="0">
-              <a:buNone/>
-              <a:defRPr sz="1800" b="1"/>
-            </a:lvl3pPr>
-            <a:lvl4pPr marL="1371600" indent="0">
-              <a:buNone/>
-              <a:defRPr sz="1600" b="1"/>
-            </a:lvl4pPr>
-            <a:lvl5pPr marL="1828800" indent="0">
-              <a:buNone/>
-              <a:defRPr sz="1600" b="1"/>
-            </a:lvl5pPr>
-            <a:lvl6pPr marL="2286000" indent="0">
-              <a:buNone/>
-              <a:defRPr sz="1600" b="1"/>
-            </a:lvl6pPr>
-            <a:lvl7pPr marL="2743200" indent="0">
-              <a:buNone/>
-              <a:defRPr sz="1600" b="1"/>
-            </a:lvl7pPr>
-            <a:lvl8pPr marL="3200400" indent="0">
-              <a:buNone/>
-              <a:defRPr sz="1600" b="1"/>
-            </a:lvl8pPr>
-            <a:lvl9pPr marL="3657600" indent="0">
-              <a:buNone/>
-              <a:defRPr sz="1600" b="1"/>
-            </a:lvl9pPr>
-          </a:lstStyle>
-          <a:p>
-            <a:pPr lvl="0"/>
-            <a:r>
-              <a:rPr lang="zh-CN" altLang="en-US" smtClean="0"/>
-              <a:t>单击此处编辑母版文本样式</a:t>
-            </a:r>
-            <a:endParaRPr lang="zh-CN" altLang="en-US" smtClean="0"/>
-          </a:p>
-        </p:txBody>
-      </p:sp>
-      <p:sp>
-        <p:nvSpPr>
-          <p:cNvPr id="4" name="内容占位符 3"/>
-          <p:cNvSpPr>
-            <a:spLocks noGrp="1"/>
-          </p:cNvSpPr>
-          <p:nvPr>
-            <p:ph sz="half" idx="2"/>
-          </p:nvPr>
-        </p:nvSpPr>
-        <p:spPr>
-          <a:xfrm>
-            <a:off x="839788" y="2505075"/>
-            <a:ext cx="5157787" cy="3684588"/>
-          </a:xfrm>
-        </p:spPr>
-        <p:txBody>
-          <a:bodyPr/>
-          <a:lstStyle/>
-          <a:p>
-            <a:pPr lvl="0"/>
-            <a:r>
-              <a:rPr lang="zh-CN" altLang="en-US" smtClean="0"/>
-              <a:t>单击此处编辑母版文本样式</a:t>
-            </a:r>
-            <a:endParaRPr lang="zh-CN" altLang="en-US" smtClean="0"/>
-          </a:p>
-          <a:p>
-            <a:pPr lvl="1"/>
-            <a:r>
-              <a:rPr lang="zh-CN" altLang="en-US" smtClean="0"/>
-              <a:t>第二级</a:t>
-            </a:r>
-            <a:endParaRPr lang="zh-CN" altLang="en-US" smtClean="0"/>
-          </a:p>
-          <a:p>
-            <a:pPr lvl="2"/>
-            <a:r>
-              <a:rPr lang="zh-CN" altLang="en-US" smtClean="0"/>
-              <a:t>第三级</a:t>
-            </a:r>
-            <a:endParaRPr lang="zh-CN" altLang="en-US" smtClean="0"/>
-          </a:p>
-          <a:p>
-            <a:pPr lvl="3"/>
-            <a:r>
-              <a:rPr lang="zh-CN" altLang="en-US" smtClean="0"/>
-              <a:t>第四级</a:t>
-            </a:r>
-            <a:endParaRPr lang="zh-CN" altLang="en-US" smtClean="0"/>
-          </a:p>
-          <a:p>
-            <a:pPr lvl="4"/>
-            <a:r>
-              <a:rPr lang="zh-CN" altLang="en-US" smtClean="0"/>
-              <a:t>第五级</a:t>
-            </a:r>
-            <a:endParaRPr lang="zh-CN" altLang="en-US"/>
-          </a:p>
-        </p:txBody>
-      </p:sp>
-      <p:sp>
-        <p:nvSpPr>
-          <p:cNvPr id="5" name="文本占位符 4"/>
-          <p:cNvSpPr>
-            <a:spLocks noGrp="1"/>
-          </p:cNvSpPr>
-          <p:nvPr>
-            <p:ph type="body" sz="quarter" idx="3"/>
-          </p:nvPr>
-        </p:nvSpPr>
-        <p:spPr>
-          <a:xfrm>
-            <a:off x="6172200" y="1681163"/>
-            <a:ext cx="5183188" cy="823912"/>
-          </a:xfrm>
-        </p:spPr>
-        <p:txBody>
-          <a:bodyPr anchor="b"/>
-          <a:lstStyle>
-            <a:lvl1pPr marL="0" indent="0">
-              <a:buNone/>
-              <a:defRPr sz="2400" b="1"/>
-            </a:lvl1pPr>
-            <a:lvl2pPr marL="457200" indent="0">
-              <a:buNone/>
-              <a:defRPr sz="2000" b="1"/>
-            </a:lvl2pPr>
-            <a:lvl3pPr marL="914400" indent="0">
-              <a:buNone/>
-              <a:defRPr sz="1800" b="1"/>
-            </a:lvl3pPr>
-            <a:lvl4pPr marL="1371600" indent="0">
-              <a:buNone/>
-              <a:defRPr sz="1600" b="1"/>
-            </a:lvl4pPr>
-            <a:lvl5pPr marL="1828800" indent="0">
-              <a:buNone/>
-              <a:defRPr sz="1600" b="1"/>
-            </a:lvl5pPr>
-            <a:lvl6pPr marL="2286000" indent="0">
-              <a:buNone/>
-              <a:defRPr sz="1600" b="1"/>
-            </a:lvl6pPr>
-            <a:lvl7pPr marL="2743200" indent="0">
-              <a:buNone/>
-              <a:defRPr sz="1600" b="1"/>
-            </a:lvl7pPr>
-            <a:lvl8pPr marL="3200400" indent="0">
-              <a:buNone/>
-              <a:defRPr sz="1600" b="1"/>
-            </a:lvl8pPr>
-            <a:lvl9pPr marL="3657600" indent="0">
-              <a:buNone/>
-              <a:defRPr sz="1600" b="1"/>
-            </a:lvl9pPr>
-          </a:lstStyle>
-          <a:p>
-            <a:pPr lvl="0"/>
-            <a:r>
-              <a:rPr lang="zh-CN" altLang="en-US" smtClean="0"/>
-              <a:t>单击此处编辑母版文本样式</a:t>
-            </a:r>
-            <a:endParaRPr lang="zh-CN" altLang="en-US" smtClean="0"/>
-          </a:p>
-        </p:txBody>
-      </p:sp>
-      <p:sp>
-        <p:nvSpPr>
-          <p:cNvPr id="6" name="内容占位符 5"/>
-          <p:cNvSpPr>
-            <a:spLocks noGrp="1"/>
-          </p:cNvSpPr>
-          <p:nvPr>
-            <p:ph sz="quarter" idx="4"/>
-          </p:nvPr>
-        </p:nvSpPr>
-        <p:spPr>
-          <a:xfrm>
-            <a:off x="6172200" y="2505075"/>
-            <a:ext cx="5183188" cy="3684588"/>
-          </a:xfrm>
-        </p:spPr>
-        <p:txBody>
-          <a:bodyPr/>
-          <a:lstStyle/>
-          <a:p>
-            <a:pPr lvl="0"/>
-            <a:r>
-              <a:rPr lang="zh-CN" altLang="en-US" smtClean="0"/>
-              <a:t>单击此处编辑母版文本样式</a:t>
-            </a:r>
-            <a:endParaRPr lang="zh-CN" altLang="en-US" smtClean="0"/>
-          </a:p>
-          <a:p>
-            <a:pPr lvl="1"/>
-            <a:r>
-              <a:rPr lang="zh-CN" altLang="en-US" smtClean="0"/>
-              <a:t>第二级</a:t>
-            </a:r>
-            <a:endParaRPr lang="zh-CN" altLang="en-US" smtClean="0"/>
-          </a:p>
-          <a:p>
-            <a:pPr lvl="2"/>
-            <a:r>
-              <a:rPr lang="zh-CN" altLang="en-US" smtClean="0"/>
-              <a:t>第三级</a:t>
-            </a:r>
-            <a:endParaRPr lang="zh-CN" altLang="en-US" smtClean="0"/>
-          </a:p>
-          <a:p>
-            <a:pPr lvl="3"/>
-            <a:r>
-              <a:rPr lang="zh-CN" altLang="en-US" smtClean="0"/>
-              <a:t>第四级</a:t>
-            </a:r>
-            <a:endParaRPr lang="zh-CN" altLang="en-US" smtClean="0"/>
-          </a:p>
-          <a:p>
-            <a:pPr lvl="4"/>
-            <a:r>
-              <a:rPr lang="zh-CN" altLang="en-US" smtClean="0"/>
-              <a:t>第五级</a:t>
-            </a:r>
-            <a:endParaRPr lang="zh-CN" altLang="en-US"/>
-          </a:p>
-        </p:txBody>
-      </p:sp>
-      <p:sp>
-        <p:nvSpPr>
-          <p:cNvPr id="7" name="日期占位符 6"/>
-          <p:cNvSpPr>
-            <a:spLocks noGrp="1"/>
-          </p:cNvSpPr>
-          <p:nvPr>
-            <p:ph type="dt" sz="half" idx="10"/>
-          </p:nvPr>
-        </p:nvSpPr>
-        <p:spPr/>
-        <p:txBody>
-          <a:bodyPr/>
-          <a:lstStyle/>
-          <a:p>
-            <a:fld id="{D997B5FA-0921-464F-AAE1-844C04324D75}" type="datetimeFigureOut">
-              <a:rPr lang="zh-CN" altLang="en-US" smtClean="0"/>
-            </a:fld>
-            <a:endParaRPr lang="zh-CN" altLang="en-US"/>
-          </a:p>
-        </p:txBody>
-      </p:sp>
-      <p:sp>
-        <p:nvSpPr>
-          <p:cNvPr id="8" name="页脚占位符 7"/>
-          <p:cNvSpPr>
-            <a:spLocks noGrp="1"/>
-          </p:cNvSpPr>
-          <p:nvPr>
-            <p:ph type="ftr" sz="quarter" idx="11"/>
-          </p:nvPr>
-        </p:nvSpPr>
-        <p:spPr/>
-        <p:txBody>
-          <a:bodyPr/>
-          <a:lstStyle/>
-          <a:p>
-            <a:endParaRPr lang="zh-CN" altLang="en-US"/>
-          </a:p>
-        </p:txBody>
-      </p:sp>
-      <p:sp>
-        <p:nvSpPr>
-          <p:cNvPr id="9" name="灯片编号占位符 8"/>
-          <p:cNvSpPr>
-            <a:spLocks noGrp="1"/>
-          </p:cNvSpPr>
-          <p:nvPr>
-            <p:ph type="sldNum" sz="quarter" idx="12"/>
-          </p:nvPr>
-        </p:nvSpPr>
-        <p:spPr/>
-        <p:txBody>
-          <a:bodyPr/>
-          <a:lstStyle/>
-          <a:p>
-            <a:fld id="{565CE74E-AB26-4998-AD42-012C4C1AD076}" type="slidenum">
-              <a:rPr lang="zh-CN" altLang="en-US" smtClean="0"/>
-            </a:fld>
-            <a:endParaRPr lang="zh-CN" altLang="en-US"/>
-          </a:p>
-        </p:txBody>
-      </p:sp>
-    </p:spTree>
-  </p:cSld>
-  <p:clrMapOvr>
-    <a:masterClrMapping/>
-  </p:clrMapOvr>
-</p:sldLayout>
-</file>
-
-<file path=ppt/slideLayouts/slideLayout6.xml><?xml version="1.0" encoding="utf-8"?>
-<p:sldLayout xmlns:a="http://schemas.openxmlformats.org/drawingml/2006/main" xmlns:r="http://schemas.openxmlformats.org/officeDocument/2006/relationships" xmlns:p="http://schemas.openxmlformats.org/presentationml/2006/main" type="titleOnly" preserve="1">
-  <p:cSld name="仅标题">
-    <p:spTree>
-      <p:nvGrpSpPr>
-        <p:cNvPr id="1" name=""/>
-        <p:cNvGrpSpPr/>
-        <p:nvPr/>
-      </p:nvGrpSpPr>
-      <p:grpSpPr>
-        <a:xfrm>
-          <a:off x="0" y="0"/>
-          <a:ext cx="0" cy="0"/>
-          <a:chOff x="0" y="0"/>
-          <a:chExt cx="0" cy="0"/>
-        </a:xfrm>
-      </p:grpSpPr>
-      <p:sp>
-        <p:nvSpPr>
-          <p:cNvPr id="2" name="标题 1"/>
-          <p:cNvSpPr>
-            <a:spLocks noGrp="1"/>
-          </p:cNvSpPr>
-          <p:nvPr>
-            <p:ph type="title"/>
-          </p:nvPr>
-        </p:nvSpPr>
-        <p:spPr/>
-        <p:txBody>
-          <a:bodyPr/>
-          <a:lstStyle/>
-          <a:p>
-            <a:r>
-              <a:rPr lang="zh-CN" altLang="en-US" smtClean="0"/>
-              <a:t>单击此处编辑母版标题样式</a:t>
-            </a:r>
-            <a:endParaRPr lang="zh-CN" altLang="en-US"/>
-          </a:p>
-        </p:txBody>
-      </p:sp>
-      <p:sp>
-        <p:nvSpPr>
-          <p:cNvPr id="3" name="日期占位符 2"/>
-          <p:cNvSpPr>
-            <a:spLocks noGrp="1"/>
-          </p:cNvSpPr>
-          <p:nvPr>
-            <p:ph type="dt" sz="half" idx="10"/>
-          </p:nvPr>
-        </p:nvSpPr>
-        <p:spPr/>
-        <p:txBody>
-          <a:bodyPr/>
-          <a:lstStyle/>
-          <a:p>
-            <a:fld id="{D997B5FA-0921-464F-AAE1-844C04324D75}" type="datetimeFigureOut">
-              <a:rPr lang="zh-CN" altLang="en-US" smtClean="0"/>
-            </a:fld>
-            <a:endParaRPr lang="zh-CN" altLang="en-US"/>
-          </a:p>
-        </p:txBody>
-      </p:sp>
-      <p:sp>
-        <p:nvSpPr>
-          <p:cNvPr id="4" name="页脚占位符 3"/>
-          <p:cNvSpPr>
-            <a:spLocks noGrp="1"/>
-          </p:cNvSpPr>
-          <p:nvPr>
-            <p:ph type="ftr" sz="quarter" idx="11"/>
-          </p:nvPr>
-        </p:nvSpPr>
-        <p:spPr/>
-        <p:txBody>
-          <a:bodyPr/>
-          <a:lstStyle/>
-          <a:p>
-            <a:endParaRPr lang="zh-CN" altLang="en-US"/>
-          </a:p>
-        </p:txBody>
-      </p:sp>
-      <p:sp>
-        <p:nvSpPr>
-          <p:cNvPr id="5" name="灯片编号占位符 4"/>
-          <p:cNvSpPr>
-            <a:spLocks noGrp="1"/>
-          </p:cNvSpPr>
-          <p:nvPr>
-            <p:ph type="sldNum" sz="quarter" idx="12"/>
-          </p:nvPr>
-        </p:nvSpPr>
-        <p:spPr/>
-        <p:txBody>
-          <a:bodyPr/>
-          <a:lstStyle/>
-          <a:p>
-            <a:fld id="{565CE74E-AB26-4998-AD42-012C4C1AD076}" type="slidenum">
-              <a:rPr lang="zh-CN" altLang="en-US" smtClean="0"/>
-            </a:fld>
-            <a:endParaRPr lang="zh-CN" altLang="en-US"/>
-          </a:p>
-        </p:txBody>
-      </p:sp>
-    </p:spTree>
-  </p:cSld>
-  <p:clrMapOvr>
-    <a:masterClrMapping/>
-  </p:clrMapOvr>
-</p:sldLayout>
-</file>
-
-<file path=ppt/slideLayouts/slideLayout7.xml><?xml version="1.0" encoding="utf-8"?>
-<p:sldLayout xmlns:a="http://schemas.openxmlformats.org/drawingml/2006/main" xmlns:r="http://schemas.openxmlformats.org/officeDocument/2006/relationships" xmlns:p="http://schemas.openxmlformats.org/presentationml/2006/main" type="blank" preserve="1">
-  <p:cSld name="空白">
-    <p:spTree>
-      <p:nvGrpSpPr>
-        <p:cNvPr id="1" name=""/>
-        <p:cNvGrpSpPr/>
-        <p:nvPr/>
-      </p:nvGrpSpPr>
-      <p:grpSpPr>
-        <a:xfrm>
-          <a:off x="0" y="0"/>
-          <a:ext cx="0" cy="0"/>
-          <a:chOff x="0" y="0"/>
-          <a:chExt cx="0" cy="0"/>
-        </a:xfrm>
-      </p:grpSpPr>
-      <p:sp>
-        <p:nvSpPr>
-          <p:cNvPr id="2" name="日期占位符 1"/>
-          <p:cNvSpPr>
-            <a:spLocks noGrp="1"/>
-          </p:cNvSpPr>
-          <p:nvPr>
-            <p:ph type="dt" sz="half" idx="10"/>
-          </p:nvPr>
-        </p:nvSpPr>
-        <p:spPr/>
-        <p:txBody>
-          <a:bodyPr/>
-          <a:lstStyle/>
-          <a:p>
-            <a:fld id="{D997B5FA-0921-464F-AAE1-844C04324D75}" type="datetimeFigureOut">
-              <a:rPr lang="zh-CN" altLang="en-US" smtClean="0"/>
-            </a:fld>
-            <a:endParaRPr lang="zh-CN" altLang="en-US"/>
-          </a:p>
-        </p:txBody>
-      </p:sp>
-      <p:sp>
-        <p:nvSpPr>
-          <p:cNvPr id="3" name="页脚占位符 2"/>
-          <p:cNvSpPr>
-            <a:spLocks noGrp="1"/>
-          </p:cNvSpPr>
-          <p:nvPr>
-            <p:ph type="ftr" sz="quarter" idx="11"/>
-          </p:nvPr>
-        </p:nvSpPr>
-        <p:spPr/>
-        <p:txBody>
-          <a:bodyPr/>
-          <a:lstStyle/>
-          <a:p>
-            <a:endParaRPr lang="zh-CN" altLang="en-US"/>
-          </a:p>
-        </p:txBody>
-      </p:sp>
-      <p:sp>
-        <p:nvSpPr>
-          <p:cNvPr id="4" name="灯片编号占位符 3"/>
-          <p:cNvSpPr>
-            <a:spLocks noGrp="1"/>
-          </p:cNvSpPr>
-          <p:nvPr>
-            <p:ph type="sldNum" sz="quarter" idx="12"/>
-          </p:nvPr>
-        </p:nvSpPr>
-        <p:spPr/>
-        <p:txBody>
-          <a:bodyPr/>
-          <a:lstStyle/>
-          <a:p>
-            <a:fld id="{565CE74E-AB26-4998-AD42-012C4C1AD076}" type="slidenum">
-              <a:rPr lang="zh-CN" altLang="en-US" smtClean="0"/>
-            </a:fld>
-            <a:endParaRPr lang="zh-CN" altLang="en-US"/>
-          </a:p>
-        </p:txBody>
-      </p:sp>
-    </p:spTree>
-  </p:cSld>
-  <p:clrMapOvr>
-    <a:masterClrMapping/>
-  </p:clrMapOvr>
-</p:sldLayout>
-</file>
-
-<file path=ppt/slideLayouts/slideLayout8.xml><?xml version="1.0" encoding="utf-8"?>
-<p:sldLayout xmlns:a="http://schemas.openxmlformats.org/drawingml/2006/main" xmlns:r="http://schemas.openxmlformats.org/officeDocument/2006/relationships" xmlns:p="http://schemas.openxmlformats.org/presentationml/2006/main" type="objTx" preserve="1">
-  <p:cSld name="内容与标题">
-    <p:spTree>
-      <p:nvGrpSpPr>
-        <p:cNvPr id="1" name=""/>
-        <p:cNvGrpSpPr/>
-        <p:nvPr/>
-      </p:nvGrpSpPr>
-      <p:grpSpPr>
-        <a:xfrm>
-          <a:off x="0" y="0"/>
-          <a:ext cx="0" cy="0"/>
-          <a:chOff x="0" y="0"/>
-          <a:chExt cx="0" cy="0"/>
-        </a:xfrm>
-      </p:grpSpPr>
-      <p:sp>
-        <p:nvSpPr>
-          <p:cNvPr id="2" name="标题 1"/>
-          <p:cNvSpPr>
-            <a:spLocks noGrp="1"/>
-          </p:cNvSpPr>
-          <p:nvPr>
-            <p:ph type="title"/>
-          </p:nvPr>
-        </p:nvSpPr>
-        <p:spPr>
-          <a:xfrm>
-            <a:off x="839788" y="457200"/>
-            <a:ext cx="3932237" cy="1600200"/>
-          </a:xfrm>
-        </p:spPr>
-        <p:txBody>
-          <a:bodyPr anchor="b"/>
-          <a:lstStyle>
-            <a:lvl1pPr>
-              <a:defRPr sz="3200"/>
-            </a:lvl1pPr>
-          </a:lstStyle>
-          <a:p>
-            <a:r>
-              <a:rPr lang="zh-CN" altLang="en-US" smtClean="0"/>
-              <a:t>单击此处编辑母版标题样式</a:t>
-            </a:r>
-            <a:endParaRPr lang="zh-CN" altLang="en-US"/>
-          </a:p>
-        </p:txBody>
-      </p:sp>
-      <p:sp>
-        <p:nvSpPr>
-          <p:cNvPr id="3" name="内容占位符 2"/>
-          <p:cNvSpPr>
-            <a:spLocks noGrp="1"/>
-          </p:cNvSpPr>
-          <p:nvPr>
-            <p:ph idx="1"/>
-          </p:nvPr>
-        </p:nvSpPr>
-        <p:spPr>
-          <a:xfrm>
-            <a:off x="5183188" y="987425"/>
-            <a:ext cx="6172200" cy="4873625"/>
-          </a:xfrm>
-        </p:spPr>
-        <p:txBody>
-          <a:bodyPr/>
-          <a:lstStyle>
-            <a:lvl1pPr>
-              <a:defRPr sz="3200"/>
+              <a:defRPr sz="2400"/>
             </a:lvl1pPr>
             <a:lvl2pPr>
-              <a:defRPr sz="2800"/>
+              <a:defRPr sz="2400"/>
             </a:lvl2pPr>
             <a:lvl3pPr>
               <a:defRPr sz="2400"/>
             </a:lvl3pPr>
             <a:lvl4pPr>
-              <a:defRPr sz="2000"/>
+              <a:defRPr sz="2400"/>
             </a:lvl4pPr>
             <a:lvl5pPr>
-              <a:defRPr sz="2000"/>
+              <a:defRPr sz="2400"/>
             </a:lvl5pPr>
-            <a:lvl6pPr>
-              <a:defRPr sz="2000"/>
-            </a:lvl6pPr>
-            <a:lvl7pPr>
-              <a:defRPr sz="2000"/>
-            </a:lvl7pPr>
-            <a:lvl8pPr>
-              <a:defRPr sz="2000"/>
-            </a:lvl8pPr>
-            <a:lvl9pPr>
-              <a:defRPr sz="2000"/>
-            </a:lvl9pPr>
           </a:lstStyle>
           <a:p>
             <a:pPr lvl="0"/>
             <a:r>
-              <a:rPr lang="zh-CN" altLang="en-US" smtClean="0"/>
-              <a:t>单击此处编辑母版文本样式</a:t>
-            </a:r>
-            <a:endParaRPr lang="zh-CN" altLang="en-US" smtClean="0"/>
-          </a:p>
-          <a:p>
-            <a:pPr lvl="1"/>
-            <a:r>
-              <a:rPr lang="zh-CN" altLang="en-US" smtClean="0"/>
-              <a:t>第二级</a:t>
-            </a:r>
-            <a:endParaRPr lang="zh-CN" altLang="en-US" smtClean="0"/>
-          </a:p>
-          <a:p>
-            <a:pPr lvl="2"/>
-            <a:r>
-              <a:rPr lang="zh-CN" altLang="en-US" smtClean="0"/>
-              <a:t>第三级</a:t>
-            </a:r>
-            <a:endParaRPr lang="zh-CN" altLang="en-US" smtClean="0"/>
-          </a:p>
-          <a:p>
-            <a:pPr lvl="3"/>
-            <a:r>
-              <a:rPr lang="zh-CN" altLang="en-US" smtClean="0"/>
-              <a:t>第四级</a:t>
-            </a:r>
-            <a:endParaRPr lang="zh-CN" altLang="en-US" smtClean="0"/>
-          </a:p>
-          <a:p>
-            <a:pPr lvl="4"/>
-            <a:r>
-              <a:rPr lang="zh-CN" altLang="en-US" smtClean="0"/>
-              <a:t>第五级</a:t>
-            </a:r>
-            <a:endParaRPr lang="zh-CN" altLang="en-US"/>
-          </a:p>
-        </p:txBody>
-      </p:sp>
-      <p:sp>
-        <p:nvSpPr>
-          <p:cNvPr id="4" name="文本占位符 3"/>
-          <p:cNvSpPr>
-            <a:spLocks noGrp="1"/>
-          </p:cNvSpPr>
-          <p:nvPr>
-            <p:ph type="body" sz="half" idx="2"/>
-          </p:nvPr>
-        </p:nvSpPr>
-        <p:spPr>
-          <a:xfrm>
-            <a:off x="839788" y="2057400"/>
-            <a:ext cx="3932237" cy="3811588"/>
-          </a:xfrm>
-        </p:spPr>
-        <p:txBody>
-          <a:bodyPr/>
-          <a:lstStyle>
-            <a:lvl1pPr marL="0" indent="0">
-              <a:buNone/>
-              <a:defRPr sz="1600"/>
-            </a:lvl1pPr>
-            <a:lvl2pPr marL="457200" indent="0">
-              <a:buNone/>
-              <a:defRPr sz="1400"/>
-            </a:lvl2pPr>
-            <a:lvl3pPr marL="914400" indent="0">
-              <a:buNone/>
-              <a:defRPr sz="1200"/>
-            </a:lvl3pPr>
-            <a:lvl4pPr marL="1371600" indent="0">
-              <a:buNone/>
-              <a:defRPr sz="1000"/>
-            </a:lvl4pPr>
-            <a:lvl5pPr marL="1828800" indent="0">
-              <a:buNone/>
-              <a:defRPr sz="1000"/>
-            </a:lvl5pPr>
-            <a:lvl6pPr marL="2286000" indent="0">
-              <a:buNone/>
-              <a:defRPr sz="1000"/>
-            </a:lvl6pPr>
-            <a:lvl7pPr marL="2743200" indent="0">
-              <a:buNone/>
-              <a:defRPr sz="1000"/>
-            </a:lvl7pPr>
-            <a:lvl8pPr marL="3200400" indent="0">
-              <a:buNone/>
-              <a:defRPr sz="1000"/>
-            </a:lvl8pPr>
-            <a:lvl9pPr marL="3657600" indent="0">
-              <a:buNone/>
-              <a:defRPr sz="1000"/>
-            </a:lvl9pPr>
-          </a:lstStyle>
+              <a:rPr lang="zh-CN" altLang="en-US" dirty="0"/>
+              <a:t>单击此处编辑正文</a:t>
+            </a:r>
+            <a:endParaRPr lang="zh-CN" altLang="en-US" dirty="0"/>
+          </a:p>
           <a:p>
             <a:pPr lvl="0"/>
             <a:r>
-              <a:rPr lang="zh-CN" altLang="en-US" smtClean="0"/>
-              <a:t>单击此处编辑母版文本样式</a:t>
-            </a:r>
-            <a:endParaRPr lang="zh-CN" altLang="en-US" smtClean="0"/>
-          </a:p>
-        </p:txBody>
-      </p:sp>
-      <p:sp>
-        <p:nvSpPr>
-          <p:cNvPr id="5" name="日期占位符 4"/>
-          <p:cNvSpPr>
-            <a:spLocks noGrp="1"/>
-          </p:cNvSpPr>
-          <p:nvPr>
-            <p:ph type="dt" sz="half" idx="10"/>
-          </p:nvPr>
-        </p:nvSpPr>
-        <p:spPr/>
-        <p:txBody>
-          <a:bodyPr/>
-          <a:lstStyle/>
-          <a:p>
-            <a:fld id="{D997B5FA-0921-464F-AAE1-844C04324D75}" type="datetimeFigureOut">
-              <a:rPr lang="zh-CN" altLang="en-US" smtClean="0"/>
-            </a:fld>
-            <a:endParaRPr lang="zh-CN" altLang="en-US"/>
-          </a:p>
-        </p:txBody>
-      </p:sp>
-      <p:sp>
-        <p:nvSpPr>
-          <p:cNvPr id="6" name="页脚占位符 5"/>
-          <p:cNvSpPr>
-            <a:spLocks noGrp="1"/>
-          </p:cNvSpPr>
-          <p:nvPr>
-            <p:ph type="ftr" sz="quarter" idx="11"/>
-          </p:nvPr>
-        </p:nvSpPr>
-        <p:spPr/>
-        <p:txBody>
-          <a:bodyPr/>
-          <a:lstStyle/>
-          <a:p>
-            <a:endParaRPr lang="zh-CN" altLang="en-US"/>
-          </a:p>
-        </p:txBody>
-      </p:sp>
-      <p:sp>
-        <p:nvSpPr>
-          <p:cNvPr id="7" name="灯片编号占位符 6"/>
-          <p:cNvSpPr>
-            <a:spLocks noGrp="1"/>
-          </p:cNvSpPr>
-          <p:nvPr>
-            <p:ph type="sldNum" sz="quarter" idx="12"/>
-          </p:nvPr>
-        </p:nvSpPr>
-        <p:spPr/>
-        <p:txBody>
-          <a:bodyPr/>
-          <a:lstStyle/>
-          <a:p>
-            <a:fld id="{565CE74E-AB26-4998-AD42-012C4C1AD076}" type="slidenum">
-              <a:rPr lang="zh-CN" altLang="en-US" smtClean="0"/>
-            </a:fld>
-            <a:endParaRPr lang="zh-CN" altLang="en-US"/>
+              <a:rPr lang="zh-CN" altLang="en-US" dirty="0">
+                <a:sym typeface="+mn-ea"/>
+              </a:rPr>
+              <a:t>单击此处编辑正文</a:t>
+            </a:r>
+            <a:endParaRPr lang="zh-CN" altLang="en-US" dirty="0"/>
+          </a:p>
+          <a:p>
+            <a:pPr lvl="0"/>
+            <a:r>
+              <a:rPr lang="zh-CN" altLang="en-US" dirty="0">
+                <a:sym typeface="+mn-ea"/>
+              </a:rPr>
+              <a:t>单击此处编辑正文</a:t>
+            </a:r>
+            <a:endParaRPr lang="zh-CN" altLang="en-US" dirty="0"/>
+          </a:p>
+          <a:p>
+            <a:pPr lvl="0"/>
+            <a:r>
+              <a:rPr lang="zh-CN" altLang="en-US" dirty="0">
+                <a:sym typeface="+mn-ea"/>
+              </a:rPr>
+              <a:t>单击此处编辑正文</a:t>
+            </a:r>
+            <a:endParaRPr lang="zh-CN" altLang="en-US" dirty="0"/>
+          </a:p>
+          <a:p>
+            <a:pPr lvl="0"/>
+            <a:r>
+              <a:rPr lang="zh-CN" altLang="en-US" dirty="0">
+                <a:sym typeface="+mn-ea"/>
+              </a:rPr>
+              <a:t>单击此处编辑正文</a:t>
+            </a:r>
+            <a:endParaRPr lang="zh-CN" altLang="en-US" dirty="0"/>
           </a:p>
         </p:txBody>
       </p:sp>
     </p:spTree>
   </p:cSld>
-  <p:clrMapOvr>
-    <a:masterClrMapping/>
-  </p:clrMapOvr>
-</p:sldLayout>
+  <p:clrMap bg1="lt1" tx1="dk1" bg2="lt2" tx2="dk2" accent1="accent1" accent2="accent2" accent3="accent3" accent4="accent4" accent5="accent5" accent6="accent6" hlink="hlink" folHlink="folHlink"/>
+  <p:sldLayoutIdLst>
+    <p:sldLayoutId id="2147483649" r:id="rId1"/>
+    <p:sldLayoutId id="2147483650" r:id="rId2"/>
+    <p:sldLayoutId id="2147483651" r:id="rId3"/>
+    <p:sldLayoutId id="2147483652" r:id="rId4"/>
+    <p:sldLayoutId id="2147483653" r:id="rId5"/>
+    <p:sldLayoutId id="2147483654" r:id="rId6"/>
+    <p:sldLayoutId id="2147483655" r:id="rId7"/>
+    <p:sldLayoutId id="2147483656" r:id="rId8"/>
+  </p:sldLayoutIdLst>
+  <p:txStyles>
+    <p:titleStyle>
+      <a:lvl1pPr algn="l" defTabSz="914400" rtl="0" eaLnBrk="1" fontAlgn="auto" latinLnBrk="0" hangingPunct="1">
+        <a:lnSpc>
+          <a:spcPct val="100000"/>
+        </a:lnSpc>
+        <a:spcBef>
+          <a:spcPct val="0"/>
+        </a:spcBef>
+        <a:buNone/>
+        <a:defRPr sz="2800" b="1" u="none" strike="noStrike" kern="1200" cap="none" spc="200" normalizeH="0">
+          <a:solidFill>
+            <a:schemeClr val="tx1"/>
+          </a:solidFill>
+          <a:uFillTx/>
+          <a:latin typeface="+mn-ea"/>
+          <a:ea typeface="+mn-ea"/>
+          <a:cs typeface="+mj-cs"/>
+        </a:defRPr>
+      </a:lvl1pPr>
+    </p:titleStyle>
+    <p:bodyStyle>
+      <a:lvl1pPr marL="228600" indent="-228600" algn="l" defTabSz="914400" rtl="0" eaLnBrk="1" fontAlgn="auto" latinLnBrk="0" hangingPunct="1">
+        <a:lnSpc>
+          <a:spcPct val="130000"/>
+        </a:lnSpc>
+        <a:spcBef>
+          <a:spcPts val="0"/>
+        </a:spcBef>
+        <a:spcAft>
+          <a:spcPts val="1000"/>
+        </a:spcAft>
+        <a:buFont typeface="Arial" panose="020B0604020202020204" pitchFamily="34" charset="0"/>
+        <a:buChar char="•"/>
+        <a:defRPr sz="1600" u="none" strike="noStrike" kern="1200" cap="none" spc="150" normalizeH="0" baseline="0">
+          <a:solidFill>
+            <a:schemeClr val="tx1"/>
+          </a:solidFill>
+          <a:uFillTx/>
+          <a:latin typeface="+mn-ea"/>
+          <a:ea typeface="+mn-ea"/>
+          <a:cs typeface="+mn-cs"/>
+        </a:defRPr>
+      </a:lvl1pPr>
+      <a:lvl2pPr marL="685800" indent="-228600" algn="l" defTabSz="914400" rtl="0" eaLnBrk="1" fontAlgn="auto" latinLnBrk="0" hangingPunct="1">
+        <a:lnSpc>
+          <a:spcPct val="130000"/>
+        </a:lnSpc>
+        <a:spcBef>
+          <a:spcPts val="0"/>
+        </a:spcBef>
+        <a:spcAft>
+          <a:spcPts val="1000"/>
+        </a:spcAft>
+        <a:buFont typeface="Arial" panose="020B0604020202020204" pitchFamily="34" charset="0"/>
+        <a:buChar char="•"/>
+        <a:tabLst>
+          <a:tab pos="1609725" algn="l"/>
+        </a:tabLst>
+        <a:defRPr sz="1600" u="none" strike="noStrike" kern="1200" cap="none" spc="150" normalizeH="0" baseline="0">
+          <a:solidFill>
+            <a:schemeClr val="tx1"/>
+          </a:solidFill>
+          <a:uFillTx/>
+          <a:latin typeface="+mn-ea"/>
+          <a:ea typeface="+mn-ea"/>
+          <a:cs typeface="+mn-cs"/>
+        </a:defRPr>
+      </a:lvl2pPr>
+      <a:lvl3pPr marL="1143000" indent="-228600" algn="l" defTabSz="914400" rtl="0" eaLnBrk="1" fontAlgn="auto" latinLnBrk="0" hangingPunct="1">
+        <a:lnSpc>
+          <a:spcPct val="130000"/>
+        </a:lnSpc>
+        <a:spcBef>
+          <a:spcPts val="0"/>
+        </a:spcBef>
+        <a:spcAft>
+          <a:spcPts val="1000"/>
+        </a:spcAft>
+        <a:buFont typeface="Arial" panose="020B0604020202020204" pitchFamily="34" charset="0"/>
+        <a:buChar char="•"/>
+        <a:defRPr sz="1600" u="none" strike="noStrike" kern="1200" cap="none" spc="150" normalizeH="0" baseline="0">
+          <a:solidFill>
+            <a:schemeClr val="tx1"/>
+          </a:solidFill>
+          <a:uFillTx/>
+          <a:latin typeface="+mn-ea"/>
+          <a:ea typeface="+mn-ea"/>
+          <a:cs typeface="+mn-cs"/>
+        </a:defRPr>
+      </a:lvl3pPr>
+      <a:lvl4pPr marL="1600200" indent="-228600" algn="l" defTabSz="914400" rtl="0" eaLnBrk="1" fontAlgn="auto" latinLnBrk="0" hangingPunct="1">
+        <a:lnSpc>
+          <a:spcPct val="130000"/>
+        </a:lnSpc>
+        <a:spcBef>
+          <a:spcPts val="0"/>
+        </a:spcBef>
+        <a:spcAft>
+          <a:spcPts val="1000"/>
+        </a:spcAft>
+        <a:buFont typeface="Arial" panose="020B0604020202020204" pitchFamily="34" charset="0"/>
+        <a:buChar char="•"/>
+        <a:defRPr sz="1600" u="none" strike="noStrike" kern="1200" cap="none" spc="150" normalizeH="0" baseline="0">
+          <a:solidFill>
+            <a:schemeClr val="tx1"/>
+          </a:solidFill>
+          <a:uFillTx/>
+          <a:latin typeface="+mn-ea"/>
+          <a:ea typeface="+mn-ea"/>
+          <a:cs typeface="+mn-cs"/>
+        </a:defRPr>
+      </a:lvl4pPr>
+      <a:lvl5pPr marL="2057400" indent="-228600" algn="l" defTabSz="914400" rtl="0" eaLnBrk="1" fontAlgn="auto" latinLnBrk="0" hangingPunct="1">
+        <a:lnSpc>
+          <a:spcPct val="130000"/>
+        </a:lnSpc>
+        <a:spcBef>
+          <a:spcPts val="0"/>
+        </a:spcBef>
+        <a:spcAft>
+          <a:spcPts val="1000"/>
+        </a:spcAft>
+        <a:buFont typeface="Arial" panose="020B0604020202020204" pitchFamily="34" charset="0"/>
+        <a:buChar char="•"/>
+        <a:defRPr sz="1600" u="none" strike="noStrike" kern="1200" cap="none" spc="150" normalizeH="0" baseline="0">
+          <a:solidFill>
+            <a:schemeClr val="tx1"/>
+          </a:solidFill>
+          <a:uFillTx/>
+          <a:latin typeface="+mn-ea"/>
+          <a:ea typeface="+mn-ea"/>
+          <a:cs typeface="+mn-cs"/>
+        </a:defRPr>
+      </a:lvl5pPr>
+      <a:lvl6pPr marL="2514600" indent="-228600" algn="l" defTabSz="914400" rtl="0" eaLnBrk="1" latinLnBrk="0" hangingPunct="1">
+        <a:lnSpc>
+          <a:spcPct val="90000"/>
+        </a:lnSpc>
+        <a:spcBef>
+          <a:spcPts val="500"/>
+        </a:spcBef>
+        <a:buFont typeface="Arial" panose="020B0604020202020204" pitchFamily="34" charset="0"/>
+        <a:buChar char="•"/>
+        <a:defRPr sz="1800" kern="1200">
+          <a:solidFill>
+            <a:schemeClr val="tx1"/>
+          </a:solidFill>
+          <a:latin typeface="+mn-lt"/>
+          <a:ea typeface="+mn-ea"/>
+          <a:cs typeface="+mn-cs"/>
+        </a:defRPr>
+      </a:lvl6pPr>
+      <a:lvl7pPr marL="2971800" indent="-228600" algn="l" defTabSz="914400" rtl="0" eaLnBrk="1" latinLnBrk="0" hangingPunct="1">
+        <a:lnSpc>
+          <a:spcPct val="90000"/>
+        </a:lnSpc>
+        <a:spcBef>
+          <a:spcPts val="500"/>
+        </a:spcBef>
+        <a:buFont typeface="Arial" panose="020B0604020202020204" pitchFamily="34" charset="0"/>
+        <a:buChar char="•"/>
+        <a:defRPr sz="1800" kern="1200">
+          <a:solidFill>
+            <a:schemeClr val="tx1"/>
+          </a:solidFill>
+          <a:latin typeface="+mn-lt"/>
+          <a:ea typeface="+mn-ea"/>
+          <a:cs typeface="+mn-cs"/>
+        </a:defRPr>
+      </a:lvl7pPr>
+      <a:lvl8pPr marL="3429000" indent="-228600" algn="l" defTabSz="914400" rtl="0" eaLnBrk="1" latinLnBrk="0" hangingPunct="1">
+        <a:lnSpc>
+          <a:spcPct val="90000"/>
+        </a:lnSpc>
+        <a:spcBef>
+          <a:spcPts val="500"/>
+        </a:spcBef>
+        <a:buFont typeface="Arial" panose="020B0604020202020204" pitchFamily="34" charset="0"/>
+        <a:buChar char="•"/>
+        <a:defRPr sz="1800" kern="1200">
+          <a:solidFill>
+            <a:schemeClr val="tx1"/>
+          </a:solidFill>
+          <a:latin typeface="+mn-lt"/>
+          <a:ea typeface="+mn-ea"/>
+          <a:cs typeface="+mn-cs"/>
+        </a:defRPr>
+      </a:lvl8pPr>
+      <a:lvl9pPr marL="3886200" indent="-228600" algn="l" defTabSz="914400" rtl="0" eaLnBrk="1" latinLnBrk="0" hangingPunct="1">
+        <a:lnSpc>
+          <a:spcPct val="90000"/>
+        </a:lnSpc>
+        <a:spcBef>
+          <a:spcPts val="500"/>
+        </a:spcBef>
+        <a:buFont typeface="Arial" panose="020B0604020202020204" pitchFamily="34" charset="0"/>
+        <a:buChar char="•"/>
+        <a:defRPr sz="1800" kern="1200">
+          <a:solidFill>
+            <a:schemeClr val="tx1"/>
+          </a:solidFill>
+          <a:latin typeface="+mn-lt"/>
+          <a:ea typeface="+mn-ea"/>
+          <a:cs typeface="+mn-cs"/>
+        </a:defRPr>
+      </a:lvl9pPr>
+    </p:bodyStyle>
+    <p:otherStyle>
+      <a:defPPr>
+        <a:defRPr lang="zh-CN"/>
+      </a:defPPr>
+      <a:lvl1pPr marL="0" algn="l" defTabSz="914400" rtl="0" eaLnBrk="1" latinLnBrk="0" hangingPunct="1">
+        <a:defRPr sz="1800" kern="1200">
+          <a:solidFill>
+            <a:schemeClr val="tx1"/>
+          </a:solidFill>
+          <a:latin typeface="+mn-lt"/>
+          <a:ea typeface="+mn-ea"/>
+          <a:cs typeface="+mn-cs"/>
+        </a:defRPr>
+      </a:lvl1pPr>
+      <a:lvl2pPr marL="457200" algn="l" defTabSz="914400" rtl="0" eaLnBrk="1" latinLnBrk="0" hangingPunct="1">
+        <a:defRPr sz="1800" kern="1200">
+          <a:solidFill>
+            <a:schemeClr val="tx1"/>
+          </a:solidFill>
+          <a:latin typeface="+mn-lt"/>
+          <a:ea typeface="+mn-ea"/>
+          <a:cs typeface="+mn-cs"/>
+        </a:defRPr>
+      </a:lvl2pPr>
+      <a:lvl3pPr marL="914400" algn="l" defTabSz="914400" rtl="0" eaLnBrk="1" latinLnBrk="0" hangingPunct="1">
+        <a:defRPr sz="1800" kern="1200">
+          <a:solidFill>
+            <a:schemeClr val="tx1"/>
+          </a:solidFill>
+          <a:latin typeface="+mn-lt"/>
+          <a:ea typeface="+mn-ea"/>
+          <a:cs typeface="+mn-cs"/>
+        </a:defRPr>
+      </a:lvl3pPr>
+      <a:lvl4pPr marL="1371600" algn="l" defTabSz="914400" rtl="0" eaLnBrk="1" latinLnBrk="0" hangingPunct="1">
+        <a:defRPr sz="1800" kern="1200">
+          <a:solidFill>
+            <a:schemeClr val="tx1"/>
+          </a:solidFill>
+          <a:latin typeface="+mn-lt"/>
+          <a:ea typeface="+mn-ea"/>
+          <a:cs typeface="+mn-cs"/>
+        </a:defRPr>
+      </a:lvl4pPr>
+      <a:lvl5pPr marL="1828800" algn="l" defTabSz="914400" rtl="0" eaLnBrk="1" latinLnBrk="0" hangingPunct="1">
+        <a:defRPr sz="1800" kern="1200">
+          <a:solidFill>
+            <a:schemeClr val="tx1"/>
+          </a:solidFill>
+          <a:latin typeface="+mn-lt"/>
+          <a:ea typeface="+mn-ea"/>
+          <a:cs typeface="+mn-cs"/>
+        </a:defRPr>
+      </a:lvl5pPr>
+      <a:lvl6pPr marL="2286000" algn="l" defTabSz="914400" rtl="0" eaLnBrk="1" latinLnBrk="0" hangingPunct="1">
+        <a:defRPr sz="1800" kern="1200">
+          <a:solidFill>
+            <a:schemeClr val="tx1"/>
+          </a:solidFill>
+          <a:latin typeface="+mn-lt"/>
+          <a:ea typeface="+mn-ea"/>
+          <a:cs typeface="+mn-cs"/>
+        </a:defRPr>
+      </a:lvl6pPr>
+      <a:lvl7pPr marL="2743200" algn="l" defTabSz="914400" rtl="0" eaLnBrk="1" latinLnBrk="0" hangingPunct="1">
+        <a:defRPr sz="1800" kern="1200">
+          <a:solidFill>
+            <a:schemeClr val="tx1"/>
+          </a:solidFill>
+          <a:latin typeface="+mn-lt"/>
+          <a:ea typeface="+mn-ea"/>
+          <a:cs typeface="+mn-cs"/>
+        </a:defRPr>
+      </a:lvl7pPr>
+      <a:lvl8pPr marL="3200400" algn="l" defTabSz="914400" rtl="0" eaLnBrk="1" latinLnBrk="0" hangingPunct="1">
+        <a:defRPr sz="1800" kern="1200">
+          <a:solidFill>
+            <a:schemeClr val="tx1"/>
+          </a:solidFill>
+          <a:latin typeface="+mn-lt"/>
+          <a:ea typeface="+mn-ea"/>
+          <a:cs typeface="+mn-cs"/>
+        </a:defRPr>
+      </a:lvl8pPr>
+      <a:lvl9pPr marL="3657600" algn="l" defTabSz="914400" rtl="0" eaLnBrk="1" latinLnBrk="0" hangingPunct="1">
+        <a:defRPr sz="1800" kern="1200">
+          <a:solidFill>
+            <a:schemeClr val="tx1"/>
+          </a:solidFill>
+          <a:latin typeface="+mn-lt"/>
+          <a:ea typeface="+mn-ea"/>
+          <a:cs typeface="+mn-cs"/>
+        </a:defRPr>
+      </a:lvl9pPr>
+    </p:otherStyle>
+  </p:txStyles>
+</p:sldMaster>
 </file>
 
-<file path=ppt/slideLayouts/slideLayout9.xml><?xml version="1.0" encoding="utf-8"?>
-<p:sldLayout xmlns:a="http://schemas.openxmlformats.org/drawingml/2006/main" xmlns:r="http://schemas.openxmlformats.org/officeDocument/2006/relationships" xmlns:p="http://schemas.openxmlformats.org/presentationml/2006/main" type="picTx" preserve="1">
-  <p:cSld name="图片与标题">
-    <p:spTree>
-      <p:nvGrpSpPr>
-        <p:cNvPr id="1" name=""/>
-        <p:cNvGrpSpPr/>
-        <p:nvPr/>
-      </p:nvGrpSpPr>
-      <p:grpSpPr>
-        <a:xfrm>
-          <a:off x="0" y="0"/>
-          <a:ext cx="0" cy="0"/>
-          <a:chOff x="0" y="0"/>
-          <a:chExt cx="0" cy="0"/>
-        </a:xfrm>
-      </p:grpSpPr>
-      <p:sp>
-        <p:nvSpPr>
-          <p:cNvPr id="2" name="标题 1"/>
-          <p:cNvSpPr>
-            <a:spLocks noGrp="1"/>
-          </p:cNvSpPr>
-          <p:nvPr>
-            <p:ph type="title"/>
-          </p:nvPr>
-        </p:nvSpPr>
-        <p:spPr>
-          <a:xfrm>
-            <a:off x="839788" y="457200"/>
-            <a:ext cx="3932237" cy="1600200"/>
-          </a:xfrm>
-        </p:spPr>
-        <p:txBody>
-          <a:bodyPr anchor="b"/>
-          <a:lstStyle>
-            <a:lvl1pPr>
-              <a:defRPr sz="3200"/>
-            </a:lvl1pPr>
-          </a:lstStyle>
-          <a:p>
-            <a:r>
-              <a:rPr lang="zh-CN" altLang="en-US" smtClean="0"/>
-              <a:t>单击此处编辑母版标题样式</a:t>
-            </a:r>
-            <a:endParaRPr lang="zh-CN" altLang="en-US"/>
-          </a:p>
-        </p:txBody>
-      </p:sp>
-      <p:sp>
-        <p:nvSpPr>
-          <p:cNvPr id="3" name="图片占位符 2"/>
-          <p:cNvSpPr>
-            <a:spLocks noGrp="1"/>
-          </p:cNvSpPr>
-          <p:nvPr>
-            <p:ph type="pic" idx="1"/>
-          </p:nvPr>
-        </p:nvSpPr>
-        <p:spPr>
-          <a:xfrm>
-            <a:off x="5183188" y="987425"/>
-            <a:ext cx="6172200" cy="4873625"/>
-          </a:xfrm>
-        </p:spPr>
-        <p:txBody>
-          <a:bodyPr/>
-          <a:lstStyle>
-            <a:lvl1pPr marL="0" indent="0">
-              <a:buNone/>
-              <a:defRPr sz="3200"/>
-            </a:lvl1pPr>
-            <a:lvl2pPr marL="457200" indent="0">
-              <a:buNone/>
-              <a:defRPr sz="2800"/>
-            </a:lvl2pPr>
-            <a:lvl3pPr marL="914400" indent="0">
-              <a:buNone/>
-              <a:defRPr sz="2400"/>
-            </a:lvl3pPr>
-            <a:lvl4pPr marL="1371600" indent="0">
-              <a:buNone/>
-              <a:defRPr sz="2000"/>
-            </a:lvl4pPr>
-            <a:lvl5pPr marL="1828800" indent="0">
-              <a:buNone/>
-              <a:defRPr sz="2000"/>
-            </a:lvl5pPr>
-            <a:lvl6pPr marL="2286000" indent="0">
-              <a:buNone/>
-              <a:defRPr sz="2000"/>
-            </a:lvl6pPr>
-            <a:lvl7pPr marL="2743200" indent="0">
-              <a:buNone/>
-              <a:defRPr sz="2000"/>
-            </a:lvl7pPr>
-            <a:lvl8pPr marL="3200400" indent="0">
-              <a:buNone/>
-              <a:defRPr sz="2000"/>
-            </a:lvl8pPr>
-            <a:lvl9pPr marL="3657600" indent="0">
-              <a:buNone/>
-              <a:defRPr sz="2000"/>
-            </a:lvl9pPr>
-          </a:lstStyle>
-          <a:p>
-            <a:endParaRPr lang="zh-CN" altLang="en-US"/>
-          </a:p>
-        </p:txBody>
-      </p:sp>
-      <p:sp>
-        <p:nvSpPr>
-          <p:cNvPr id="4" name="文本占位符 3"/>
-          <p:cNvSpPr>
-            <a:spLocks noGrp="1"/>
-          </p:cNvSpPr>
-          <p:nvPr>
-            <p:ph type="body" sz="half" idx="2"/>
-          </p:nvPr>
-        </p:nvSpPr>
-        <p:spPr>
-          <a:xfrm>
-            <a:off x="839788" y="2057400"/>
-            <a:ext cx="3932237" cy="3811588"/>
-          </a:xfrm>
-        </p:spPr>
-        <p:txBody>
-          <a:bodyPr/>
-          <a:lstStyle>
-            <a:lvl1pPr marL="0" indent="0">
-              <a:buNone/>
-              <a:defRPr sz="1600"/>
-            </a:lvl1pPr>
-            <a:lvl2pPr marL="457200" indent="0">
-              <a:buNone/>
-              <a:defRPr sz="1400"/>
-            </a:lvl2pPr>
-            <a:lvl3pPr marL="914400" indent="0">
-              <a:buNone/>
-              <a:defRPr sz="1200"/>
-            </a:lvl3pPr>
-            <a:lvl4pPr marL="1371600" indent="0">
-              <a:buNone/>
-              <a:defRPr sz="1000"/>
-            </a:lvl4pPr>
-            <a:lvl5pPr marL="1828800" indent="0">
-              <a:buNone/>
-              <a:defRPr sz="1000"/>
-            </a:lvl5pPr>
-            <a:lvl6pPr marL="2286000" indent="0">
-              <a:buNone/>
-              <a:defRPr sz="1000"/>
-            </a:lvl6pPr>
-            <a:lvl7pPr marL="2743200" indent="0">
-              <a:buNone/>
-              <a:defRPr sz="1000"/>
-            </a:lvl7pPr>
-            <a:lvl8pPr marL="3200400" indent="0">
-              <a:buNone/>
-              <a:defRPr sz="1000"/>
-            </a:lvl8pPr>
-            <a:lvl9pPr marL="3657600" indent="0">
-              <a:buNone/>
-              <a:defRPr sz="1000"/>
-            </a:lvl9pPr>
-          </a:lstStyle>
-          <a:p>
-            <a:pPr lvl="0"/>
-            <a:r>
-              <a:rPr lang="zh-CN" altLang="en-US" smtClean="0"/>
-              <a:t>单击此处编辑母版文本样式</a:t>
-            </a:r>
-            <a:endParaRPr lang="zh-CN" altLang="en-US" smtClean="0"/>
-          </a:p>
-        </p:txBody>
-      </p:sp>
-      <p:sp>
-        <p:nvSpPr>
-          <p:cNvPr id="5" name="日期占位符 4"/>
-          <p:cNvSpPr>
-            <a:spLocks noGrp="1"/>
-          </p:cNvSpPr>
-          <p:nvPr>
-            <p:ph type="dt" sz="half" idx="10"/>
-          </p:nvPr>
-        </p:nvSpPr>
-        <p:spPr/>
-        <p:txBody>
-          <a:bodyPr/>
-          <a:lstStyle/>
-          <a:p>
-            <a:fld id="{D997B5FA-0921-464F-AAE1-844C04324D75}" type="datetimeFigureOut">
-              <a:rPr lang="zh-CN" altLang="en-US" smtClean="0"/>
-            </a:fld>
-            <a:endParaRPr lang="zh-CN" altLang="en-US"/>
-          </a:p>
-        </p:txBody>
-      </p:sp>
-      <p:sp>
-        <p:nvSpPr>
-          <p:cNvPr id="6" name="页脚占位符 5"/>
-          <p:cNvSpPr>
-            <a:spLocks noGrp="1"/>
-          </p:cNvSpPr>
-          <p:nvPr>
-            <p:ph type="ftr" sz="quarter" idx="11"/>
-          </p:nvPr>
-        </p:nvSpPr>
-        <p:spPr/>
-        <p:txBody>
-          <a:bodyPr/>
-          <a:lstStyle/>
-          <a:p>
-            <a:endParaRPr lang="zh-CN" altLang="en-US"/>
-          </a:p>
-        </p:txBody>
-      </p:sp>
-      <p:sp>
-        <p:nvSpPr>
-          <p:cNvPr id="7" name="灯片编号占位符 6"/>
-          <p:cNvSpPr>
-            <a:spLocks noGrp="1"/>
-          </p:cNvSpPr>
-          <p:nvPr>
-            <p:ph type="sldNum" sz="quarter" idx="12"/>
-          </p:nvPr>
-        </p:nvSpPr>
-        <p:spPr/>
-        <p:txBody>
-          <a:bodyPr/>
-          <a:lstStyle/>
-          <a:p>
-            <a:fld id="{565CE74E-AB26-4998-AD42-012C4C1AD076}" type="slidenum">
-              <a:rPr lang="zh-CN" altLang="en-US" smtClean="0"/>
-            </a:fld>
-            <a:endParaRPr lang="zh-CN" altLang="en-US"/>
-          </a:p>
-        </p:txBody>
-      </p:sp>
-    </p:spTree>
-  </p:cSld>
-  <p:clrMapOvr>
-    <a:masterClrMapping/>
-  </p:clrMapOvr>
-</p:sldLayout>
-</file>
-
-<file path=ppt/slideMasters/slideMaster1.xml><?xml version="1.0" encoding="utf-8"?>
+<file path=ppt/slideMasters/slideMaster2.xml><?xml version="1.0" encoding="utf-8"?>
 <p:sldMaster xmlns:a="http://schemas.openxmlformats.org/drawingml/2006/main" xmlns:r="http://schemas.openxmlformats.org/officeDocument/2006/relationships" xmlns:p="http://schemas.openxmlformats.org/presentationml/2006/main">
   <p:cSld>
     <p:bg>
@@ -2622,17 +5147,17 @@
   </p:cSld>
   <p:clrMap bg1="lt1" tx1="dk1" bg2="lt2" tx2="dk2" accent1="accent1" accent2="accent2" accent3="accent3" accent4="accent4" accent5="accent5" accent6="accent6" hlink="hlink" folHlink="folHlink"/>
   <p:sldLayoutIdLst>
-    <p:sldLayoutId id="2147483649" r:id="rId1"/>
-    <p:sldLayoutId id="2147483650" r:id="rId2"/>
-    <p:sldLayoutId id="2147483651" r:id="rId3"/>
-    <p:sldLayoutId id="2147483652" r:id="rId4"/>
-    <p:sldLayoutId id="2147483653" r:id="rId5"/>
-    <p:sldLayoutId id="2147483654" r:id="rId6"/>
-    <p:sldLayoutId id="2147483655" r:id="rId7"/>
-    <p:sldLayoutId id="2147483656" r:id="rId8"/>
-    <p:sldLayoutId id="2147483657" r:id="rId9"/>
-    <p:sldLayoutId id="2147483658" r:id="rId10"/>
-    <p:sldLayoutId id="2147483659" r:id="rId11"/>
+    <p:sldLayoutId id="2147483658" r:id="rId1"/>
+    <p:sldLayoutId id="2147483659" r:id="rId2"/>
+    <p:sldLayoutId id="2147483660" r:id="rId3"/>
+    <p:sldLayoutId id="2147483661" r:id="rId4"/>
+    <p:sldLayoutId id="2147483662" r:id="rId5"/>
+    <p:sldLayoutId id="2147483663" r:id="rId6"/>
+    <p:sldLayoutId id="2147483664" r:id="rId7"/>
+    <p:sldLayoutId id="2147483665" r:id="rId8"/>
+    <p:sldLayoutId id="2147483666" r:id="rId9"/>
+    <p:sldLayoutId id="2147483667" r:id="rId10"/>
+    <p:sldLayoutId id="2147483668" r:id="rId11"/>
   </p:sldLayoutIdLst>
   <p:txStyles>
     <p:titleStyle>
@@ -3203,8 +5728,8 @@
         </p:nvSpPr>
         <p:spPr>
           <a:xfrm>
-            <a:off x="399415" y="1826895"/>
-            <a:ext cx="2774950" cy="2159000"/>
+            <a:off x="224118" y="1456765"/>
+            <a:ext cx="2950882" cy="5080000"/>
           </a:xfrm>
           <a:prstGeom prst="rect">
             <a:avLst/>
@@ -3212,8 +5737,8 @@
           <a:noFill/>
         </p:spPr>
         <p:txBody>
-          <a:bodyPr wrap="square" rtlCol="0">
-            <a:spAutoFit/>
+          <a:bodyPr wrap="square" rtlCol="0" anchor="ctr">
+            <a:noAutofit/>
           </a:bodyPr>
           <a:p>
             <a:r>
@@ -3265,6 +5790,25 @@
               </a:rPr>
               <a:t>Main-process ---</a:t>
             </a:r>
+            <a:endParaRPr lang="en-US" altLang="zh-CN" sz="2400">
+              <a:solidFill>
+                <a:srgbClr val="A9ECF8"/>
+              </a:solidFill>
+              <a:effectLst>
+                <a:outerShdw blurRad="38100" dist="25400" dir="5400000" algn="ctr" rotWithShape="0">
+                  <a:srgbClr val="6E747A">
+                    <a:alpha val="43000"/>
+                  </a:srgbClr>
+                </a:outerShdw>
+              </a:effectLst>
+            </a:endParaRPr>
+          </a:p>
+          <a:p>
+            <a:pPr>
+              <a:lnSpc>
+                <a:spcPct val="200000"/>
+              </a:lnSpc>
+            </a:pPr>
             <a:endParaRPr lang="zh-CN" altLang="en-US" sz="2400">
               <a:solidFill>
                 <a:srgbClr val="A9ECF8"/>
@@ -3285,22 +5829,6 @@
                 <a:spcPct val="260000"/>
               </a:lnSpc>
             </a:pPr>
-            <a:r>
-              <a:rPr lang="en-US" altLang="zh-CN" sz="2400">
-                <a:solidFill>
-                  <a:srgbClr val="A9ECF8"/>
-                </a:solidFill>
-                <a:effectLst>
-                  <a:outerShdw blurRad="38100" dist="25400" dir="5400000" algn="ctr" rotWithShape="0">
-                    <a:srgbClr val="6E747A">
-                      <a:alpha val="43000"/>
-                    </a:srgbClr>
-                  </a:outerShdw>
-                </a:effectLst>
-                <a:sym typeface="+mn-ea"/>
-              </a:rPr>
-              <a:t>Render-process ---</a:t>
-            </a:r>
             <a:endParaRPr lang="en-US" altLang="zh-CN" sz="2400">
               <a:solidFill>
                 <a:srgbClr val="A9ECF8"/>
@@ -3315,36 +5843,14 @@
               <a:sym typeface="+mn-ea"/>
             </a:endParaRPr>
           </a:p>
-        </p:txBody>
-      </p:sp>
-      <p:sp>
-        <p:nvSpPr>
-          <p:cNvPr id="5" name="文本框 4"/>
-          <p:cNvSpPr txBox="1"/>
-          <p:nvPr/>
-        </p:nvSpPr>
-        <p:spPr>
-          <a:xfrm>
-            <a:off x="2494280" y="2304415"/>
-            <a:ext cx="9359265" cy="953135"/>
-          </a:xfrm>
-          <a:prstGeom prst="rect">
-            <a:avLst/>
-          </a:prstGeom>
-          <a:noFill/>
-        </p:spPr>
-        <p:txBody>
-          <a:bodyPr wrap="square" rtlCol="0">
-            <a:spAutoFit/>
-          </a:bodyPr>
-          <a:p>
-            <a:pPr>
+          <a:p>
+            <a:pPr algn="just">
               <a:lnSpc>
-                <a:spcPct val="140000"/>
+                <a:spcPct val="260000"/>
               </a:lnSpc>
             </a:pPr>
             <a:r>
-              <a:rPr lang="en-US" altLang="zh-CN" sz="2000">
+              <a:rPr lang="en-US" altLang="zh-CN" sz="2400">
                 <a:solidFill>
                   <a:srgbClr val="A9ECF8"/>
                 </a:solidFill>
@@ -3355,11 +5861,54 @@
                     </a:srgbClr>
                   </a:outerShdw>
                 </a:effectLst>
-              </a:rPr>
-              <a:t>Electron 运行 package.json 的</a:t>
-            </a:r>
-            <a:r>
-              <a:rPr lang="zh-CN" altLang="en-US" sz="2000">
+                <a:sym typeface="+mn-ea"/>
+              </a:rPr>
+              <a:t>Render-process ---</a:t>
+            </a:r>
+            <a:endParaRPr lang="en-US" altLang="zh-CN" sz="2400">
+              <a:solidFill>
+                <a:srgbClr val="A9ECF8"/>
+              </a:solidFill>
+              <a:effectLst>
+                <a:outerShdw blurRad="38100" dist="25400" dir="5400000" algn="ctr" rotWithShape="0">
+                  <a:srgbClr val="6E747A">
+                    <a:alpha val="43000"/>
+                  </a:srgbClr>
+                </a:outerShdw>
+              </a:effectLst>
+              <a:sym typeface="+mn-ea"/>
+            </a:endParaRPr>
+          </a:p>
+        </p:txBody>
+      </p:sp>
+      <p:sp>
+        <p:nvSpPr>
+          <p:cNvPr id="5" name="文本框 4"/>
+          <p:cNvSpPr txBox="1"/>
+          <p:nvPr/>
+        </p:nvSpPr>
+        <p:spPr>
+          <a:xfrm>
+            <a:off x="2689412" y="2147794"/>
+            <a:ext cx="9506324" cy="1867647"/>
+          </a:xfrm>
+          <a:prstGeom prst="rect">
+            <a:avLst/>
+          </a:prstGeom>
+          <a:noFill/>
+        </p:spPr>
+        <p:txBody>
+          <a:bodyPr wrap="square" rtlCol="0">
+            <a:noAutofit/>
+          </a:bodyPr>
+          <a:p>
+            <a:pPr>
+              <a:lnSpc>
+                <a:spcPct val="140000"/>
+              </a:lnSpc>
+            </a:pPr>
+            <a:r>
+              <a:rPr lang="en-US" altLang="zh-CN" sz="2000">
                 <a:solidFill>
                   <a:srgbClr val="A9ECF8"/>
                 </a:solidFill>
@@ -3371,22 +5920,7 @@
                   </a:outerShdw>
                 </a:effectLst>
               </a:rPr>
-              <a:t>主入口 </a:t>
-            </a:r>
-            <a:r>
-              <a:rPr lang="en-US" altLang="zh-CN" sz="2000">
-                <a:solidFill>
-                  <a:srgbClr val="A9ECF8"/>
-                </a:solidFill>
-                <a:effectLst>
-                  <a:outerShdw blurRad="38100" dist="25400" dir="5400000" algn="ctr" rotWithShape="0">
-                    <a:srgbClr val="6E747A">
-                      <a:alpha val="43000"/>
-                    </a:srgbClr>
-                  </a:outerShdw>
-                </a:effectLst>
-              </a:rPr>
-              <a:t>( default: main.js ) 脚本的进程被称为主进程。 在主进程中运行的脚本通过创建web页面来展示用户界面。 </a:t>
+              <a:t>主进程，通常是名为main.js 的文件，是每个 Electron 应用的入口文件。它控制着整个 App 的生命周期，从打开到关闭。 它也管理着系统原生元素比如菜单，菜单栏，Dock 栏，托盘等。 主进程负责创建 APP 的每个渲染进程。而且整个 Node API 都集成在里面。</a:t>
             </a:r>
             <a:endParaRPr lang="en-US" altLang="zh-CN" sz="2000">
               <a:solidFill>
@@ -3411,8 +5945,8 @@
         </p:nvSpPr>
         <p:spPr>
           <a:xfrm>
-            <a:off x="2710180" y="3316605"/>
-            <a:ext cx="9144000" cy="706755"/>
+            <a:off x="2689412" y="5210735"/>
+            <a:ext cx="9525000" cy="989853"/>
           </a:xfrm>
           <a:prstGeom prst="rect">
             <a:avLst/>
@@ -3421,7 +5955,7 @@
         </p:spPr>
         <p:txBody>
           <a:bodyPr wrap="square" rtlCol="0">
-            <a:spAutoFit/>
+            <a:noAutofit/>
           </a:bodyPr>
           <a:p>
             <a:r>
@@ -3437,7 +5971,7 @@
                   </a:outerShdw>
                 </a:effectLst>
               </a:rPr>
-              <a:t>Electron 使用了 Chromium 来展示 web 页面, 每个 Electron 中的 web 页面运行在它的叫渲染进程的进程中。</a:t>
+              <a:t>在通常的浏览器内，网页通常运行在一个沙盒的环境挡住并且不能够使用原生的资源。 然而 Electron 的用户在 Node.js 的 API 支持下可以在页面中和操作系统进行一些低级别的交互。</a:t>
             </a:r>
             <a:endParaRPr lang="en-US" altLang="zh-CN" sz="2000">
               <a:solidFill>
@@ -5582,40 +8116,134 @@
         <p:nvPr/>
       </p:nvGrpSpPr>
       <p:grpSpPr/>
-      <p:pic>
-        <p:nvPicPr>
-          <p:cNvPr id="3" name="图片 2" descr="4a03bfb6b5133e4457f0baf8e4b82d17"/>
-          <p:cNvPicPr>
-            <a:picLocks noChangeAspect="1"/>
-          </p:cNvPicPr>
-          <p:nvPr/>
-        </p:nvPicPr>
-        <p:blipFill>
-          <a:blip r:embed="rId1"/>
-          <a:stretch>
-            <a:fillRect/>
-          </a:stretch>
-        </p:blipFill>
+      <p:sp>
+        <p:nvSpPr>
+          <p:cNvPr id="5" name="圆角矩形 4"/>
+          <p:cNvSpPr/>
+          <p:nvPr userDrawn="1"/>
+        </p:nvSpPr>
         <p:spPr>
           <a:xfrm>
-            <a:off x="190500" y="238760"/>
-            <a:ext cx="1224915" cy="1224915"/>
+            <a:off x="5864412" y="354853"/>
+            <a:ext cx="6088529" cy="6069853"/>
           </a:xfrm>
-          <a:prstGeom prst="rect">
+          <a:prstGeom prst="roundRect">
             <a:avLst/>
           </a:prstGeom>
+          <a:solidFill>
+            <a:srgbClr val="2E75B6">
+              <a:alpha val="100000"/>
+            </a:srgbClr>
+          </a:solidFill>
+          <a:ln w="12700" cap="flat" cmpd="sng" algn="ctr">
+            <a:solidFill>
+              <a:srgbClr val="AEB5C0">
+                <a:alpha val="100000"/>
+              </a:srgbClr>
+            </a:solidFill>
+            <a:prstDash val="solid"/>
+            <a:miter lim="800000"/>
+          </a:ln>
         </p:spPr>
-      </p:pic>
-      <p:sp>
-        <p:nvSpPr>
-          <p:cNvPr id="8" name="文本框 7"/>
+        <p:style>
+          <a:lnRef idx="2">
+            <a:schemeClr val="accent1">
+              <a:shade val="50000"/>
+            </a:schemeClr>
+          </a:lnRef>
+          <a:fillRef idx="1">
+            <a:schemeClr val="accent1"/>
+          </a:fillRef>
+          <a:effectRef idx="0">
+            <a:schemeClr val="accent1"/>
+          </a:effectRef>
+          <a:fontRef idx="minor">
+            <a:schemeClr val="lt1"/>
+          </a:fontRef>
+        </p:style>
+        <p:txBody>
+          <a:bodyPr wrap="square" rtlCol="0" anchor="ctr">
+            <a:noAutofit/>
+          </a:bodyPr>
+          <a:p>
+            <a:pPr algn="ctr"/>
+            <a:endParaRPr lang="zh-CN" altLang="en-US">
+              <a:solidFill>
+                <a:srgbClr val="000000"/>
+              </a:solidFill>
+            </a:endParaRPr>
+          </a:p>
+        </p:txBody>
+      </p:sp>
+      <p:sp>
+        <p:nvSpPr>
+          <p:cNvPr id="4" name="圆角矩形 3"/>
+          <p:cNvSpPr/>
+          <p:nvPr userDrawn="1"/>
+        </p:nvSpPr>
+        <p:spPr>
+          <a:xfrm>
+            <a:off x="410882" y="336176"/>
+            <a:ext cx="4799853" cy="6088529"/>
+          </a:xfrm>
+          <a:prstGeom prst="roundRect">
+            <a:avLst/>
+          </a:prstGeom>
+          <a:solidFill>
+            <a:srgbClr val="2E75B6">
+              <a:alpha val="100000"/>
+            </a:srgbClr>
+          </a:solidFill>
+          <a:ln w="12700" cap="flat" cmpd="sng" algn="ctr">
+            <a:solidFill>
+              <a:srgbClr val="AEB5C0">
+                <a:alpha val="100000"/>
+              </a:srgbClr>
+            </a:solidFill>
+            <a:prstDash val="solid"/>
+            <a:miter lim="800000"/>
+          </a:ln>
+        </p:spPr>
+        <p:style>
+          <a:lnRef idx="2">
+            <a:schemeClr val="accent1">
+              <a:shade val="50000"/>
+            </a:schemeClr>
+          </a:lnRef>
+          <a:fillRef idx="1">
+            <a:schemeClr val="accent1"/>
+          </a:fillRef>
+          <a:effectRef idx="0">
+            <a:schemeClr val="accent1"/>
+          </a:effectRef>
+          <a:fontRef idx="minor">
+            <a:schemeClr val="lt1"/>
+          </a:fontRef>
+        </p:style>
+        <p:txBody>
+          <a:bodyPr wrap="square" rtlCol="0" anchor="ctr">
+            <a:noAutofit/>
+          </a:bodyPr>
+          <a:p>
+            <a:pPr algn="ctr"/>
+            <a:endParaRPr lang="zh-CN" altLang="en-US">
+              <a:solidFill>
+                <a:srgbClr val="000000"/>
+              </a:solidFill>
+            </a:endParaRPr>
+          </a:p>
+        </p:txBody>
+      </p:sp>
+      <p:sp>
+        <p:nvSpPr>
+          <p:cNvPr id="2" name="文本框 1"/>
           <p:cNvSpPr txBox="1"/>
           <p:nvPr/>
         </p:nvSpPr>
         <p:spPr>
           <a:xfrm>
-            <a:off x="1608455" y="466725"/>
-            <a:ext cx="3994150" cy="768350"/>
+            <a:off x="1270000" y="355145"/>
+            <a:ext cx="3100294" cy="765735"/>
           </a:xfrm>
           <a:prstGeom prst="rect">
             <a:avLst/>
@@ -5624,94 +8252,10 @@
         </p:spPr>
         <p:txBody>
           <a:bodyPr wrap="square" rtlCol="0">
-            <a:spAutoFit/>
+            <a:noAutofit/>
           </a:bodyPr>
           <a:p>
-            <a:r>
-              <a:rPr lang="en-US" altLang="zh-CN" sz="4400">
-                <a:solidFill>
-                  <a:srgbClr val="A9ECF8"/>
-                </a:solidFill>
-                <a:effectLst>
-                  <a:outerShdw blurRad="38100" dist="25400" dir="5400000" algn="ctr" rotWithShape="0">
-                    <a:srgbClr val="6E747A">
-                      <a:alpha val="43000"/>
-                    </a:srgbClr>
-                  </a:outerShdw>
-                </a:effectLst>
-                <a:sym typeface="+mn-ea"/>
-              </a:rPr>
-              <a:t>E</a:t>
-            </a:r>
-            <a:r>
-              <a:rPr lang="zh-CN" altLang="en-US" sz="4400">
-                <a:solidFill>
-                  <a:srgbClr val="A9ECF8"/>
-                </a:solidFill>
-                <a:effectLst>
-                  <a:outerShdw blurRad="38100" dist="25400" dir="5400000" algn="ctr" rotWithShape="0">
-                    <a:srgbClr val="6E747A">
-                      <a:alpha val="43000"/>
-                    </a:srgbClr>
-                  </a:outerShdw>
-                </a:effectLst>
-                <a:sym typeface="+mn-ea"/>
-              </a:rPr>
-              <a:t>lectron </a:t>
-            </a:r>
-            <a:r>
-              <a:rPr lang="en-US" altLang="zh-CN" sz="4400">
-                <a:solidFill>
-                  <a:srgbClr val="A9ECF8"/>
-                </a:solidFill>
-                <a:effectLst>
-                  <a:outerShdw blurRad="38100" dist="25400" dir="5400000" algn="ctr" rotWithShape="0">
-                    <a:srgbClr val="6E747A">
-                      <a:alpha val="43000"/>
-                    </a:srgbClr>
-                  </a:outerShdw>
-                </a:effectLst>
-                <a:sym typeface="+mn-ea"/>
-              </a:rPr>
-              <a:t>API	</a:t>
-            </a:r>
-            <a:endParaRPr lang="en-US" altLang="zh-CN" sz="4400">
-              <a:solidFill>
-                <a:srgbClr val="A9ECF8"/>
-              </a:solidFill>
-              <a:effectLst>
-                <a:outerShdw blurRad="38100" dist="25400" dir="5400000" algn="ctr" rotWithShape="0">
-                  <a:srgbClr val="6E747A">
-                    <a:alpha val="43000"/>
-                  </a:srgbClr>
-                </a:outerShdw>
-              </a:effectLst>
-              <a:sym typeface="+mn-ea"/>
-            </a:endParaRPr>
-          </a:p>
-        </p:txBody>
-      </p:sp>
-      <p:sp>
-        <p:nvSpPr>
-          <p:cNvPr id="2" name="文本框 1"/>
-          <p:cNvSpPr txBox="1"/>
-          <p:nvPr/>
-        </p:nvSpPr>
-        <p:spPr>
-          <a:xfrm>
-            <a:off x="1597025" y="1222375"/>
-            <a:ext cx="3781425" cy="768350"/>
-          </a:xfrm>
-          <a:prstGeom prst="rect">
-            <a:avLst/>
-          </a:prstGeom>
-          <a:noFill/>
-        </p:spPr>
-        <p:txBody>
-          <a:bodyPr wrap="square" rtlCol="0">
-            <a:spAutoFit/>
-          </a:bodyPr>
-          <a:p>
+            <a:pPr algn="ctr"/>
             <a:r>
               <a:rPr lang="zh-CN" altLang="en-US" sz="4400">
                 <a:solidFill>
@@ -5750,8 +8294,8 @@
         </p:nvSpPr>
         <p:spPr>
           <a:xfrm>
-            <a:off x="516890" y="2221230"/>
-            <a:ext cx="5085715" cy="3753485"/>
+            <a:off x="466912" y="877794"/>
+            <a:ext cx="4743824" cy="5173382"/>
           </a:xfrm>
           <a:prstGeom prst="rect">
             <a:avLst/>
@@ -5760,7 +8304,7 @@
         </p:spPr>
         <p:txBody>
           <a:bodyPr wrap="square" rtlCol="0" anchor="t">
-            <a:spAutoFit/>
+            <a:noAutofit/>
           </a:bodyPr>
           <a:p>
             <a:r>
@@ -5930,7 +8474,7 @@
                 </a:effectLst>
                 <a:sym typeface="+mn-ea"/>
               </a:rPr>
-              <a:t>	getCurrentWindow</a:t>
+              <a:t>	getCurrentWindow,</a:t>
             </a:r>
             <a:endParaRPr lang="en-US" altLang="zh-CN" sz="2000">
               <a:solidFill>
@@ -5976,6 +8520,169 @@
             </a:endParaRPr>
           </a:p>
           <a:p>
+            <a:r>
+              <a:rPr lang="en-US" altLang="zh-CN" sz="2000">
+                <a:solidFill>
+                  <a:srgbClr val="A9ECF8"/>
+                </a:solidFill>
+                <a:effectLst>
+                  <a:outerShdw blurRad="38100" dist="25400" dir="5400000" algn="ctr" rotWithShape="0">
+                    <a:srgbClr val="6E747A">
+                      <a:alpha val="43000"/>
+                    </a:srgbClr>
+                  </a:outerShdw>
+                </a:effectLst>
+              </a:rPr>
+              <a:t>const {</a:t>
+            </a:r>
+            <a:endParaRPr lang="en-US" altLang="zh-CN" sz="2000">
+              <a:solidFill>
+                <a:srgbClr val="A9ECF8"/>
+              </a:solidFill>
+              <a:effectLst>
+                <a:outerShdw blurRad="38100" dist="25400" dir="5400000" algn="ctr" rotWithShape="0">
+                  <a:srgbClr val="6E747A">
+                    <a:alpha val="43000"/>
+                  </a:srgbClr>
+                </a:outerShdw>
+              </a:effectLst>
+            </a:endParaRPr>
+          </a:p>
+          <a:p>
+            <a:r>
+              <a:rPr lang="en-US" altLang="zh-CN" sz="2000">
+                <a:solidFill>
+                  <a:srgbClr val="A9ECF8"/>
+                </a:solidFill>
+                <a:effectLst>
+                  <a:outerShdw blurRad="38100" dist="25400" dir="5400000" algn="ctr" rotWithShape="0">
+                    <a:srgbClr val="6E747A">
+                      <a:alpha val="43000"/>
+                    </a:srgbClr>
+                  </a:outerShdw>
+                </a:effectLst>
+              </a:rPr>
+              <a:t>	shell,</a:t>
+            </a:r>
+            <a:endParaRPr lang="en-US" altLang="zh-CN" sz="2000">
+              <a:solidFill>
+                <a:srgbClr val="A9ECF8"/>
+              </a:solidFill>
+              <a:effectLst>
+                <a:outerShdw blurRad="38100" dist="25400" dir="5400000" algn="ctr" rotWithShape="0">
+                  <a:srgbClr val="6E747A">
+                    <a:alpha val="43000"/>
+                  </a:srgbClr>
+                </a:outerShdw>
+              </a:effectLst>
+            </a:endParaRPr>
+          </a:p>
+          <a:p>
+            <a:r>
+              <a:rPr lang="en-US" altLang="zh-CN" sz="2000">
+                <a:solidFill>
+                  <a:srgbClr val="A9ECF8"/>
+                </a:solidFill>
+                <a:effectLst>
+                  <a:outerShdw blurRad="38100" dist="25400" dir="5400000" algn="ctr" rotWithShape="0">
+                    <a:srgbClr val="6E747A">
+                      <a:alpha val="43000"/>
+                    </a:srgbClr>
+                  </a:outerShdw>
+                </a:effectLst>
+              </a:rPr>
+              <a:t>	getCurrentWindow,</a:t>
+            </a:r>
+            <a:endParaRPr lang="en-US" altLang="zh-CN" sz="2000">
+              <a:solidFill>
+                <a:srgbClr val="A9ECF8"/>
+              </a:solidFill>
+              <a:effectLst>
+                <a:outerShdw blurRad="38100" dist="25400" dir="5400000" algn="ctr" rotWithShape="0">
+                  <a:srgbClr val="6E747A">
+                    <a:alpha val="43000"/>
+                  </a:srgbClr>
+                </a:outerShdw>
+              </a:effectLst>
+            </a:endParaRPr>
+          </a:p>
+          <a:p>
+            <a:r>
+              <a:rPr lang="en-US" altLang="zh-CN" sz="2000">
+                <a:solidFill>
+                  <a:srgbClr val="A9ECF8"/>
+                </a:solidFill>
+                <a:effectLst>
+                  <a:outerShdw blurRad="38100" dist="25400" dir="5400000" algn="ctr" rotWithShape="0">
+                    <a:srgbClr val="6E747A">
+                      <a:alpha val="43000"/>
+                    </a:srgbClr>
+                  </a:outerShdw>
+                </a:effectLst>
+                <a:latin typeface="Calibri" panose="020F0502020204030204" charset="0"/>
+                <a:ea typeface="Calibri" panose="020F0502020204030204" charset="0"/>
+              </a:rPr>
+              <a:t>	ipcRenderer</a:t>
+            </a:r>
+            <a:endParaRPr lang="en-US" altLang="zh-CN" sz="2000">
+              <a:solidFill>
+                <a:srgbClr val="A9ECF8"/>
+              </a:solidFill>
+              <a:effectLst>
+                <a:outerShdw blurRad="38100" dist="25400" dir="5400000" algn="ctr" rotWithShape="0">
+                  <a:srgbClr val="6E747A">
+                    <a:alpha val="43000"/>
+                  </a:srgbClr>
+                </a:outerShdw>
+              </a:effectLst>
+            </a:endParaRPr>
+          </a:p>
+          <a:p>
+            <a:r>
+              <a:rPr lang="en-US" altLang="zh-CN" sz="2000">
+                <a:solidFill>
+                  <a:srgbClr val="A9ECF8"/>
+                </a:solidFill>
+                <a:effectLst>
+                  <a:outerShdw blurRad="38100" dist="25400" dir="5400000" algn="ctr" rotWithShape="0">
+                    <a:srgbClr val="6E747A">
+                      <a:alpha val="43000"/>
+                    </a:srgbClr>
+                  </a:outerShdw>
+                </a:effectLst>
+              </a:rPr>
+              <a:t>} </a:t>
+            </a:r>
+            <a:r>
+              <a:rPr lang="zh-CN" altLang="en-US" sz="2000">
+                <a:solidFill>
+                  <a:srgbClr val="A9ECF8"/>
+                </a:solidFill>
+                <a:effectLst>
+                  <a:outerShdw blurRad="38100" dist="25400" dir="5400000" algn="ctr" rotWithShape="0">
+                    <a:srgbClr val="6E747A">
+                      <a:alpha val="43000"/>
+                    </a:srgbClr>
+                  </a:outerShdw>
+                </a:effectLst>
+              </a:rPr>
+              <a:t>= </a:t>
+            </a:r>
+            <a:r>
+              <a:rPr lang="en-US" altLang="zh-CN" sz="2000">
+                <a:solidFill>
+                  <a:srgbClr val="A9ECF8"/>
+                </a:solidFill>
+                <a:effectLst>
+                  <a:outerShdw blurRad="38100" dist="25400" dir="5400000" algn="ctr" rotWithShape="0">
+                    <a:srgbClr val="6E747A">
+                      <a:alpha val="43000"/>
+                    </a:srgbClr>
+                  </a:outerShdw>
+                </a:effectLst>
+              </a:rPr>
+              <a:t>require('electron')</a:t>
+            </a:r>
             <a:endParaRPr lang="en-US" altLang="zh-CN" sz="2000">
               <a:solidFill>
                 <a:srgbClr val="A9ECF8"/>
@@ -6131,6 +8838,131 @@
               <a:sym typeface="+mn-ea"/>
             </a:endParaRPr>
           </a:p>
+          <a:p>
+            <a:r>
+              <a:rPr lang="en-US" altLang="zh-CN" sz="2000">
+                <a:solidFill>
+                  <a:srgbClr val="A9ECF8"/>
+                </a:solidFill>
+                <a:effectLst>
+                  <a:outerShdw blurRad="38100" dist="25400" dir="5400000" algn="ctr" rotWithShape="0">
+                    <a:srgbClr val="6E747A">
+                      <a:alpha val="43000"/>
+                    </a:srgbClr>
+                  </a:outerShdw>
+                </a:effectLst>
+                <a:sym typeface="+mn-ea"/>
+              </a:rPr>
+              <a:t>shell.openExternal()  // </a:t>
+            </a:r>
+            <a:r>
+              <a:rPr lang="zh-CN" altLang="en-US" sz="2000">
+                <a:solidFill>
+                  <a:srgbClr val="A9ECF8"/>
+                </a:solidFill>
+                <a:effectLst>
+                  <a:outerShdw blurRad="38100" dist="25400" dir="5400000" algn="ctr" rotWithShape="0">
+                    <a:srgbClr val="6E747A">
+                      <a:alpha val="43000"/>
+                    </a:srgbClr>
+                  </a:outerShdw>
+                </a:effectLst>
+                <a:sym typeface="+mn-ea"/>
+              </a:rPr>
+              <a:t>当前窗口打开</a:t>
+            </a:r>
+            <a:endParaRPr lang="zh-CN" altLang="en-US" sz="2000">
+              <a:solidFill>
+                <a:srgbClr val="A9ECF8"/>
+              </a:solidFill>
+              <a:effectLst>
+                <a:outerShdw blurRad="38100" dist="25400" dir="5400000" algn="ctr" rotWithShape="0">
+                  <a:srgbClr val="6E747A">
+                    <a:alpha val="43000"/>
+                  </a:srgbClr>
+                </a:outerShdw>
+              </a:effectLst>
+              <a:sym typeface="+mn-ea"/>
+            </a:endParaRPr>
+          </a:p>
+          <a:p>
+            <a:r>
+              <a:rPr lang="zh-CN" altLang="en-US" sz="2000">
+                <a:solidFill>
+                  <a:srgbClr val="A9ECF8"/>
+                </a:solidFill>
+                <a:effectLst>
+                  <a:outerShdw blurRad="38100" dist="25400" dir="5400000" algn="ctr" rotWithShape="0">
+                    <a:srgbClr val="6E747A">
+                      <a:alpha val="43000"/>
+                    </a:srgbClr>
+                  </a:outerShdw>
+                </a:effectLst>
+                <a:sym typeface="+mn-ea"/>
+              </a:rPr>
+              <a:t>  getCurrentWindow</a:t>
+            </a:r>
+            <a:r>
+              <a:rPr lang="en-US" altLang="zh-CN" sz="2000">
+                <a:solidFill>
+                  <a:srgbClr val="A9ECF8"/>
+                </a:solidFill>
+                <a:effectLst>
+                  <a:outerShdw blurRad="38100" dist="25400" dir="5400000" algn="ctr" rotWithShape="0">
+                    <a:srgbClr val="6E747A">
+                      <a:alpha val="43000"/>
+                    </a:srgbClr>
+                  </a:outerShdw>
+                </a:effectLst>
+                <a:sym typeface="+mn-ea"/>
+              </a:rPr>
+              <a:t>().loadURL() // </a:t>
+            </a:r>
+            <a:r>
+              <a:rPr lang="zh-CN" altLang="en-US" sz="2000">
+                <a:solidFill>
+                  <a:srgbClr val="A9ECF8"/>
+                </a:solidFill>
+                <a:effectLst>
+                  <a:outerShdw blurRad="38100" dist="25400" dir="5400000" algn="ctr" rotWithShape="0">
+                    <a:srgbClr val="6E747A">
+                      <a:alpha val="43000"/>
+                    </a:srgbClr>
+                  </a:outerShdw>
+                </a:effectLst>
+                <a:sym typeface="+mn-ea"/>
+              </a:rPr>
+              <a:t>同上</a:t>
+            </a:r>
+            <a:endParaRPr lang="zh-CN" altLang="en-US" sz="2000">
+              <a:solidFill>
+                <a:srgbClr val="A9ECF8"/>
+              </a:solidFill>
+              <a:effectLst>
+                <a:outerShdw blurRad="38100" dist="25400" dir="5400000" algn="ctr" rotWithShape="0">
+                  <a:srgbClr val="6E747A">
+                    <a:alpha val="43000"/>
+                  </a:srgbClr>
+                </a:outerShdw>
+              </a:effectLst>
+              <a:sym typeface="+mn-ea"/>
+            </a:endParaRPr>
+          </a:p>
+          <a:p>
+            <a:endParaRPr lang="zh-CN" altLang="en-US" sz="2000">
+              <a:solidFill>
+                <a:srgbClr val="A9ECF8"/>
+              </a:solidFill>
+              <a:effectLst>
+                <a:outerShdw blurRad="38100" dist="25400" dir="5400000" algn="ctr" rotWithShape="0">
+                  <a:srgbClr val="6E747A">
+                    <a:alpha val="43000"/>
+                  </a:srgbClr>
+                </a:outerShdw>
+              </a:effectLst>
+              <a:sym typeface="+mn-ea"/>
+            </a:endParaRPr>
+          </a:p>
         </p:txBody>
       </p:sp>
       <p:sp>
@@ -6141,8 +8973,8 @@
         </p:nvSpPr>
         <p:spPr>
           <a:xfrm>
-            <a:off x="7033895" y="1235075"/>
-            <a:ext cx="3781425" cy="768350"/>
+            <a:off x="6424706" y="373821"/>
+            <a:ext cx="4949265" cy="765735"/>
           </a:xfrm>
           <a:prstGeom prst="rect">
             <a:avLst/>
@@ -6151,9 +8983,10 @@
         </p:spPr>
         <p:txBody>
           <a:bodyPr wrap="square" rtlCol="0">
-            <a:spAutoFit/>
+            <a:noAutofit/>
           </a:bodyPr>
           <a:p>
+            <a:pPr algn="ctr"/>
             <a:r>
               <a:rPr lang="en-US" altLang="zh-CN" sz="4400">
                 <a:solidFill>
@@ -6207,8 +9040,8 @@
         </p:nvSpPr>
         <p:spPr>
           <a:xfrm>
-            <a:off x="5729605" y="2207895"/>
-            <a:ext cx="5085715" cy="4399915"/>
+            <a:off x="5864412" y="971176"/>
+            <a:ext cx="6125882" cy="5453529"/>
           </a:xfrm>
           <a:prstGeom prst="rect">
             <a:avLst/>
@@ -6217,7 +9050,7 @@
         </p:spPr>
         <p:txBody>
           <a:bodyPr wrap="square" rtlCol="0" anchor="t">
-            <a:spAutoFit/>
+            <a:noAutofit/>
           </a:bodyPr>
           <a:p>
             <a:r>
@@ -6354,6 +9187,37 @@
                     </a:srgbClr>
                   </a:outerShdw>
                 </a:effectLst>
+                <a:sym typeface="+mn-ea"/>
+              </a:rPr>
+              <a:t>	ipcMain</a:t>
+            </a:r>
+            <a:endParaRPr lang="en-US" altLang="zh-CN" sz="2000">
+              <a:solidFill>
+                <a:srgbClr val="A9ECF8"/>
+              </a:solidFill>
+              <a:effectLst>
+                <a:outerShdw blurRad="38100" dist="25400" dir="5400000" algn="ctr" rotWithShape="0">
+                  <a:srgbClr val="6E747A">
+                    <a:alpha val="43000"/>
+                  </a:srgbClr>
+                </a:outerShdw>
+              </a:effectLst>
+              <a:sym typeface="+mn-ea"/>
+            </a:endParaRPr>
+          </a:p>
+          <a:p>
+            <a:r>
+              <a:rPr lang="en-US" altLang="zh-CN" sz="2000">
+                <a:solidFill>
+                  <a:srgbClr val="A9ECF8"/>
+                </a:solidFill>
+                <a:effectLst>
+                  <a:outerShdw blurRad="38100" dist="25400" dir="5400000" algn="ctr" rotWithShape="0">
+                    <a:srgbClr val="6E747A">
+                      <a:alpha val="43000"/>
+                    </a:srgbClr>
+                  </a:outerShdw>
+                </a:effectLst>
               </a:rPr>
               <a:t>} = require('electron');</a:t>
             </a:r>
@@ -6398,10 +9262,10 @@
                   </a:outerShdw>
                 </a:effectLst>
               </a:rPr>
-              <a:t>globalShortcut.register</a:t>
-            </a:r>
-            <a:r>
-              <a:rPr lang="en-US" altLang="zh-CN" sz="2000">
+              <a:t>globalShortcut.register()  // </a:t>
+            </a:r>
+            <a:r>
+              <a:rPr lang="zh-CN" altLang="en-US" sz="2000">
                 <a:solidFill>
                   <a:srgbClr val="A9ECF8"/>
                 </a:solidFill>
@@ -6413,37 +9277,7 @@
                   </a:outerShdw>
                 </a:effectLst>
               </a:rPr>
-              <a:t>()  // </a:t>
-            </a:r>
-            <a:r>
-              <a:rPr lang="zh-CN" altLang="en-US" sz="2000">
-                <a:solidFill>
-                  <a:srgbClr val="A9ECF8"/>
-                </a:solidFill>
-                <a:effectLst>
-                  <a:outerShdw blurRad="38100" dist="25400" dir="5400000" algn="ctr" rotWithShape="0">
-                    <a:srgbClr val="6E747A">
-                      <a:alpha val="43000"/>
-                    </a:srgbClr>
-                  </a:outerShdw>
-                </a:effectLst>
-              </a:rPr>
-              <a:t>全局</a:t>
-            </a:r>
-            <a:r>
-              <a:rPr lang="zh-CN" altLang="en-US" sz="2000">
-                <a:solidFill>
-                  <a:srgbClr val="A9ECF8"/>
-                </a:solidFill>
-                <a:effectLst>
-                  <a:outerShdw blurRad="38100" dist="25400" dir="5400000" algn="ctr" rotWithShape="0">
-                    <a:srgbClr val="6E747A">
-                      <a:alpha val="43000"/>
-                    </a:srgbClr>
-                  </a:outerShdw>
-                </a:effectLst>
-              </a:rPr>
-              <a:t>注册快捷键</a:t>
+              <a:t>全局注册快捷键</a:t>
             </a:r>
             <a:endParaRPr lang="zh-CN" altLang="en-US" sz="2000">
               <a:solidFill>
@@ -12423,6 +15257,205 @@
 </file>
 
 <file path=ppt/theme/theme1.xml><?xml version="1.0" encoding="utf-8"?>
+<a:theme xmlns:a="http://schemas.openxmlformats.org/drawingml/2006/main" name="webwppDefTheme">
+  <a:themeElements>
+    <a:clrScheme name="Office">
+      <a:dk1>
+        <a:sysClr val="windowText" lastClr="000000"/>
+      </a:dk1>
+      <a:lt1>
+        <a:sysClr val="window" lastClr="FFFFFF"/>
+      </a:lt1>
+      <a:dk2>
+        <a:srgbClr val="44546A"/>
+      </a:dk2>
+      <a:lt2>
+        <a:srgbClr val="E7E6E6"/>
+      </a:lt2>
+      <a:accent1>
+        <a:srgbClr val="5B9BD5"/>
+      </a:accent1>
+      <a:accent2>
+        <a:srgbClr val="ED7D31"/>
+      </a:accent2>
+      <a:accent3>
+        <a:srgbClr val="A5A5A5"/>
+      </a:accent3>
+      <a:accent4>
+        <a:srgbClr val="FFC000"/>
+      </a:accent4>
+      <a:accent5>
+        <a:srgbClr val="4472C4"/>
+      </a:accent5>
+      <a:accent6>
+        <a:srgbClr val="70AD47"/>
+      </a:accent6>
+      <a:hlink>
+        <a:srgbClr val="0563C1"/>
+      </a:hlink>
+      <a:folHlink>
+        <a:srgbClr val="954F72"/>
+      </a:folHlink>
+    </a:clrScheme>
+    <a:fontScheme name="自定义 9">
+      <a:majorFont>
+        <a:latin typeface="Arial"/>
+        <a:ea typeface="微软雅黑"/>
+        <a:cs typeface=""/>
+      </a:majorFont>
+      <a:minorFont>
+        <a:latin typeface="Arial"/>
+        <a:ea typeface="微软雅黑"/>
+        <a:cs typeface=""/>
+      </a:minorFont>
+    </a:fontScheme>
+    <a:fmtScheme name="Office">
+      <a:fillStyleLst>
+        <a:solidFill>
+          <a:schemeClr val="phClr"/>
+        </a:solidFill>
+        <a:gradFill rotWithShape="1">
+          <a:gsLst>
+            <a:gs pos="0">
+              <a:schemeClr val="phClr">
+                <a:lumMod val="110000"/>
+                <a:satMod val="105000"/>
+                <a:tint val="67000"/>
+              </a:schemeClr>
+            </a:gs>
+            <a:gs pos="50000">
+              <a:schemeClr val="phClr">
+                <a:lumMod val="105000"/>
+                <a:satMod val="103000"/>
+                <a:tint val="73000"/>
+              </a:schemeClr>
+            </a:gs>
+            <a:gs pos="100000">
+              <a:schemeClr val="phClr">
+                <a:lumMod val="105000"/>
+                <a:satMod val="109000"/>
+                <a:tint val="81000"/>
+              </a:schemeClr>
+            </a:gs>
+          </a:gsLst>
+          <a:lin ang="5400000" scaled="0"/>
+        </a:gradFill>
+        <a:gradFill rotWithShape="1">
+          <a:gsLst>
+            <a:gs pos="0">
+              <a:schemeClr val="phClr">
+                <a:satMod val="103000"/>
+                <a:lumMod val="102000"/>
+                <a:tint val="94000"/>
+              </a:schemeClr>
+            </a:gs>
+            <a:gs pos="50000">
+              <a:schemeClr val="phClr">
+                <a:satMod val="110000"/>
+                <a:lumMod val="100000"/>
+                <a:shade val="100000"/>
+              </a:schemeClr>
+            </a:gs>
+            <a:gs pos="100000">
+              <a:schemeClr val="phClr">
+                <a:lumMod val="99000"/>
+                <a:satMod val="120000"/>
+                <a:shade val="78000"/>
+              </a:schemeClr>
+            </a:gs>
+          </a:gsLst>
+          <a:lin ang="5400000" scaled="0"/>
+        </a:gradFill>
+      </a:fillStyleLst>
+      <a:lnStyleLst>
+        <a:ln w="6350" cap="flat" cmpd="sng" algn="ctr">
+          <a:solidFill>
+            <a:schemeClr val="phClr"/>
+          </a:solidFill>
+          <a:prstDash val="solid"/>
+          <a:miter lim="800000"/>
+        </a:ln>
+        <a:ln w="12700" cap="flat" cmpd="sng" algn="ctr">
+          <a:solidFill>
+            <a:schemeClr val="phClr"/>
+          </a:solidFill>
+          <a:prstDash val="solid"/>
+          <a:miter lim="800000"/>
+        </a:ln>
+        <a:ln w="19050" cap="flat" cmpd="sng" algn="ctr">
+          <a:solidFill>
+            <a:schemeClr val="phClr"/>
+          </a:solidFill>
+          <a:prstDash val="solid"/>
+          <a:miter lim="800000"/>
+        </a:ln>
+      </a:lnStyleLst>
+      <a:effectStyleLst>
+        <a:effectStyle>
+          <a:effectLst/>
+        </a:effectStyle>
+        <a:effectStyle>
+          <a:effectLst/>
+        </a:effectStyle>
+        <a:effectStyle>
+          <a:effectLst>
+            <a:outerShdw blurRad="57150" dist="19050" dir="5400000" algn="ctr" rotWithShape="0">
+              <a:srgbClr val="000000">
+                <a:alpha val="63000"/>
+              </a:srgbClr>
+            </a:outerShdw>
+          </a:effectLst>
+        </a:effectStyle>
+      </a:effectStyleLst>
+      <a:bgFillStyleLst>
+        <a:solidFill>
+          <a:schemeClr val="phClr"/>
+        </a:solidFill>
+        <a:solidFill>
+          <a:schemeClr val="phClr">
+            <a:tint val="95000"/>
+            <a:satMod val="170000"/>
+          </a:schemeClr>
+        </a:solidFill>
+        <a:gradFill rotWithShape="1">
+          <a:gsLst>
+            <a:gs pos="0">
+              <a:schemeClr val="phClr">
+                <a:tint val="93000"/>
+                <a:satMod val="150000"/>
+                <a:shade val="98000"/>
+                <a:lumMod val="102000"/>
+              </a:schemeClr>
+            </a:gs>
+            <a:gs pos="50000">
+              <a:schemeClr val="phClr">
+                <a:tint val="98000"/>
+                <a:satMod val="130000"/>
+                <a:shade val="90000"/>
+                <a:lumMod val="103000"/>
+              </a:schemeClr>
+            </a:gs>
+            <a:gs pos="100000">
+              <a:schemeClr val="phClr">
+                <a:shade val="63000"/>
+                <a:satMod val="120000"/>
+              </a:schemeClr>
+            </a:gs>
+          </a:gsLst>
+          <a:lin ang="5400000" scaled="0"/>
+        </a:gradFill>
+      </a:bgFillStyleLst>
+    </a:fmtScheme>
+  </a:themeElements>
+  <a:extLst>
+    <a:ext uri="{05A4C25C-085E-4340-85A3-A5531E510DB2}">
+      <thm15:themeFamily xmlns:thm15="http://schemas.microsoft.com/office/thememl/2012/main" name="Office Theme" id="{62F939B6-93AF-4DB8-9C6B-D6C7DFDC589F}" vid="{4A3C46E8-61CC-4603-A589-7422A47A8E4A}"/>
+    </a:ext>
+  </a:extLst>
+</a:theme>
+</file>
+
+<file path=ppt/theme/theme2.xml><?xml version="1.0" encoding="utf-8"?>
 <a:theme xmlns:a="http://schemas.openxmlformats.org/drawingml/2006/main" name="Office 主题">
   <a:themeElements>
     <a:clrScheme name="Office">

--- a/ppt/electron.pptx
+++ b/ppt/electron.pptx
@@ -5701,9 +5701,27 @@
                     </a:srgbClr>
                   </a:outerShdw>
                 </a:effectLst>
+                <a:latin typeface="Calibri" panose="020F0502020204030204" charset="0"/>
+                <a:ea typeface="Calibri" panose="020F0502020204030204" charset="0"/>
                 <a:sym typeface="+mn-ea"/>
               </a:rPr>
-              <a:t>和 </a:t>
+              <a:t>与</a:t>
+            </a:r>
+            <a:r>
+              <a:rPr lang="zh-CN" altLang="en-US" sz="4400">
+                <a:solidFill>
+                  <a:srgbClr val="A9ECF8"/>
+                </a:solidFill>
+                <a:effectLst>
+                  <a:outerShdw blurRad="38100" dist="25400" dir="5400000" algn="ctr" rotWithShape="0">
+                    <a:srgbClr val="6E747A">
+                      <a:alpha val="43000"/>
+                    </a:srgbClr>
+                  </a:outerShdw>
+                </a:effectLst>
+                <a:sym typeface="+mn-ea"/>
+              </a:rPr>
+              <a:t> </a:t>
             </a:r>
             <a:r>
               <a:rPr lang="en-US" altLang="zh-CN" sz="4400">
@@ -5735,7 +5753,7 @@
                 </a:effectLst>
                 <a:sym typeface="+mn-ea"/>
               </a:rPr>
-              <a:t>开发和调试差异</a:t>
+              <a:t>开发调试 差异</a:t>
             </a:r>
             <a:endParaRPr lang="zh-CN" altLang="en-US" sz="4400">
               <a:solidFill>
@@ -6501,7 +6519,7 @@
         </p:nvSpPr>
         <p:spPr>
           <a:xfrm>
-            <a:off x="4112260" y="5863590"/>
+            <a:off x="10128389" y="5784215"/>
             <a:ext cx="1209040" cy="368300"/>
           </a:xfrm>
           <a:prstGeom prst="rect">
@@ -6516,12 +6534,14 @@
           <a:p>
             <a:pPr algn="ctr"/>
             <a:r>
-              <a:rPr lang="en-US" altLang="zh-CN">
-                <a:solidFill>
-                  <a:schemeClr val="bg1"/>
-                </a:solidFill>
-              </a:rPr>
-              <a:t>watch-run</a:t>
+              <a:rPr lang="zh-CN" altLang="en-US">
+                <a:solidFill>
+                  <a:srgbClr val="FFFFFF"/>
+                </a:solidFill>
+                <a:latin typeface="Calibri" panose="020F0502020204030204" charset="0"/>
+                <a:ea typeface="Calibri" panose="020F0502020204030204" charset="0"/>
+              </a:rPr>
+              <a:t>文件协议</a:t>
             </a:r>
             <a:endParaRPr lang="en-US" altLang="zh-CN">
               <a:solidFill>
@@ -6630,9 +6650,27 @@
                     </a:srgbClr>
                   </a:outerShdw>
                 </a:effectLst>
+                <a:latin typeface="Calibri" panose="020F0502020204030204" charset="0"/>
+                <a:ea typeface="Calibri" panose="020F0502020204030204" charset="0"/>
                 <a:sym typeface="+mn-ea"/>
               </a:rPr>
-              <a:t>和 </a:t>
+              <a:t>与</a:t>
+            </a:r>
+            <a:r>
+              <a:rPr lang="zh-CN" altLang="en-US" sz="4400">
+                <a:solidFill>
+                  <a:srgbClr val="A9ECF8"/>
+                </a:solidFill>
+                <a:effectLst>
+                  <a:outerShdw blurRad="38100" dist="25400" dir="5400000" algn="ctr" rotWithShape="0">
+                    <a:srgbClr val="6E747A">
+                      <a:alpha val="43000"/>
+                    </a:srgbClr>
+                  </a:outerShdw>
+                </a:effectLst>
+                <a:sym typeface="+mn-ea"/>
+              </a:rPr>
+              <a:t> </a:t>
             </a:r>
             <a:r>
               <a:rPr lang="en-US" altLang="zh-CN" sz="4400">
@@ -6664,7 +6702,7 @@
                 </a:effectLst>
                 <a:sym typeface="+mn-ea"/>
               </a:rPr>
-              <a:t>构建和发布差异</a:t>
+              <a:t>构建发布 差异</a:t>
             </a:r>
             <a:endParaRPr lang="zh-CN" altLang="en-US" sz="4400">
               <a:solidFill>
@@ -7415,8 +7453,8 @@
         </p:nvSpPr>
         <p:spPr>
           <a:xfrm>
-            <a:off x="9999980" y="4265930"/>
-            <a:ext cx="1962785" cy="645160"/>
+            <a:off x="9969718" y="4095770"/>
+            <a:ext cx="1962785" cy="922020"/>
           </a:xfrm>
           <a:prstGeom prst="rect">
             <a:avLst/>
@@ -7446,12 +7484,32 @@
           <a:p>
             <a:pPr algn="ctr"/>
             <a:r>
+              <a:rPr lang="zh-CN" altLang="en-US">
+                <a:solidFill>
+                  <a:srgbClr val="FFFFFF"/>
+                </a:solidFill>
+                <a:latin typeface="Calibri" panose="020F0502020204030204" charset="0"/>
+                <a:ea typeface="Calibri" panose="020F0502020204030204" charset="0"/>
+              </a:rPr>
+              <a:t>或</a:t>
+            </a:r>
+            <a:endParaRPr lang="zh-CN" altLang="en-US">
+              <a:solidFill>
+                <a:srgbClr val="FFFFFF"/>
+              </a:solidFill>
+              <a:latin typeface="Calibri" panose="020F0502020204030204" charset="0"/>
+              <a:ea typeface="Calibri" panose="020F0502020204030204" charset="0"/>
+            </a:endParaRPr>
+          </a:p>
+          <a:p>
+            <a:pPr algn="ctr"/>
+            <a:r>
               <a:rPr lang="en-US" altLang="zh-CN">
                 <a:solidFill>
                   <a:schemeClr val="bg1"/>
                 </a:solidFill>
               </a:rPr>
-              <a:t>Electron-Build</a:t>
+              <a:t>Electron-Builder</a:t>
             </a:r>
             <a:endParaRPr lang="en-US" altLang="zh-CN">
               <a:solidFill>
@@ -9011,35 +9069,6 @@
                     </a:srgbClr>
                   </a:outerShdw>
                 </a:effectLst>
-              </a:rPr>
-              <a:t>	getCurrentWindow,</a:t>
-            </a:r>
-            <a:endParaRPr lang="en-US" altLang="zh-CN" sz="2000">
-              <a:solidFill>
-                <a:srgbClr val="A9ECF8"/>
-              </a:solidFill>
-              <a:effectLst>
-                <a:outerShdw blurRad="38100" dist="25400" dir="5400000" algn="ctr" rotWithShape="0">
-                  <a:srgbClr val="6E747A">
-                    <a:alpha val="43000"/>
-                  </a:srgbClr>
-                </a:outerShdw>
-              </a:effectLst>
-            </a:endParaRPr>
-          </a:p>
-          <a:p>
-            <a:r>
-              <a:rPr lang="en-US" altLang="zh-CN" sz="2000">
-                <a:solidFill>
-                  <a:srgbClr val="A9ECF8"/>
-                </a:solidFill>
-                <a:effectLst>
-                  <a:outerShdw blurRad="38100" dist="25400" dir="5400000" algn="ctr" rotWithShape="0">
-                    <a:srgbClr val="6E747A">
-                      <a:alpha val="43000"/>
-                    </a:srgbClr>
-                  </a:outerShdw>
-                </a:effectLst>
                 <a:latin typeface="Calibri" panose="020F0502020204030204" charset="0"/>
                 <a:ea typeface="Calibri" panose="020F0502020204030204" charset="0"/>
               </a:rPr>
@@ -9321,7 +9350,7 @@
                 </a:effectLst>
                 <a:sym typeface="+mn-ea"/>
               </a:rPr>
-              <a:t>     getCurrentWindow</a:t>
+              <a:t> getCurrentWindow</a:t>
             </a:r>
             <a:r>
               <a:rPr lang="en-US" altLang="zh-CN" sz="2000">
@@ -10056,8 +10085,8 @@
         </p:nvSpPr>
         <p:spPr>
           <a:xfrm>
-            <a:off x="734060" y="2131695"/>
-            <a:ext cx="2206625" cy="398780"/>
+            <a:off x="619125" y="1841500"/>
+            <a:ext cx="2206625" cy="428625"/>
           </a:xfrm>
           <a:prstGeom prst="rect">
             <a:avLst/>
@@ -10066,7 +10095,7 @@
         </p:spPr>
         <p:txBody>
           <a:bodyPr wrap="square" rtlCol="0">
-            <a:spAutoFit/>
+            <a:noAutofit/>
           </a:bodyPr>
           <a:p>
             <a:r>
@@ -10107,8 +10136,8 @@
         </p:nvSpPr>
         <p:spPr>
           <a:xfrm>
-            <a:off x="734060" y="5468620"/>
-            <a:ext cx="2206625" cy="398780"/>
+            <a:off x="730250" y="4603750"/>
+            <a:ext cx="2000250" cy="508000"/>
           </a:xfrm>
           <a:prstGeom prst="rect">
             <a:avLst/>
@@ -10117,7 +10146,7 @@
         </p:spPr>
         <p:txBody>
           <a:bodyPr wrap="square" rtlCol="0">
-            <a:spAutoFit/>
+            <a:noAutofit/>
           </a:bodyPr>
           <a:p>
             <a:r>
@@ -10158,7 +10187,7 @@
         </p:nvSpPr>
         <p:spPr>
           <a:xfrm>
-            <a:off x="3578225" y="1840865"/>
+            <a:off x="3397399" y="1841609"/>
             <a:ext cx="7688580" cy="1322070"/>
           </a:xfrm>
           <a:prstGeom prst="rect">
@@ -10184,7 +10213,37 @@
                   </a:outerShdw>
                 </a:effectLst>
               </a:rPr>
-              <a:t>1、支持平台有：Windows (32/64 bit)、OS X (also known as macOS)、Linux (x86/x86_64);</a:t>
+              <a:t>1、支持平台有：Windows (32/64 bit)、macOS、Linux;  windows </a:t>
+            </a:r>
+            <a:r>
+              <a:rPr lang="zh-CN" altLang="en-US" sz="2000">
+                <a:solidFill>
+                  <a:srgbClr val="A9ECF8"/>
+                </a:solidFill>
+                <a:effectLst>
+                  <a:outerShdw blurRad="38100" dist="25400" dir="5400000" algn="ctr" rotWithShape="0">
+                    <a:srgbClr val="6E747A">
+                      <a:alpha val="43000"/>
+                    </a:srgbClr>
+                  </a:outerShdw>
+                </a:effectLst>
+              </a:rPr>
+              <a:t>--</a:t>
+            </a:r>
+            <a:r>
+              <a:rPr lang="en-US" altLang="zh-CN" sz="2000">
+                <a:solidFill>
+                  <a:srgbClr val="A9ECF8"/>
+                </a:solidFill>
+                <a:effectLst>
+                  <a:outerShdw blurRad="38100" dist="25400" dir="5400000" algn="ctr" rotWithShape="0">
+                    <a:srgbClr val="6E747A">
+                      <a:alpha val="43000"/>
+                    </a:srgbClr>
+                  </a:outerShdw>
+                </a:effectLst>
+              </a:rPr>
+              <a:t>&gt; exe</a:t>
             </a:r>
             <a:endParaRPr lang="en-US" altLang="zh-CN" sz="2000">
               <a:solidFill>
@@ -10212,8 +10271,146 @@
                     </a:srgbClr>
                   </a:outerShdw>
                 </a:effectLst>
-              </a:rPr>
-              <a:t>2、进行应用更新时，使用electron内置的autoUpdate进行更新</a:t>
+                <a:latin typeface="Calibri" panose="020F0502020204030204" charset="0"/>
+                <a:ea typeface="Calibri" panose="020F0502020204030204" charset="0"/>
+              </a:rPr>
+              <a:t>2</a:t>
+            </a:r>
+            <a:r>
+              <a:rPr lang="zh-CN" altLang="en-US" sz="2000">
+                <a:solidFill>
+                  <a:srgbClr val="A9ECF8"/>
+                </a:solidFill>
+                <a:effectLst>
+                  <a:outerShdw blurRad="38100" dist="25400" dir="5400000" algn="ctr" rotWithShape="0">
+                    <a:srgbClr val="6E747A">
+                      <a:alpha val="43000"/>
+                    </a:srgbClr>
+                  </a:outerShdw>
+                </a:effectLst>
+                <a:latin typeface="Calibri" panose="020F0502020204030204" charset="0"/>
+                <a:ea typeface="Calibri" panose="020F0502020204030204" charset="0"/>
+              </a:rPr>
+              <a:t>、支持</a:t>
+            </a:r>
+            <a:r>
+              <a:rPr lang="en-US" altLang="zh-CN" sz="2000">
+                <a:solidFill>
+                  <a:srgbClr val="A9ECF8"/>
+                </a:solidFill>
+                <a:effectLst>
+                  <a:outerShdw blurRad="38100" dist="25400" dir="5400000" algn="ctr" rotWithShape="0">
+                    <a:srgbClr val="6E747A">
+                      <a:alpha val="43000"/>
+                    </a:srgbClr>
+                  </a:outerShdw>
+                </a:effectLst>
+                <a:latin typeface="Calibri" panose="020F0502020204030204" charset="0"/>
+                <a:ea typeface="Calibri" panose="020F0502020204030204" charset="0"/>
+              </a:rPr>
+              <a:t>Auto Update</a:t>
+            </a:r>
+            <a:endParaRPr lang="zh-CN" altLang="en-US" sz="2000">
+              <a:solidFill>
+                <a:srgbClr val="A9ECF8"/>
+              </a:solidFill>
+              <a:effectLst>
+                <a:outerShdw blurRad="38100" dist="25400" dir="5400000" algn="ctr" rotWithShape="0">
+                  <a:srgbClr val="6E747A">
+                    <a:alpha val="43000"/>
+                  </a:srgbClr>
+                </a:outerShdw>
+              </a:effectLst>
+            </a:endParaRPr>
+          </a:p>
+          <a:p>
+            <a:r>
+              <a:rPr lang="en-US" altLang="zh-CN" sz="2000">
+                <a:solidFill>
+                  <a:srgbClr val="A9ECF8"/>
+                </a:solidFill>
+                <a:effectLst>
+                  <a:outerShdw blurRad="38100" dist="25400" dir="5400000" algn="ctr" rotWithShape="0">
+                    <a:srgbClr val="6E747A">
+                      <a:alpha val="43000"/>
+                    </a:srgbClr>
+                  </a:outerShdw>
+                </a:effectLst>
+                <a:latin typeface="Calibri" panose="020F0502020204030204" charset="0"/>
+                <a:ea typeface="宋体" charset="0"/>
+              </a:rPr>
+              <a:t>3</a:t>
+            </a:r>
+            <a:r>
+              <a:rPr lang="zh-CN" altLang="en-US" sz="2000">
+                <a:solidFill>
+                  <a:srgbClr val="A9ECF8"/>
+                </a:solidFill>
+                <a:effectLst>
+                  <a:outerShdw blurRad="38100" dist="25400" dir="5400000" algn="ctr" rotWithShape="0">
+                    <a:srgbClr val="6E747A">
+                      <a:alpha val="43000"/>
+                    </a:srgbClr>
+                  </a:outerShdw>
+                </a:effectLst>
+                <a:latin typeface="Calibri" panose="020F0502020204030204" charset="0"/>
+                <a:ea typeface="宋体" charset="0"/>
+              </a:rPr>
+              <a:t>、源码暴漏</a:t>
+            </a:r>
+            <a:endParaRPr lang="zh-CN" altLang="en-US" sz="2000">
+              <a:solidFill>
+                <a:srgbClr val="A9ECF8"/>
+              </a:solidFill>
+              <a:effectLst>
+                <a:outerShdw blurRad="38100" dist="25400" dir="5400000" algn="ctr" rotWithShape="0">
+                  <a:srgbClr val="6E747A">
+                    <a:alpha val="43000"/>
+                  </a:srgbClr>
+                </a:outerShdw>
+              </a:effectLst>
+            </a:endParaRPr>
+          </a:p>
+        </p:txBody>
+      </p:sp>
+      <p:sp>
+        <p:nvSpPr>
+          <p:cNvPr id="13" name="文本框 12"/>
+          <p:cNvSpPr txBox="1"/>
+          <p:nvPr/>
+        </p:nvSpPr>
+        <p:spPr>
+          <a:xfrm>
+            <a:off x="3404235" y="4608830"/>
+            <a:ext cx="7687945" cy="1322070"/>
+          </a:xfrm>
+          <a:prstGeom prst="rect">
+            <a:avLst/>
+          </a:prstGeom>
+          <a:noFill/>
+        </p:spPr>
+        <p:txBody>
+          <a:bodyPr wrap="square" rtlCol="0" anchor="t">
+            <a:spAutoFit/>
+          </a:bodyPr>
+          <a:p>
+            <a:pPr algn="l">
+              <a:buNone/>
+            </a:pPr>
+            <a:r>
+              <a:rPr lang="en-US" altLang="zh-CN" sz="2000">
+                <a:solidFill>
+                  <a:srgbClr val="A9ECF8"/>
+                </a:solidFill>
+                <a:effectLst>
+                  <a:outerShdw blurRad="38100" dist="25400" dir="5400000" algn="ctr" rotWithShape="0">
+                    <a:srgbClr val="6E747A">
+                      <a:alpha val="43000"/>
+                    </a:srgbClr>
+                  </a:outerShdw>
+                </a:effectLst>
+              </a:rPr>
+              <a:t>1、electron-builder 几乎支持了所有平台的所有格式   msi|dmg|zip|7z</a:t>
             </a:r>
             <a:endParaRPr lang="en-US" altLang="zh-CN" sz="2000">
               <a:solidFill>
@@ -10229,72 +10426,6 @@
             </a:endParaRPr>
           </a:p>
           <a:p>
-            <a:r>
-              <a:rPr lang="en-US" altLang="zh-CN" sz="2000">
-                <a:solidFill>
-                  <a:srgbClr val="A9ECF8"/>
-                </a:solidFill>
-                <a:effectLst>
-                  <a:outerShdw blurRad="38100" dist="25400" dir="5400000" algn="ctr" rotWithShape="0">
-                    <a:srgbClr val="6E747A">
-                      <a:alpha val="43000"/>
-                    </a:srgbClr>
-                  </a:outerShdw>
-                </a:effectLst>
-              </a:rPr>
-              <a:t>3、</a:t>
-            </a:r>
-            <a:r>
-              <a:rPr lang="zh-CN" altLang="en-US" sz="2000">
-                <a:solidFill>
-                  <a:srgbClr val="A9ECF8"/>
-                </a:solidFill>
-                <a:effectLst>
-                  <a:outerShdw blurRad="38100" dist="25400" dir="5400000" algn="ctr" rotWithShape="0">
-                    <a:srgbClr val="6E747A">
-                      <a:alpha val="43000"/>
-                    </a:srgbClr>
-                  </a:outerShdw>
-                </a:effectLst>
-              </a:rPr>
-              <a:t>源码暴漏</a:t>
-            </a:r>
-            <a:endParaRPr lang="zh-CN" altLang="en-US" sz="2000">
-              <a:solidFill>
-                <a:srgbClr val="A9ECF8"/>
-              </a:solidFill>
-              <a:effectLst>
-                <a:outerShdw blurRad="38100" dist="25400" dir="5400000" algn="ctr" rotWithShape="0">
-                  <a:srgbClr val="6E747A">
-                    <a:alpha val="43000"/>
-                  </a:srgbClr>
-                </a:outerShdw>
-              </a:effectLst>
-            </a:endParaRPr>
-          </a:p>
-        </p:txBody>
-      </p:sp>
-      <p:sp>
-        <p:nvSpPr>
-          <p:cNvPr id="13" name="文本框 12"/>
-          <p:cNvSpPr txBox="1"/>
-          <p:nvPr/>
-        </p:nvSpPr>
-        <p:spPr>
-          <a:xfrm>
-            <a:off x="3578860" y="4608830"/>
-            <a:ext cx="7687945" cy="1322070"/>
-          </a:xfrm>
-          <a:prstGeom prst="rect">
-            <a:avLst/>
-          </a:prstGeom>
-          <a:noFill/>
-        </p:spPr>
-        <p:txBody>
-          <a:bodyPr wrap="square" rtlCol="0" anchor="t">
-            <a:spAutoFit/>
-          </a:bodyPr>
-          <a:p>
             <a:pPr algn="l">
               <a:buNone/>
             </a:pPr>
@@ -10311,7 +10442,7 @@
                   </a:outerShdw>
                 </a:effectLst>
               </a:rPr>
-              <a:t>1、electron-builder 可以打包成msi、exe、dmg文件，macOS系统，只能打包dmg文件，window系统才能打包exe，msi文件；</a:t>
+              <a:t>2、支持Auto Update</a:t>
             </a:r>
             <a:endParaRPr lang="en-US" altLang="zh-CN" sz="2000">
               <a:solidFill>
@@ -10342,40 +10473,27 @@
                     </a:srgbClr>
                   </a:outerShdw>
                 </a:effectLst>
-              </a:rPr>
-              <a:t>2、几乎支持了所有平台的所有格式；</a:t>
-            </a:r>
-            <a:endParaRPr lang="en-US" altLang="zh-CN" sz="2000">
-              <a:solidFill>
-                <a:srgbClr val="A9ECF8"/>
-              </a:solidFill>
-              <a:effectLst>
-                <a:outerShdw blurRad="38100" dist="25400" dir="5400000" algn="ctr" rotWithShape="0">
-                  <a:srgbClr val="6E747A">
-                    <a:alpha val="43000"/>
-                  </a:srgbClr>
-                </a:outerShdw>
-              </a:effectLst>
-            </a:endParaRPr>
-          </a:p>
-          <a:p>
-            <a:pPr algn="l">
-              <a:buNone/>
-            </a:pPr>
-            <a:r>
-              <a:rPr lang="en-US" altLang="zh-CN" sz="2000">
-                <a:solidFill>
-                  <a:srgbClr val="A9ECF8"/>
-                </a:solidFill>
-                <a:effectLst>
-                  <a:outerShdw blurRad="38100" dist="25400" dir="5400000" algn="ctr" rotWithShape="0">
-                    <a:srgbClr val="6E747A">
-                      <a:alpha val="43000"/>
-                    </a:srgbClr>
-                  </a:outerShdw>
-                </a:effectLst>
-              </a:rPr>
-              <a:t>3、支持Auto Update；</a:t>
+                <a:latin typeface="Calibri" panose="020F0502020204030204" charset="0"/>
+                <a:ea typeface="Calibri" panose="020F0502020204030204" charset="0"/>
+              </a:rPr>
+              <a:t>3</a:t>
+            </a:r>
+            <a:r>
+              <a:rPr lang="zh-CN" altLang="en-US" sz="2000">
+                <a:solidFill>
+                  <a:srgbClr val="A9ECF8"/>
+                </a:solidFill>
+                <a:effectLst>
+                  <a:outerShdw blurRad="38100" dist="25400" dir="5400000" algn="ctr" rotWithShape="0">
+                    <a:srgbClr val="6E747A">
+                      <a:alpha val="43000"/>
+                    </a:srgbClr>
+                  </a:outerShdw>
+                </a:effectLst>
+                <a:latin typeface="Calibri" panose="020F0502020204030204" charset="0"/>
+                <a:ea typeface="Calibri" panose="020F0502020204030204" charset="0"/>
+              </a:rPr>
+              <a:t>、源码不会暴漏</a:t>
             </a:r>
             <a:endParaRPr lang="en-US" altLang="zh-CN" sz="2000">
               <a:solidFill>
@@ -10642,7 +10760,7 @@
                     </a:outerShdw>
                   </a:effectLst>
                 </a:rPr>
-                <a:t>lectron 介绍、原理</a:t>
+                <a:t>lectron 基础介绍、原理</a:t>
               </a:r>
               <a:endParaRPr lang="zh-CN" altLang="en-US" sz="4000">
                 <a:solidFill>
@@ -10846,7 +10964,7 @@
                     </a:outerShdw>
                   </a:effectLst>
                 </a:rPr>
-                <a:t>  demo  调试方法、api、打包</a:t>
+                <a:t>  调试方法、api、打包</a:t>
               </a:r>
               <a:endParaRPr lang="zh-CN" altLang="en-US" sz="4000">
                 <a:solidFill>
@@ -11090,7 +11208,7 @@
                   </a:outerShdw>
                 </a:effectLst>
               </a:rPr>
-              <a:t>API， 支持mac 、 linux、windows 上运行</a:t>
+              <a:t>API， 支持在mac 、 linux、windows 系统上运行</a:t>
             </a:r>
             <a:endParaRPr lang="zh-CN" altLang="en-US" sz="3200">
               <a:solidFill>
@@ -11234,8 +11352,8 @@
         </p:nvSpPr>
         <p:spPr>
           <a:xfrm>
-            <a:off x="361315" y="1663065"/>
-            <a:ext cx="5981700" cy="3046095"/>
+            <a:off x="361315" y="1631315"/>
+            <a:ext cx="5981700" cy="3784600"/>
           </a:xfrm>
           <a:prstGeom prst="rect">
             <a:avLst/>
@@ -11466,7 +11584,7 @@
                 </a:effectLst>
                 <a:sym typeface="+mn-ea"/>
               </a:rPr>
-              <a:t>发布了</a:t>
+              <a:t>发布</a:t>
             </a:r>
             <a:r>
               <a:rPr lang="en-US" altLang="zh-CN" sz="3200">
@@ -11482,7 +11600,7 @@
                 </a:effectLst>
                 <a:sym typeface="+mn-ea"/>
               </a:rPr>
-              <a:t>1.0.0</a:t>
+              <a:t>1.0.0 </a:t>
             </a:r>
             <a:r>
               <a:rPr lang="zh-CN" altLang="en-US" sz="3200">
@@ -11514,6 +11632,63 @@
               <a:sym typeface="+mn-ea"/>
             </a:endParaRPr>
           </a:p>
+          <a:p>
+            <a:pPr indent="0" algn="l">
+              <a:lnSpc>
+                <a:spcPct val="150000"/>
+              </a:lnSpc>
+              <a:buNone/>
+            </a:pPr>
+            <a:r>
+              <a:rPr lang="en-US" altLang="zh-CN" sz="3200">
+                <a:solidFill>
+                  <a:srgbClr val="A9ECF8"/>
+                </a:solidFill>
+                <a:effectLst>
+                  <a:outerShdw blurRad="38100" dist="25400" dir="5400000" algn="ctr" rotWithShape="0">
+                    <a:srgbClr val="6E747A">
+                      <a:alpha val="43000"/>
+                    </a:srgbClr>
+                  </a:outerShdw>
+                </a:effectLst>
+                <a:latin typeface="Calibri" panose="020F0502020204030204" charset="0"/>
+                <a:ea typeface="宋体" charset="0"/>
+                <a:sym typeface="+mn-ea"/>
+              </a:rPr>
+              <a:t>202005 Electron 9.0.0 </a:t>
+            </a:r>
+            <a:r>
+              <a:rPr lang="zh-CN" altLang="en-US" sz="3200">
+                <a:solidFill>
+                  <a:srgbClr val="A9ECF8"/>
+                </a:solidFill>
+                <a:effectLst>
+                  <a:outerShdw blurRad="38100" dist="25400" dir="5400000" algn="ctr" rotWithShape="0">
+                    <a:srgbClr val="6E747A">
+                      <a:alpha val="43000"/>
+                    </a:srgbClr>
+                  </a:outerShdw>
+                </a:effectLst>
+                <a:latin typeface="Calibri" panose="020F0502020204030204" charset="0"/>
+                <a:ea typeface="宋体" charset="0"/>
+                <a:sym typeface="+mn-ea"/>
+              </a:rPr>
+              <a:t>版本</a:t>
+            </a:r>
+            <a:endParaRPr lang="zh-CN" altLang="en-US" sz="3200">
+              <a:solidFill>
+                <a:srgbClr val="A9ECF8"/>
+              </a:solidFill>
+              <a:effectLst>
+                <a:outerShdw blurRad="38100" dist="25400" dir="5400000" algn="ctr" rotWithShape="0">
+                  <a:srgbClr val="6E747A">
+                    <a:alpha val="43000"/>
+                  </a:srgbClr>
+                </a:outerShdw>
+              </a:effectLst>
+              <a:sym typeface="+mn-ea"/>
+            </a:endParaRPr>
+          </a:p>
         </p:txBody>
       </p:sp>
       <p:sp>
@@ -11567,7 +11742,25 @@
                 </a:effectLst>
                 <a:sym typeface="+mn-ea"/>
               </a:rPr>
-              <a:t>lectron 介绍</a:t>
+              <a:t>lectron </a:t>
+            </a:r>
+            <a:r>
+              <a:rPr lang="zh-CN" altLang="en-US" sz="4400">
+                <a:solidFill>
+                  <a:srgbClr val="A9ECF8"/>
+                </a:solidFill>
+                <a:effectLst>
+                  <a:outerShdw blurRad="38100" dist="25400" dir="5400000" algn="ctr" rotWithShape="0">
+                    <a:srgbClr val="6E747A">
+                      <a:alpha val="43000"/>
+                    </a:srgbClr>
+                  </a:outerShdw>
+                </a:effectLst>
+                <a:latin typeface="Calibri" panose="020F0502020204030204" charset="0"/>
+                <a:ea typeface="宋体" charset="0"/>
+                <a:sym typeface="+mn-ea"/>
+              </a:rPr>
+              <a:t>历史</a:t>
             </a:r>
             <a:endParaRPr lang="zh-CN" altLang="en-US" sz="4400">
               <a:solidFill>
@@ -11977,7 +12170,37 @@
                   </a:outerShdw>
                 </a:effectLst>
               </a:rPr>
-              <a:t>2、Electron内集成了Nodejs，开发界面的同时也有了操作系统底层 API 的能力，Nodejs 中常用的 Path、fs 等模块在 Electron 可以直接使用。</a:t>
+              <a:t>2、Electron内集成了Nodejs，</a:t>
+            </a:r>
+            <a:r>
+              <a:rPr lang="zh-CN" altLang="en-US" sz="2000">
+                <a:solidFill>
+                  <a:srgbClr val="A9ECF8"/>
+                </a:solidFill>
+                <a:effectLst>
+                  <a:outerShdw blurRad="38100" dist="25400" dir="5400000" algn="ctr" rotWithShape="0">
+                    <a:srgbClr val="6E747A">
+                      <a:alpha val="43000"/>
+                    </a:srgbClr>
+                  </a:outerShdw>
+                </a:effectLst>
+              </a:rPr>
+              <a:t>就</a:t>
+            </a:r>
+            <a:r>
+              <a:rPr lang="en-US" altLang="zh-CN" sz="2000">
+                <a:solidFill>
+                  <a:srgbClr val="A9ECF8"/>
+                </a:solidFill>
+                <a:effectLst>
+                  <a:outerShdw blurRad="38100" dist="25400" dir="5400000" algn="ctr" rotWithShape="0">
+                    <a:srgbClr val="6E747A">
+                      <a:alpha val="43000"/>
+                    </a:srgbClr>
+                  </a:outerShdw>
+                </a:effectLst>
+              </a:rPr>
+              <a:t>有了操作系统底层 API 的能力，Nodejs 中常用的 Path、fs 等模块在 Electron 可以直接使用。</a:t>
             </a:r>
             <a:endParaRPr lang="en-US" altLang="zh-CN" sz="2000">
               <a:solidFill>
@@ -12003,7 +12226,7 @@
         <p:spPr>
           <a:xfrm>
             <a:off x="589280" y="5859145"/>
-            <a:ext cx="10675620" cy="706755"/>
+            <a:ext cx="10675620" cy="398780"/>
           </a:xfrm>
           <a:prstGeom prst="rect">
             <a:avLst/>
@@ -12058,7 +12281,22 @@
                   </a:outerShdw>
                 </a:effectLst>
               </a:rPr>
-              <a:t>Electron内置了原生应用程序接口，对调用一些系统功能，如调用系统通知、打开系统文件夹提供支持</a:t>
+              <a:t>Electron内置了原生应用程序接口，对调用一些系统功能，如 系统通知、打开系统文件夹 </a:t>
+            </a:r>
+            <a:r>
+              <a:rPr lang="zh-CN" altLang="en-US" sz="2000">
+                <a:solidFill>
+                  <a:srgbClr val="A9ECF8"/>
+                </a:solidFill>
+                <a:effectLst>
+                  <a:outerShdw blurRad="38100" dist="25400" dir="5400000" algn="ctr" rotWithShape="0">
+                    <a:srgbClr val="6E747A">
+                      <a:alpha val="43000"/>
+                    </a:srgbClr>
+                  </a:outerShdw>
+                </a:effectLst>
+              </a:rPr>
+              <a:t>。</a:t>
             </a:r>
             <a:endParaRPr lang="en-US" altLang="zh-CN" sz="2000">
               <a:solidFill>
@@ -12133,8 +12371,8 @@
         </p:nvSpPr>
         <p:spPr>
           <a:xfrm>
-            <a:off x="1608455" y="466725"/>
-            <a:ext cx="3994150" cy="768350"/>
+            <a:off x="1603375" y="460375"/>
+            <a:ext cx="4587875" cy="1428750"/>
           </a:xfrm>
           <a:prstGeom prst="rect">
             <a:avLst/>
@@ -12143,7 +12381,7 @@
         </p:spPr>
         <p:txBody>
           <a:bodyPr wrap="square" rtlCol="0">
-            <a:spAutoFit/>
+            <a:noAutofit/>
           </a:bodyPr>
           <a:p>
             <a:r>
@@ -12176,7 +12414,25 @@
                 </a:effectLst>
                 <a:sym typeface="+mn-ea"/>
               </a:rPr>
-              <a:t>lectron 原理</a:t>
+              <a:t>lectron </a:t>
+            </a:r>
+            <a:r>
+              <a:rPr lang="zh-CN" altLang="en-US" sz="4400">
+                <a:solidFill>
+                  <a:srgbClr val="A9ECF8"/>
+                </a:solidFill>
+                <a:effectLst>
+                  <a:outerShdw blurRad="38100" dist="25400" dir="5400000" algn="ctr" rotWithShape="0">
+                    <a:srgbClr val="6E747A">
+                      <a:alpha val="43000"/>
+                    </a:srgbClr>
+                  </a:outerShdw>
+                </a:effectLst>
+                <a:latin typeface="Calibri" panose="020F0502020204030204" charset="0"/>
+                <a:ea typeface="宋体" charset="0"/>
+                <a:sym typeface="+mn-ea"/>
+              </a:rPr>
+              <a:t>进程介绍</a:t>
             </a:r>
             <a:endParaRPr lang="zh-CN" altLang="en-US" sz="4400">
               <a:solidFill>
@@ -12202,8 +12458,8 @@
         </p:nvSpPr>
         <p:spPr>
           <a:xfrm>
-            <a:off x="224118" y="1456765"/>
-            <a:ext cx="2950882" cy="5080000"/>
+            <a:off x="111125" y="1460500"/>
+            <a:ext cx="3063875" cy="5080000"/>
           </a:xfrm>
           <a:prstGeom prst="rect">
             <a:avLst/>
@@ -12215,21 +12471,6 @@
             <a:noAutofit/>
           </a:bodyPr>
           <a:p>
-            <a:r>
-              <a:rPr lang="en-US" altLang="zh-CN" sz="2400">
-                <a:solidFill>
-                  <a:srgbClr val="A9ECF8"/>
-                </a:solidFill>
-                <a:effectLst>
-                  <a:outerShdw blurRad="38100" dist="25400" dir="5400000" algn="ctr" rotWithShape="0">
-                    <a:srgbClr val="6E747A">
-                      <a:alpha val="43000"/>
-                    </a:srgbClr>
-                  </a:outerShdw>
-                </a:effectLst>
-              </a:rPr>
-              <a:t>两个核心</a:t>
-            </a:r>
             <a:endParaRPr lang="en-US" altLang="zh-CN" sz="2400">
               <a:solidFill>
                 <a:srgbClr val="A9ECF8"/>
@@ -12337,23 +12578,7 @@
                 </a:effectLst>
                 <a:sym typeface="+mn-ea"/>
               </a:rPr>
-              <a:t>Render</a:t>
-            </a:r>
-            <a:r>
-              <a:rPr lang="en-US" altLang="zh-CN" sz="2400">
-                <a:solidFill>
-                  <a:srgbClr val="A9ECF8"/>
-                </a:solidFill>
-                <a:effectLst>
-                  <a:outerShdw blurRad="38100" dist="25400" dir="5400000" algn="ctr" rotWithShape="0">
-                    <a:srgbClr val="6E747A">
-                      <a:alpha val="43000"/>
-                    </a:srgbClr>
-                  </a:outerShdw>
-                </a:effectLst>
-                <a:sym typeface="+mn-ea"/>
-              </a:rPr>
-              <a:t>er-process ---</a:t>
+              <a:t>Renderer-process ---</a:t>
             </a:r>
             <a:endParaRPr lang="en-US" altLang="zh-CN" sz="2400">
               <a:solidFill>
@@ -12410,7 +12635,7 @@
                   </a:outerShdw>
                 </a:effectLst>
               </a:rPr>
-              <a:t>主进程，通常是名为main.js 的文件，是每个 Electron 应用的入口文件。它控制着整个 App 的生命周期，从打开到关闭。 它也管理着系统原生元素比如菜单，菜单栏，Dock 栏，托盘等。 主进程负责创建 APP 的每个渲染进程。而且整个 Node API 都集成在里面。</a:t>
+              <a:t>主进程，通常是名为main.js 的文件，是每个 Electron 应用的入口文件。它控制着整个 App 的生命周期，从打开到关闭。 它也管理着系统原生元素比如菜单，菜单栏，托盘等。 主进程负责创建 APP 的每个渲染进程。而且整个 Node API 都集成在里面</a:t>
             </a:r>
             <a:endParaRPr lang="en-US" altLang="zh-CN" sz="2000">
               <a:solidFill>
@@ -12435,8 +12660,8 @@
         </p:nvSpPr>
         <p:spPr>
           <a:xfrm>
-            <a:off x="2689412" y="5210735"/>
-            <a:ext cx="9525000" cy="989853"/>
+            <a:off x="2968625" y="5349875"/>
+            <a:ext cx="9032875" cy="984250"/>
           </a:xfrm>
           <a:prstGeom prst="rect">
             <a:avLst/>
@@ -12449,6 +12674,21 @@
           </a:bodyPr>
           <a:p>
             <a:r>
+              <a:rPr lang="zh-CN" altLang="en-US" sz="2000">
+                <a:solidFill>
+                  <a:srgbClr val="A9ECF8"/>
+                </a:solidFill>
+                <a:effectLst>
+                  <a:outerShdw blurRad="38100" dist="25400" dir="5400000" algn="ctr" rotWithShape="0">
+                    <a:srgbClr val="6E747A">
+                      <a:alpha val="43000"/>
+                    </a:srgbClr>
+                  </a:outerShdw>
+                </a:effectLst>
+              </a:rPr>
+              <a:t>用于展示</a:t>
+            </a:r>
+            <a:r>
               <a:rPr lang="en-US" altLang="zh-CN" sz="2000">
                 <a:solidFill>
                   <a:srgbClr val="A9ECF8"/>
@@ -12461,7 +12701,37 @@
                   </a:outerShdw>
                 </a:effectLst>
               </a:rPr>
-              <a:t>在通常的浏览器内，网页通常运行在一个沙盒的环境挡住并且不能够使用原生的资源。 然而 Electron 的用户在 Node.js 的 API 支持下可以在页面中和操作系统进行一些低级别的交互。</a:t>
+              <a:t>UI</a:t>
+            </a:r>
+            <a:r>
+              <a:rPr lang="zh-CN" altLang="en-US" sz="2000">
+                <a:solidFill>
+                  <a:srgbClr val="A9ECF8"/>
+                </a:solidFill>
+                <a:effectLst>
+                  <a:outerShdw blurRad="38100" dist="25400" dir="5400000" algn="ctr" rotWithShape="0">
+                    <a:srgbClr val="6E747A">
+                      <a:alpha val="43000"/>
+                    </a:srgbClr>
+                  </a:outerShdw>
+                </a:effectLst>
+              </a:rPr>
+              <a:t>界面</a:t>
+            </a:r>
+            <a:r>
+              <a:rPr lang="en-US" altLang="zh-CN" sz="2000">
+                <a:solidFill>
+                  <a:srgbClr val="A9ECF8"/>
+                </a:solidFill>
+                <a:effectLst>
+                  <a:outerShdw blurRad="38100" dist="25400" dir="5400000" algn="ctr" rotWithShape="0">
+                    <a:srgbClr val="6E747A">
+                      <a:alpha val="43000"/>
+                    </a:srgbClr>
+                  </a:outerShdw>
+                </a:effectLst>
+              </a:rPr>
+              <a:t>, 在 Node.js 的 API 支持下可以在页面中和操作系统进行一些低级别的交互。</a:t>
             </a:r>
             <a:endParaRPr lang="en-US" altLang="zh-CN" sz="2000">
               <a:solidFill>
@@ -13775,6 +14045,22 @@
           </a:bodyPr>
           <a:p>
             <a:r>
+              <a:rPr lang="en-US" altLang="zh-CN" sz="4400">
+                <a:solidFill>
+                  <a:srgbClr val="A9ECF8"/>
+                </a:solidFill>
+                <a:effectLst>
+                  <a:outerShdw blurRad="38100" dist="25400" dir="5400000" algn="ctr" rotWithShape="0">
+                    <a:srgbClr val="6E747A">
+                      <a:alpha val="43000"/>
+                    </a:srgbClr>
+                  </a:outerShdw>
+                </a:effectLst>
+                <a:sym typeface="+mn-ea"/>
+              </a:rPr>
+              <a:t>Electron </a:t>
+            </a:r>
+            <a:r>
               <a:rPr lang="zh-CN" altLang="en-US" sz="4400">
                 <a:solidFill>
                   <a:srgbClr val="A9ECF8"/>
@@ -13788,39 +14074,7 @@
                 </a:effectLst>
                 <a:sym typeface="+mn-ea"/>
               </a:rPr>
-              <a:t>传统桌面应用与</a:t>
-            </a:r>
-            <a:r>
-              <a:rPr lang="en-US" altLang="zh-CN" sz="4400">
-                <a:solidFill>
-                  <a:srgbClr val="A9ECF8"/>
-                </a:solidFill>
-                <a:effectLst>
-                  <a:outerShdw blurRad="38100" dist="25400" dir="5400000" algn="ctr" rotWithShape="0">
-                    <a:srgbClr val="6E747A">
-                      <a:alpha val="43000"/>
-                    </a:srgbClr>
-                  </a:outerShdw>
-                </a:effectLst>
-                <a:sym typeface="+mn-ea"/>
-              </a:rPr>
-              <a:t>Electron </a:t>
-            </a:r>
-            <a:r>
-              <a:rPr lang="zh-CN" altLang="en-US" sz="4400">
-                <a:solidFill>
-                  <a:srgbClr val="A9ECF8"/>
-                </a:solidFill>
-                <a:effectLst>
-                  <a:outerShdw blurRad="38100" dist="25400" dir="5400000" algn="ctr" rotWithShape="0">
-                    <a:srgbClr val="6E747A">
-                      <a:alpha val="43000"/>
-                    </a:srgbClr>
-                  </a:outerShdw>
-                </a:effectLst>
-                <a:sym typeface="+mn-ea"/>
-              </a:rPr>
-              <a:t>区别</a:t>
+              <a:t>与 传统桌面应用区别</a:t>
             </a:r>
             <a:endParaRPr lang="zh-CN" altLang="en-US" sz="4400">
               <a:solidFill>
@@ -13898,7 +14152,7 @@
                       </a:pPr>
                       <a:r>
                         <a:rPr lang="en-US" altLang="zh-CN"/>
-                        <a:t>Native</a:t>
+                        <a:t>NW</a:t>
                       </a:r>
                       <a:endParaRPr lang="en-US" altLang="zh-CN"/>
                     </a:p>
@@ -13914,7 +14168,7 @@
                       </a:pPr>
                       <a:r>
                         <a:rPr lang="en-US" altLang="zh-CN"/>
-                        <a:t>NW</a:t>
+                        <a:t>Native</a:t>
                       </a:r>
                       <a:endParaRPr lang="en-US" altLang="zh-CN"/>
                     </a:p>
@@ -13966,7 +14220,7 @@
                         <a:rPr lang="zh-CN" altLang="en-US" sz="1800">
                           <a:sym typeface="+mn-ea"/>
                         </a:rPr>
-                        <a:t>✔✔✔</a:t>
+                        <a:t>✔</a:t>
                       </a:r>
                       <a:endParaRPr lang="en-US" altLang="zh-CN"/>
                     </a:p>
@@ -13984,7 +14238,7 @@
                         <a:rPr lang="zh-CN" altLang="en-US" sz="1800">
                           <a:sym typeface="+mn-ea"/>
                         </a:rPr>
-                        <a:t>✔</a:t>
+                        <a:t>✔✔✔</a:t>
                       </a:r>
                       <a:endParaRPr lang="en-US" altLang="zh-CN"/>
                     </a:p>
@@ -14038,7 +14292,7 @@
                         <a:rPr lang="zh-CN" altLang="en-US" sz="1800">
                           <a:sym typeface="+mn-ea"/>
                         </a:rPr>
-                        <a:t>✔✔✔</a:t>
+                        <a:t>✔</a:t>
                       </a:r>
                       <a:endParaRPr lang="zh-CN" altLang="en-US"/>
                     </a:p>
@@ -14056,7 +14310,7 @@
                         <a:rPr lang="zh-CN" altLang="en-US" sz="1800">
                           <a:sym typeface="+mn-ea"/>
                         </a:rPr>
-                        <a:t>✔</a:t>
+                        <a:t>✔✔✔</a:t>
                       </a:r>
                       <a:endParaRPr lang="zh-CN" altLang="en-US"/>
                     </a:p>
@@ -14110,7 +14364,7 @@
                         <a:rPr lang="zh-CN" altLang="en-US" sz="1800">
                           <a:sym typeface="+mn-ea"/>
                         </a:rPr>
-                        <a:t>✔✔✔</a:t>
+                        <a:t>✔</a:t>
                       </a:r>
                       <a:endParaRPr lang="zh-CN" altLang="en-US"/>
                     </a:p>
@@ -14126,9 +14380,13 @@
                       </a:pPr>
                       <a:r>
                         <a:rPr lang="zh-CN" altLang="en-US" sz="1800">
-                          <a:sym typeface="+mn-ea"/>
+                          <a:solidFill>
+                            <a:srgbClr val="000000"/>
+                          </a:solidFill>
+                          <a:latin typeface="Calibri" panose="020F0502020204030204" charset="0"/>
+                          <a:ea typeface="宋体" charset="0"/>
                         </a:rPr>
-                        <a:t>✔</a:t>
+                        <a:t>✔✔✔</a:t>
                       </a:r>
                       <a:endParaRPr lang="zh-CN" altLang="en-US"/>
                     </a:p>
@@ -14180,7 +14438,7 @@
                       </a:pPr>
                       <a:r>
                         <a:rPr lang="zh-CN" altLang="en-US"/>
-                        <a:t>❌</a:t>
+                        <a:t>✔✔✔</a:t>
                       </a:r>
                       <a:endParaRPr lang="zh-CN" altLang="en-US"/>
                     </a:p>
@@ -14196,9 +14454,13 @@
                       </a:pPr>
                       <a:r>
                         <a:rPr lang="zh-CN" altLang="en-US" sz="1800">
-                          <a:sym typeface="+mn-ea"/>
+                          <a:solidFill>
+                            <a:srgbClr val="000000"/>
+                          </a:solidFill>
+                          <a:latin typeface="Calibri" panose="020F0502020204030204" charset="0"/>
+                          <a:ea typeface="宋体" charset="0"/>
                         </a:rPr>
-                        <a:t>✔✔✔</a:t>
+                        <a:t>❌</a:t>
                       </a:r>
                       <a:endParaRPr lang="zh-CN" altLang="en-US"/>
                     </a:p>
@@ -14252,7 +14514,7 @@
                         <a:rPr lang="zh-CN" altLang="en-US" sz="1800">
                           <a:sym typeface="+mn-ea"/>
                         </a:rPr>
-                        <a:t>✔✔</a:t>
+                        <a:t>✔✔✔</a:t>
                       </a:r>
                       <a:endParaRPr lang="zh-CN" altLang="en-US"/>
                     </a:p>
@@ -14267,10 +14529,8 @@
                         <a:buNone/>
                       </a:pPr>
                       <a:r>
-                        <a:rPr lang="zh-CN" altLang="en-US" sz="1800">
-                          <a:sym typeface="+mn-ea"/>
-                        </a:rPr>
-                        <a:t>✔✔✔</a:t>
+                        <a:rPr lang="zh-CN" altLang="en-US"/>
+                        <a:t>✔✔</a:t>
                       </a:r>
                       <a:endParaRPr lang="zh-CN" altLang="en-US"/>
                     </a:p>
@@ -14330,22 +14590,6 @@
                       </a:pPr>
                       <a:r>
                         <a:rPr lang="zh-CN" altLang="en-US"/>
-                        <a:t>专业应用</a:t>
-                      </a:r>
-                      <a:endParaRPr lang="zh-CN" altLang="en-US"/>
-                    </a:p>
-                  </a:txBody>
-                  <a:tcPr anchor="ctr" anchorCtr="0"/>
-                </a:tc>
-                <a:tc>
-                  <a:txBody>
-                    <a:bodyPr/>
-                    <a:p>
-                      <a:pPr algn="ctr">
-                        <a:buNone/>
-                      </a:pPr>
-                      <a:r>
-                        <a:rPr lang="zh-CN" altLang="en-US"/>
                         <a:t>跨平台（包括</a:t>
                       </a:r>
                       <a:r>
@@ -14365,6 +14609,22 @@
                       <a:r>
                         <a:rPr lang="zh-CN" altLang="en-US"/>
                         <a:t>前端技术栈</a:t>
+                      </a:r>
+                      <a:endParaRPr lang="zh-CN" altLang="en-US"/>
+                    </a:p>
+                  </a:txBody>
+                  <a:tcPr anchor="ctr" anchorCtr="0"/>
+                </a:tc>
+                <a:tc>
+                  <a:txBody>
+                    <a:bodyPr/>
+                    <a:p>
+                      <a:pPr algn="ctr">
+                        <a:buNone/>
+                      </a:pPr>
+                      <a:r>
+                        <a:rPr lang="zh-CN" altLang="en-US"/>
+                        <a:t>专业应用</a:t>
                       </a:r>
                       <a:endParaRPr lang="zh-CN" altLang="en-US"/>
                     </a:p>
@@ -14918,8 +15178,8 @@
         </p:nvSpPr>
         <p:spPr>
           <a:xfrm>
-            <a:off x="1608455" y="466725"/>
-            <a:ext cx="6489700" cy="768350"/>
+            <a:off x="1603375" y="460375"/>
+            <a:ext cx="7223125" cy="1428750"/>
           </a:xfrm>
           <a:prstGeom prst="rect">
             <a:avLst/>
@@ -14928,7 +15188,7 @@
         </p:spPr>
         <p:txBody>
           <a:bodyPr wrap="square" rtlCol="0">
-            <a:spAutoFit/>
+            <a:noAutofit/>
           </a:bodyPr>
           <a:p>
             <a:r>
@@ -14993,7 +15253,7 @@
                 </a:effectLst>
                 <a:sym typeface="+mn-ea"/>
               </a:rPr>
-              <a:t>差异</a:t>
+              <a:t>应用 差异</a:t>
             </a:r>
             <a:endParaRPr lang="zh-CN" altLang="en-US" sz="4400">
               <a:solidFill>
@@ -15351,7 +15611,7 @@
                       </a:pPr>
                       <a:r>
                         <a:rPr lang="zh-CN" altLang="en-US"/>
-                        <a:t>构建</a:t>
+                        <a:t>构建结果</a:t>
                       </a:r>
                       <a:endParaRPr lang="zh-CN" altLang="en-US"/>
                     </a:p>
@@ -15382,7 +15642,7 @@
                             <a:srgbClr val="FF0000"/>
                           </a:solidFill>
                         </a:rPr>
-                        <a:t>安装包</a:t>
+                        <a:t>安装包、其余系统脚本文件</a:t>
                       </a:r>
                       <a:endParaRPr lang="zh-CN" altLang="en-US">
                         <a:solidFill>
@@ -15505,7 +15765,7 @@
                       </a:pPr>
                       <a:r>
                         <a:rPr lang="zh-CN" altLang="en-US"/>
-                        <a:t>进程通信、内存管理、版本管理、性能</a:t>
+                        <a:t>进程通信、系统兼容性、安装包的大小、升级、性能</a:t>
                       </a:r>
                       <a:r>
                         <a:rPr lang="en-US" altLang="zh-CN"/>

--- a/ppt/electron.pptx
+++ b/ppt/electron.pptx
@@ -5890,8 +5890,8 @@
         </p:nvSpPr>
         <p:spPr>
           <a:xfrm>
-            <a:off x="7007225" y="4584700"/>
-            <a:ext cx="1669415" cy="906780"/>
+            <a:off x="7006590" y="4584700"/>
+            <a:ext cx="1670685" cy="906780"/>
           </a:xfrm>
           <a:prstGeom prst="rect">
             <a:avLst/>
@@ -6481,8 +6481,8 @@
         </p:nvSpPr>
         <p:spPr>
           <a:xfrm>
-            <a:off x="7007225" y="4853940"/>
-            <a:ext cx="1670050" cy="368300"/>
+            <a:off x="7007225" y="4720590"/>
+            <a:ext cx="1670050" cy="645160"/>
           </a:xfrm>
           <a:prstGeom prst="rect">
             <a:avLst/>
@@ -6501,7 +6501,7 @@
                   <a:schemeClr val="bg1"/>
                 </a:solidFill>
               </a:rPr>
-              <a:t>Render Process</a:t>
+              <a:t>Renderer Process</a:t>
             </a:r>
             <a:endParaRPr lang="en-US" altLang="zh-CN">
               <a:solidFill>
@@ -10187,8 +10187,8 @@
         </p:nvSpPr>
         <p:spPr>
           <a:xfrm>
-            <a:off x="3397399" y="1841609"/>
-            <a:ext cx="7688580" cy="1322070"/>
+            <a:off x="3397250" y="1841500"/>
+            <a:ext cx="8145780" cy="1014730"/>
           </a:xfrm>
           <a:prstGeom prst="rect">
             <a:avLst/>
@@ -10213,7 +10213,7 @@
                   </a:outerShdw>
                 </a:effectLst>
               </a:rPr>
-              <a:t>1、支持平台有：Windows (32/64 bit)、macOS、Linux;  windows </a:t>
+              <a:t>1、支持平台有：Windows (32/64 bit)、macOS、Linux;   windows </a:t>
             </a:r>
             <a:r>
               <a:rPr lang="zh-CN" altLang="en-US" sz="2000">
@@ -10337,7 +10337,7 @@
                   </a:outerShdw>
                 </a:effectLst>
                 <a:latin typeface="Calibri" panose="020F0502020204030204" charset="0"/>
-                <a:ea typeface="宋体" charset="0"/>
+                <a:ea typeface="宋体" panose="02010600030101010101" pitchFamily="2" charset="-122"/>
               </a:rPr>
               <a:t>3</a:t>
             </a:r>
@@ -10354,7 +10354,7 @@
                   </a:outerShdw>
                 </a:effectLst>
                 <a:latin typeface="Calibri" panose="020F0502020204030204" charset="0"/>
-                <a:ea typeface="宋体" charset="0"/>
+                <a:ea typeface="宋体" panose="02010600030101010101" pitchFamily="2" charset="-122"/>
               </a:rPr>
               <a:t>、源码暴漏</a:t>
             </a:r>
@@ -10382,7 +10382,7 @@
         <p:spPr>
           <a:xfrm>
             <a:off x="3404235" y="4608830"/>
-            <a:ext cx="7687945" cy="1322070"/>
+            <a:ext cx="7687945" cy="1014730"/>
           </a:xfrm>
           <a:prstGeom prst="rect">
             <a:avLst/>
@@ -10410,7 +10410,7 @@
                   </a:outerShdw>
                 </a:effectLst>
               </a:rPr>
-              <a:t>1、electron-builder 几乎支持了所有平台的所有格式   msi|dmg|zip|7z</a:t>
+              <a:t>1、electron-builder 几乎支持了所有平台的所有格式  msi|dmg|zip|7z</a:t>
             </a:r>
             <a:endParaRPr lang="en-US" altLang="zh-CN" sz="2000">
               <a:solidFill>
@@ -11652,7 +11652,7 @@
                   </a:outerShdw>
                 </a:effectLst>
                 <a:latin typeface="Calibri" panose="020F0502020204030204" charset="0"/>
-                <a:ea typeface="宋体" charset="0"/>
+                <a:ea typeface="宋体" panose="02010600030101010101" pitchFamily="2" charset="-122"/>
                 <a:sym typeface="+mn-ea"/>
               </a:rPr>
               <a:t>202005 Electron 9.0.0 </a:t>
@@ -11670,7 +11670,7 @@
                   </a:outerShdw>
                 </a:effectLst>
                 <a:latin typeface="Calibri" panose="020F0502020204030204" charset="0"/>
-                <a:ea typeface="宋体" charset="0"/>
+                <a:ea typeface="宋体" panose="02010600030101010101" pitchFamily="2" charset="-122"/>
                 <a:sym typeface="+mn-ea"/>
               </a:rPr>
               <a:t>版本</a:t>
@@ -11757,7 +11757,7 @@
                   </a:outerShdw>
                 </a:effectLst>
                 <a:latin typeface="Calibri" panose="020F0502020204030204" charset="0"/>
-                <a:ea typeface="宋体" charset="0"/>
+                <a:ea typeface="宋体" panose="02010600030101010101" pitchFamily="2" charset="-122"/>
                 <a:sym typeface="+mn-ea"/>
               </a:rPr>
               <a:t>历史</a:t>
@@ -12078,7 +12078,7 @@
         <p:spPr>
           <a:xfrm>
             <a:off x="508000" y="1565275"/>
-            <a:ext cx="10665460" cy="2707640"/>
+            <a:ext cx="11220450" cy="2707640"/>
           </a:xfrm>
           <a:prstGeom prst="roundRect">
             <a:avLst/>
@@ -12429,7 +12429,7 @@
                   </a:outerShdw>
                 </a:effectLst>
                 <a:latin typeface="Calibri" panose="020F0502020204030204" charset="0"/>
-                <a:ea typeface="宋体" charset="0"/>
+                <a:ea typeface="宋体" panose="02010600030101010101" pitchFamily="2" charset="-122"/>
                 <a:sym typeface="+mn-ea"/>
               </a:rPr>
               <a:t>进程介绍</a:t>
@@ -12458,8 +12458,8 @@
         </p:nvSpPr>
         <p:spPr>
           <a:xfrm>
-            <a:off x="111125" y="1460500"/>
-            <a:ext cx="3063875" cy="5080000"/>
+            <a:off x="28575" y="1889125"/>
+            <a:ext cx="3146425" cy="4401820"/>
           </a:xfrm>
           <a:prstGeom prst="rect">
             <a:avLst/>
@@ -12491,6 +12491,21 @@
               </a:lnSpc>
             </a:pPr>
             <a:r>
+              <a:rPr lang="en-US" altLang="zh-CN" sz="3200">
+                <a:solidFill>
+                  <a:srgbClr val="A9ECF8"/>
+                </a:solidFill>
+                <a:effectLst>
+                  <a:outerShdw blurRad="38100" dist="25400" dir="5400000" algn="ctr" rotWithShape="0">
+                    <a:srgbClr val="6E747A">
+                      <a:alpha val="43000"/>
+                    </a:srgbClr>
+                  </a:outerShdw>
+                </a:effectLst>
+              </a:rPr>
+              <a:t>Main-process</a:t>
+            </a:r>
+            <a:r>
               <a:rPr lang="en-US" altLang="zh-CN" sz="2400">
                 <a:solidFill>
                   <a:srgbClr val="A9ECF8"/>
@@ -12503,7 +12518,7 @@
                   </a:outerShdw>
                 </a:effectLst>
               </a:rPr>
-              <a:t>Main-process ---</a:t>
+              <a:t> ---</a:t>
             </a:r>
             <a:endParaRPr lang="en-US" altLang="zh-CN" sz="2400">
               <a:solidFill>
@@ -12565,6 +12580,22 @@
               </a:lnSpc>
             </a:pPr>
             <a:r>
+              <a:rPr lang="en-US" altLang="zh-CN" sz="2800">
+                <a:solidFill>
+                  <a:srgbClr val="A9ECF8"/>
+                </a:solidFill>
+                <a:effectLst>
+                  <a:outerShdw blurRad="38100" dist="25400" dir="5400000" algn="ctr" rotWithShape="0">
+                    <a:srgbClr val="6E747A">
+                      <a:alpha val="43000"/>
+                    </a:srgbClr>
+                  </a:outerShdw>
+                </a:effectLst>
+                <a:sym typeface="+mn-ea"/>
+              </a:rPr>
+              <a:t>Renderer-process</a:t>
+            </a:r>
+            <a:r>
               <a:rPr lang="en-US" altLang="zh-CN" sz="2400">
                 <a:solidFill>
                   <a:srgbClr val="A9ECF8"/>
@@ -12578,7 +12609,7 @@
                 </a:effectLst>
                 <a:sym typeface="+mn-ea"/>
               </a:rPr>
-              <a:t>Renderer-process ---</a:t>
+              <a:t> ---</a:t>
             </a:r>
             <a:endParaRPr lang="en-US" altLang="zh-CN" sz="2400">
               <a:solidFill>
@@ -12604,8 +12635,8 @@
         </p:nvSpPr>
         <p:spPr>
           <a:xfrm>
-            <a:off x="2689412" y="2147794"/>
-            <a:ext cx="9506324" cy="1867647"/>
+            <a:off x="2689225" y="2022475"/>
+            <a:ext cx="9257030" cy="1867535"/>
           </a:xfrm>
           <a:prstGeom prst="rect">
             <a:avLst/>
@@ -12660,8 +12691,8 @@
         </p:nvSpPr>
         <p:spPr>
           <a:xfrm>
-            <a:off x="2968625" y="5349875"/>
-            <a:ext cx="9032875" cy="984250"/>
+            <a:off x="3175000" y="5433695"/>
+            <a:ext cx="8769985" cy="984250"/>
           </a:xfrm>
           <a:prstGeom prst="rect">
             <a:avLst/>
@@ -13096,9 +13127,9 @@
         <p:grpSpPr>
           <a:xfrm>
             <a:off x="5866765" y="2699385"/>
-            <a:ext cx="3296920" cy="1629410"/>
+            <a:ext cx="3297555" cy="1630045"/>
             <a:chOff x="7823" y="5441"/>
-            <a:chExt cx="5192" cy="2566"/>
+            <a:chExt cx="5193" cy="2567"/>
           </a:xfrm>
         </p:grpSpPr>
         <p:sp>
@@ -13271,7 +13302,7 @@
             <a:p>
               <a:r>
                 <a:rPr lang="en-US" altLang="zh-CN" sz="1600"/>
-                <a:t>  Render Native API</a:t>
+                <a:t>  Renderer Native API</a:t>
               </a:r>
               <a:endParaRPr lang="en-US" altLang="zh-CN" sz="1600"/>
             </a:p>
@@ -13457,9 +13488,9 @@
         <p:grpSpPr>
           <a:xfrm>
             <a:off x="5855970" y="4738370"/>
-            <a:ext cx="3296920" cy="1629410"/>
+            <a:ext cx="3297555" cy="1630045"/>
             <a:chOff x="7823" y="5441"/>
-            <a:chExt cx="5192" cy="2566"/>
+            <a:chExt cx="5193" cy="2567"/>
           </a:xfrm>
         </p:grpSpPr>
         <p:sp>
@@ -13632,7 +13663,7 @@
             <a:p>
               <a:r>
                 <a:rPr lang="en-US" altLang="zh-CN" sz="1600"/>
-                <a:t>  Render Native API</a:t>
+                <a:t>  Renderer Native API</a:t>
               </a:r>
               <a:endParaRPr lang="en-US" altLang="zh-CN" sz="1600"/>
             </a:p>
@@ -14384,7 +14415,7 @@
                             <a:srgbClr val="000000"/>
                           </a:solidFill>
                           <a:latin typeface="Calibri" panose="020F0502020204030204" charset="0"/>
-                          <a:ea typeface="宋体" charset="0"/>
+                          <a:ea typeface="宋体" panose="02010600030101010101" pitchFamily="2" charset="-122"/>
                         </a:rPr>
                         <a:t>✔✔✔</a:t>
                       </a:r>
@@ -14458,7 +14489,7 @@
                             <a:srgbClr val="000000"/>
                           </a:solidFill>
                           <a:latin typeface="Calibri" panose="020F0502020204030204" charset="0"/>
-                          <a:ea typeface="宋体" charset="0"/>
+                          <a:ea typeface="宋体" panose="02010600030101010101" pitchFamily="2" charset="-122"/>
                         </a:rPr>
                         <a:t>❌</a:t>
                       </a:r>
